--- a/CKAD-CertifiedKubernetesApplicationDeveloper/training.pptx
+++ b/CKAD-CertifiedKubernetesApplicationDeveloper/training.pptx
@@ -5,10 +5,10 @@
     <p:sldMasterId id="2147483667" r:id="rId1"/>
   </p:sldMasterIdLst>
   <p:notesMasterIdLst>
-    <p:notesMasterId r:id="rId30"/>
+    <p:notesMasterId r:id="rId38"/>
   </p:notesMasterIdLst>
   <p:handoutMasterIdLst>
-    <p:handoutMasterId r:id="rId31"/>
+    <p:handoutMasterId r:id="rId39"/>
   </p:handoutMasterIdLst>
   <p:sldIdLst>
     <p:sldId id="256" r:id="rId2"/>
@@ -25,20 +25,28 @@
     <p:sldId id="276" r:id="rId13"/>
     <p:sldId id="277" r:id="rId14"/>
     <p:sldId id="278" r:id="rId15"/>
-    <p:sldId id="279" r:id="rId16"/>
-    <p:sldId id="260" r:id="rId17"/>
-    <p:sldId id="280" r:id="rId18"/>
-    <p:sldId id="261" r:id="rId19"/>
-    <p:sldId id="281" r:id="rId20"/>
-    <p:sldId id="263" r:id="rId21"/>
-    <p:sldId id="282" r:id="rId22"/>
-    <p:sldId id="264" r:id="rId23"/>
-    <p:sldId id="284" r:id="rId24"/>
-    <p:sldId id="265" r:id="rId25"/>
-    <p:sldId id="283" r:id="rId26"/>
-    <p:sldId id="266" r:id="rId27"/>
-    <p:sldId id="285" r:id="rId28"/>
-    <p:sldId id="268" r:id="rId29"/>
+    <p:sldId id="286" r:id="rId16"/>
+    <p:sldId id="279" r:id="rId17"/>
+    <p:sldId id="260" r:id="rId18"/>
+    <p:sldId id="280" r:id="rId19"/>
+    <p:sldId id="287" r:id="rId20"/>
+    <p:sldId id="261" r:id="rId21"/>
+    <p:sldId id="281" r:id="rId22"/>
+    <p:sldId id="288" r:id="rId23"/>
+    <p:sldId id="263" r:id="rId24"/>
+    <p:sldId id="282" r:id="rId25"/>
+    <p:sldId id="289" r:id="rId26"/>
+    <p:sldId id="264" r:id="rId27"/>
+    <p:sldId id="284" r:id="rId28"/>
+    <p:sldId id="290" r:id="rId29"/>
+    <p:sldId id="265" r:id="rId30"/>
+    <p:sldId id="283" r:id="rId31"/>
+    <p:sldId id="291" r:id="rId32"/>
+    <p:sldId id="266" r:id="rId33"/>
+    <p:sldId id="285" r:id="rId34"/>
+    <p:sldId id="292" r:id="rId35"/>
+    <p:sldId id="268" r:id="rId36"/>
+    <p:sldId id="293" r:id="rId37"/>
   </p:sldIdLst>
   <p:sldSz cx="12192000" cy="6858000"/>
   <p:notesSz cx="6858000" cy="9144000"/>
@@ -137,6 +145,11 @@
       </a:defRPr>
     </a:lvl9pPr>
   </p:defaultTextStyle>
+  <p:extLst>
+    <p:ext uri="{EFAFB233-063F-42B5-8137-9DF3F51BA10A}">
+      <p15:sldGuideLst xmlns:p15="http://schemas.microsoft.com/office/powerpoint/2012/main"/>
+    </p:ext>
+  </p:extLst>
 </p:presentation>
 </file>
 
@@ -234,7 +247,7 @@
           <a:p>
             <a:fld id="{D10775B3-E39F-AB49-AA49-865466530D53}" type="datetimeFigureOut">
               <a:rPr lang="en-US" smtClean="0"/>
-              <a:t>7/14/20</a:t>
+              <a:t>7/20/20</a:t>
             </a:fld>
             <a:endParaRPr lang="en-US"/>
           </a:p>
@@ -415,7 +428,7 @@
           <a:p>
             <a:fld id="{7BBD52C6-719C-4246-AE8D-37CBF7F079BE}" type="datetimeFigureOut">
               <a:rPr lang="en-US" smtClean="0"/>
-              <a:t>7/14/20</a:t>
+              <a:t>7/20/20</a:t>
             </a:fld>
             <a:endParaRPr lang="en-US"/>
           </a:p>
@@ -2095,7 +2108,7 @@
           <a:p>
             <a:fld id="{484052F2-24FB-D848-B0C1-24A2A53EF158}" type="datetime1">
               <a:rPr lang="en-US" smtClean="0"/>
-              <a:t>7/14/20</a:t>
+              <a:t>7/20/20</a:t>
             </a:fld>
             <a:endParaRPr lang="en-US" dirty="0"/>
           </a:p>
@@ -3559,7 +3572,7 @@
           <a:p>
             <a:fld id="{773ACE1F-1377-494D-8CFC-599A762058E0}" type="datetime1">
               <a:rPr lang="en-US" smtClean="0"/>
-              <a:t>7/14/20</a:t>
+              <a:t>7/20/20</a:t>
             </a:fld>
             <a:endParaRPr lang="en-US" dirty="0"/>
           </a:p>
@@ -5017,7 +5030,7 @@
           <a:p>
             <a:fld id="{419B6189-D4AC-1541-BF4A-4EA5A67537BE}" type="datetime1">
               <a:rPr lang="en-US" smtClean="0"/>
-              <a:t>7/14/20</a:t>
+              <a:t>7/20/20</a:t>
             </a:fld>
             <a:endParaRPr lang="en-US" dirty="0"/>
           </a:p>
@@ -6477,7 +6490,7 @@
           <a:p>
             <a:fld id="{79B9EDC1-3EFD-6A4B-9B2C-3AEA62E2B323}" type="datetime1">
               <a:rPr lang="en-US" smtClean="0"/>
-              <a:t>7/14/20</a:t>
+              <a:t>7/20/20</a:t>
             </a:fld>
             <a:endParaRPr lang="en-US" dirty="0"/>
           </a:p>
@@ -7990,7 +8003,7 @@
           <a:p>
             <a:fld id="{4F202DB8-D22D-D143-A7F2-767B9C5B7BDC}" type="datetime1">
               <a:rPr lang="en-US" smtClean="0"/>
-              <a:t>7/14/20</a:t>
+              <a:t>7/20/20</a:t>
             </a:fld>
             <a:endParaRPr lang="en-US" dirty="0"/>
           </a:p>
@@ -9516,7 +9529,7 @@
           <a:p>
             <a:fld id="{5EEDFE34-FFAA-7840-A1F1-1DF0CF210792}" type="datetime1">
               <a:rPr lang="en-US" smtClean="0"/>
-              <a:t>7/14/20</a:t>
+              <a:t>7/20/20</a:t>
             </a:fld>
             <a:endParaRPr lang="en-US" dirty="0"/>
           </a:p>
@@ -11186,7 +11199,7 @@
           <a:p>
             <a:fld id="{E5BEE78C-9FB1-264A-BD0F-9634E4188233}" type="datetime1">
               <a:rPr lang="en-US" smtClean="0"/>
-              <a:t>7/14/20</a:t>
+              <a:t>7/20/20</a:t>
             </a:fld>
             <a:endParaRPr lang="en-US" dirty="0"/>
           </a:p>
@@ -12589,7 +12602,7 @@
           <a:p>
             <a:fld id="{305A2DE9-3E87-7240-BAF4-BB3B8E6CEAD9}" type="datetime1">
               <a:rPr lang="en-US" smtClean="0"/>
-              <a:t>7/14/20</a:t>
+              <a:t>7/20/20</a:t>
             </a:fld>
             <a:endParaRPr lang="en-US" dirty="0"/>
           </a:p>
@@ -12694,7 +12707,7 @@
           <a:p>
             <a:fld id="{1DBB2A5D-6EF4-9D40-BE8E-0267F8C70937}" type="datetime1">
               <a:rPr lang="en-US" smtClean="0"/>
-              <a:t>7/14/20</a:t>
+              <a:t>7/20/20</a:t>
             </a:fld>
             <a:endParaRPr lang="en-US" dirty="0"/>
           </a:p>
@@ -14225,7 +14238,7 @@
           <a:p>
             <a:fld id="{10BC270A-9F50-AE49-A7AB-A365C1F2B2F3}" type="datetime1">
               <a:rPr lang="en-US" smtClean="0"/>
-              <a:t>7/14/20</a:t>
+              <a:t>7/20/20</a:t>
             </a:fld>
             <a:endParaRPr lang="en-US" dirty="0"/>
           </a:p>
@@ -15766,7 +15779,7 @@
           <a:p>
             <a:fld id="{A3ECB672-F28C-A645-9CB6-E01C5121E058}" type="datetime1">
               <a:rPr lang="en-US" smtClean="0"/>
-              <a:t>7/14/20</a:t>
+              <a:t>7/20/20</a:t>
             </a:fld>
             <a:endParaRPr lang="en-US" dirty="0"/>
           </a:p>
@@ -15994,7 +16007,7 @@
           <a:p>
             <a:fld id="{E3CB6B63-D417-F44A-82FD-C41D74945E52}" type="datetime1">
               <a:rPr lang="en-US" smtClean="0"/>
-              <a:t>7/14/20</a:t>
+              <a:t>7/20/20</a:t>
             </a:fld>
             <a:endParaRPr lang="en-US" dirty="0"/>
           </a:p>
@@ -16477,8 +16490,8 @@
         </p:nvSpPr>
         <p:spPr>
           <a:xfrm>
-            <a:off x="283029" y="1449147"/>
-            <a:ext cx="11625942" cy="2971051"/>
+            <a:off x="166254" y="1532272"/>
+            <a:ext cx="11778342" cy="2971051"/>
           </a:xfrm>
         </p:spPr>
         <p:txBody>
@@ -16494,11 +16507,11 @@
               <a:rPr lang="en-US" dirty="0"/>
             </a:br>
             <a:r>
-              <a:rPr lang="en-US" b="0" dirty="0"/>
+              <a:rPr lang="en-US" sz="3200" b="0" dirty="0"/>
               <a:t>code: </a:t>
             </a:r>
             <a:r>
-              <a:rPr lang="en-US" b="1" dirty="0"/>
+              <a:rPr lang="en-US" sz="6600" b="1" dirty="0"/>
               <a:t>CKAD</a:t>
             </a:r>
           </a:p>
@@ -16710,11 +16723,47 @@
                   <a:schemeClr val="bg1"/>
                 </a:solidFill>
               </a:rPr>
-              <a:t>Core Concepts 13%</a:t>
+              <a:t>Core Concepts - 13%</a:t>
             </a:r>
           </a:p>
         </p:txBody>
       </p:sp>
+      <p:pic>
+        <p:nvPicPr>
+          <p:cNvPr id="7" name="Picture 6">
+            <a:extLst>
+              <a:ext uri="{FF2B5EF4-FFF2-40B4-BE49-F238E27FC236}">
+                <a16:creationId xmlns:a16="http://schemas.microsoft.com/office/drawing/2014/main" id="{1E887D8E-BC4C-324D-91AD-C9F1D1ED032E}"/>
+              </a:ext>
+            </a:extLst>
+          </p:cNvPr>
+          <p:cNvPicPr>
+            <a:picLocks noChangeAspect="1"/>
+          </p:cNvPicPr>
+          <p:nvPr/>
+        </p:nvPicPr>
+        <p:blipFill>
+          <a:blip r:embed="rId2">
+            <a:extLst>
+              <a:ext uri="{837473B0-CC2E-450A-ABE3-18F120FF3D39}">
+                <a1611:picAttrSrcUrl xmlns:a1611="http://schemas.microsoft.com/office/drawing/2016/11/main" r:id="rId3"/>
+              </a:ext>
+            </a:extLst>
+          </a:blip>
+          <a:stretch>
+            <a:fillRect/>
+          </a:stretch>
+        </p:blipFill>
+        <p:spPr>
+          <a:xfrm>
+            <a:off x="791680" y="2745"/>
+            <a:ext cx="3693823" cy="1877342"/>
+          </a:xfrm>
+          <a:prstGeom prst="rect">
+            <a:avLst/>
+          </a:prstGeom>
+        </p:spPr>
+      </p:pic>
     </p:spTree>
     <p:extLst>
       <p:ext uri="{BB962C8B-B14F-4D97-AF65-F5344CB8AC3E}">
@@ -16960,11 +17009,47 @@
                   <a:schemeClr val="bg1"/>
                 </a:solidFill>
               </a:rPr>
-              <a:t>Core Concepts 13%</a:t>
+              <a:t>Core Concepts - 13%</a:t>
             </a:r>
           </a:p>
         </p:txBody>
       </p:sp>
+      <p:pic>
+        <p:nvPicPr>
+          <p:cNvPr id="7" name="Picture 6">
+            <a:extLst>
+              <a:ext uri="{FF2B5EF4-FFF2-40B4-BE49-F238E27FC236}">
+                <a16:creationId xmlns:a16="http://schemas.microsoft.com/office/drawing/2014/main" id="{D8A896BB-ACB4-6944-91C0-8AD8D5686398}"/>
+              </a:ext>
+            </a:extLst>
+          </p:cNvPr>
+          <p:cNvPicPr>
+            <a:picLocks noChangeAspect="1"/>
+          </p:cNvPicPr>
+          <p:nvPr/>
+        </p:nvPicPr>
+        <p:blipFill>
+          <a:blip r:embed="rId2">
+            <a:extLst>
+              <a:ext uri="{837473B0-CC2E-450A-ABE3-18F120FF3D39}">
+                <a1611:picAttrSrcUrl xmlns:a1611="http://schemas.microsoft.com/office/drawing/2016/11/main" r:id="rId3"/>
+              </a:ext>
+            </a:extLst>
+          </a:blip>
+          <a:stretch>
+            <a:fillRect/>
+          </a:stretch>
+        </p:blipFill>
+        <p:spPr>
+          <a:xfrm>
+            <a:off x="791680" y="2745"/>
+            <a:ext cx="3693823" cy="1877342"/>
+          </a:xfrm>
+          <a:prstGeom prst="rect">
+            <a:avLst/>
+          </a:prstGeom>
+        </p:spPr>
+      </p:pic>
     </p:spTree>
     <p:extLst>
       <p:ext uri="{BB962C8B-B14F-4D97-AF65-F5344CB8AC3E}">
@@ -17143,11 +17228,47 @@
                   <a:schemeClr val="bg1"/>
                 </a:solidFill>
               </a:rPr>
-              <a:t>Core Concepts 13%</a:t>
+              <a:t>Core Concepts - 13%</a:t>
             </a:r>
           </a:p>
         </p:txBody>
       </p:sp>
+      <p:pic>
+        <p:nvPicPr>
+          <p:cNvPr id="7" name="Picture 6">
+            <a:extLst>
+              <a:ext uri="{FF2B5EF4-FFF2-40B4-BE49-F238E27FC236}">
+                <a16:creationId xmlns:a16="http://schemas.microsoft.com/office/drawing/2014/main" id="{5281A2D0-726B-894F-9229-42BD91C4995C}"/>
+              </a:ext>
+            </a:extLst>
+          </p:cNvPr>
+          <p:cNvPicPr>
+            <a:picLocks noChangeAspect="1"/>
+          </p:cNvPicPr>
+          <p:nvPr/>
+        </p:nvPicPr>
+        <p:blipFill>
+          <a:blip r:embed="rId2">
+            <a:extLst>
+              <a:ext uri="{837473B0-CC2E-450A-ABE3-18F120FF3D39}">
+                <a1611:picAttrSrcUrl xmlns:a1611="http://schemas.microsoft.com/office/drawing/2016/11/main" r:id="rId3"/>
+              </a:ext>
+            </a:extLst>
+          </a:blip>
+          <a:stretch>
+            <a:fillRect/>
+          </a:stretch>
+        </p:blipFill>
+        <p:spPr>
+          <a:xfrm>
+            <a:off x="791680" y="2745"/>
+            <a:ext cx="3693823" cy="1877342"/>
+          </a:xfrm>
+          <a:prstGeom prst="rect">
+            <a:avLst/>
+          </a:prstGeom>
+        </p:spPr>
+      </p:pic>
     </p:spTree>
     <p:extLst>
       <p:ext uri="{BB962C8B-B14F-4D97-AF65-F5344CB8AC3E}">
@@ -17326,11 +17447,47 @@
                   <a:schemeClr val="bg1"/>
                 </a:solidFill>
               </a:rPr>
-              <a:t>Core Concepts 13%</a:t>
+              <a:t>Core Concepts - 13%</a:t>
             </a:r>
           </a:p>
         </p:txBody>
       </p:sp>
+      <p:pic>
+        <p:nvPicPr>
+          <p:cNvPr id="7" name="Picture 6">
+            <a:extLst>
+              <a:ext uri="{FF2B5EF4-FFF2-40B4-BE49-F238E27FC236}">
+                <a16:creationId xmlns:a16="http://schemas.microsoft.com/office/drawing/2014/main" id="{E98A22C1-7B0B-C548-8330-95C24903C6A5}"/>
+              </a:ext>
+            </a:extLst>
+          </p:cNvPr>
+          <p:cNvPicPr>
+            <a:picLocks noChangeAspect="1"/>
+          </p:cNvPicPr>
+          <p:nvPr/>
+        </p:nvPicPr>
+        <p:blipFill>
+          <a:blip r:embed="rId2">
+            <a:extLst>
+              <a:ext uri="{837473B0-CC2E-450A-ABE3-18F120FF3D39}">
+                <a1611:picAttrSrcUrl xmlns:a1611="http://schemas.microsoft.com/office/drawing/2016/11/main" r:id="rId3"/>
+              </a:ext>
+            </a:extLst>
+          </a:blip>
+          <a:stretch>
+            <a:fillRect/>
+          </a:stretch>
+        </p:blipFill>
+        <p:spPr>
+          <a:xfrm>
+            <a:off x="791680" y="2745"/>
+            <a:ext cx="3693823" cy="1877342"/>
+          </a:xfrm>
+          <a:prstGeom prst="rect">
+            <a:avLst/>
+          </a:prstGeom>
+        </p:spPr>
+      </p:pic>
     </p:spTree>
     <p:extLst>
       <p:ext uri="{BB962C8B-B14F-4D97-AF65-F5344CB8AC3E}">
@@ -17412,7 +17569,18 @@
           </a:bodyPr>
           <a:lstStyle/>
           <a:p>
-            <a:endParaRPr lang="en-US" dirty="0"/>
+            <a:r>
+              <a:rPr lang="en-US" dirty="0"/>
+              <a:t>A </a:t>
+            </a:r>
+            <a:r>
+              <a:rPr lang="en-US"/>
+              <a:t>Pod is </a:t>
+            </a:r>
+            <a:r>
+              <a:rPr lang="en-US" dirty="0"/>
+              <a:t>a group of one or more containers (such as Docker containers), with shared storage/network, and a specification for how to run the containers. A Pod's contents are always co-located and co-scheduled, and run in a shared context.</a:t>
+            </a:r>
           </a:p>
         </p:txBody>
       </p:sp>
@@ -17509,11 +17677,47 @@
                   <a:schemeClr val="bg1"/>
                 </a:solidFill>
               </a:rPr>
-              <a:t>Core Concepts 13%</a:t>
+              <a:t>Core Concepts - 13%</a:t>
             </a:r>
           </a:p>
         </p:txBody>
       </p:sp>
+      <p:pic>
+        <p:nvPicPr>
+          <p:cNvPr id="7" name="Picture 6">
+            <a:extLst>
+              <a:ext uri="{FF2B5EF4-FFF2-40B4-BE49-F238E27FC236}">
+                <a16:creationId xmlns:a16="http://schemas.microsoft.com/office/drawing/2014/main" id="{A9CEE5CB-A5B8-D847-9293-31D890D0F991}"/>
+              </a:ext>
+            </a:extLst>
+          </p:cNvPr>
+          <p:cNvPicPr>
+            <a:picLocks noChangeAspect="1"/>
+          </p:cNvPicPr>
+          <p:nvPr/>
+        </p:nvPicPr>
+        <p:blipFill>
+          <a:blip r:embed="rId2">
+            <a:extLst>
+              <a:ext uri="{837473B0-CC2E-450A-ABE3-18F120FF3D39}">
+                <a1611:picAttrSrcUrl xmlns:a1611="http://schemas.microsoft.com/office/drawing/2016/11/main" r:id="rId3"/>
+              </a:ext>
+            </a:extLst>
+          </a:blip>
+          <a:stretch>
+            <a:fillRect/>
+          </a:stretch>
+        </p:blipFill>
+        <p:spPr>
+          <a:xfrm>
+            <a:off x="791680" y="2745"/>
+            <a:ext cx="3693823" cy="1877342"/>
+          </a:xfrm>
+          <a:prstGeom prst="rect">
+            <a:avLst/>
+          </a:prstGeom>
+        </p:spPr>
+      </p:pic>
     </p:spTree>
     <p:extLst>
       <p:ext uri="{BB962C8B-B14F-4D97-AF65-F5344CB8AC3E}">
@@ -17565,37 +17769,52 @@
           <a:bodyPr/>
           <a:lstStyle/>
           <a:p>
-            <a:endParaRPr lang="en-US" dirty="0"/>
+            <a:r>
+              <a:rPr lang="en-US" dirty="0"/>
+              <a:t>Pod</a:t>
+            </a:r>
+            <a:br>
+              <a:rPr lang="en-US" dirty="0"/>
+            </a:br>
+            <a:r>
+              <a:rPr lang="en-US" dirty="0"/>
+              <a:t>Lifecycle</a:t>
+            </a:r>
           </a:p>
         </p:txBody>
       </p:sp>
-      <p:sp>
-        <p:nvSpPr>
-          <p:cNvPr id="3" name="Content Placeholder 2">
+      <p:pic>
+        <p:nvPicPr>
+          <p:cNvPr id="9" name="Content Placeholder 8">
             <a:extLst>
               <a:ext uri="{FF2B5EF4-FFF2-40B4-BE49-F238E27FC236}">
-                <a16:creationId xmlns:a16="http://schemas.microsoft.com/office/drawing/2014/main" id="{8900C341-6FE1-DB44-AA3D-FC4E9C9C272E}"/>
+                <a16:creationId xmlns:a16="http://schemas.microsoft.com/office/drawing/2014/main" id="{95CA9F74-824F-D54A-A634-AFD813611110}"/>
               </a:ext>
             </a:extLst>
           </p:cNvPr>
-          <p:cNvSpPr>
-            <a:spLocks noGrp="1"/>
-          </p:cNvSpPr>
+          <p:cNvPicPr>
+            <a:picLocks noGrp="1" noChangeAspect="1"/>
+          </p:cNvPicPr>
           <p:nvPr>
             <p:ph idx="1"/>
           </p:nvPr>
-        </p:nvSpPr>
-        <p:spPr/>
-        <p:txBody>
-          <a:bodyPr>
-            <a:normAutofit/>
-          </a:bodyPr>
-          <a:lstStyle/>
-          <a:p>
-            <a:endParaRPr lang="en-US" dirty="0"/>
-          </a:p>
-        </p:txBody>
-      </p:sp>
+        </p:nvPicPr>
+        <p:blipFill>
+          <a:blip r:embed="rId2"/>
+          <a:stretch>
+            <a:fillRect/>
+          </a:stretch>
+        </p:blipFill>
+        <p:spPr>
+          <a:xfrm>
+            <a:off x="4726062" y="640080"/>
+            <a:ext cx="7193719" cy="5318213"/>
+          </a:xfrm>
+          <a:prstGeom prst="rect">
+            <a:avLst/>
+          </a:prstGeom>
+        </p:spPr>
+      </p:pic>
       <p:sp>
         <p:nvSpPr>
           <p:cNvPr id="4" name="Footer Placeholder 3">
@@ -17618,10 +17837,9 @@
           <a:lstStyle/>
           <a:p>
             <a:r>
-              <a:rPr lang="en-US"/>
+              <a:rPr lang="en-US" dirty="0"/>
               <a:t>© Krishna Manchikalapudi</a:t>
             </a:r>
-            <a:endParaRPr lang="en-US" dirty="0"/>
           </a:p>
         </p:txBody>
       </p:sp>
@@ -17689,15 +17907,93 @@
                   <a:schemeClr val="bg1"/>
                 </a:solidFill>
               </a:rPr>
-              <a:t>Core Concepts 13%</a:t>
+              <a:t>Core Concepts - 13%</a:t>
             </a:r>
           </a:p>
         </p:txBody>
       </p:sp>
+      <p:sp>
+        <p:nvSpPr>
+          <p:cNvPr id="3" name="TextBox 2">
+            <a:extLst>
+              <a:ext uri="{FF2B5EF4-FFF2-40B4-BE49-F238E27FC236}">
+                <a16:creationId xmlns:a16="http://schemas.microsoft.com/office/drawing/2014/main" id="{A21B5F74-E8A4-FD41-B7B2-1292F8E768C0}"/>
+              </a:ext>
+            </a:extLst>
+          </p:cNvPr>
+          <p:cNvSpPr txBox="1"/>
+          <p:nvPr/>
+        </p:nvSpPr>
+        <p:spPr>
+          <a:xfrm>
+            <a:off x="5226908" y="5941126"/>
+            <a:ext cx="6840719" cy="307777"/>
+          </a:xfrm>
+          <a:prstGeom prst="rect">
+            <a:avLst/>
+          </a:prstGeom>
+          <a:noFill/>
+        </p:spPr>
+        <p:txBody>
+          <a:bodyPr wrap="none" rtlCol="0">
+            <a:spAutoFit/>
+          </a:bodyPr>
+          <a:lstStyle/>
+          <a:p>
+            <a:r>
+              <a:rPr lang="en-US" sz="1400" dirty="0"/>
+              <a:t>Reference: </a:t>
+            </a:r>
+            <a:r>
+              <a:rPr lang="en-US" sz="1400" dirty="0">
+                <a:hlinkClick r:id="rId3"/>
+              </a:rPr>
+              <a:t>https://kubernetes.io/docs/concepts/workloads/pods/pod-lifecycle/</a:t>
+            </a:r>
+            <a:endParaRPr lang="en-US" sz="1400" dirty="0"/>
+          </a:p>
+        </p:txBody>
+      </p:sp>
+      <p:pic>
+        <p:nvPicPr>
+          <p:cNvPr id="8" name="Picture 7">
+            <a:extLst>
+              <a:ext uri="{FF2B5EF4-FFF2-40B4-BE49-F238E27FC236}">
+                <a16:creationId xmlns:a16="http://schemas.microsoft.com/office/drawing/2014/main" id="{3D23E8CE-6631-ED49-8694-0455FCD04080}"/>
+              </a:ext>
+            </a:extLst>
+          </p:cNvPr>
+          <p:cNvPicPr>
+            <a:picLocks noChangeAspect="1"/>
+          </p:cNvPicPr>
+          <p:nvPr/>
+        </p:nvPicPr>
+        <p:blipFill>
+          <a:blip r:embed="rId4">
+            <a:extLst>
+              <a:ext uri="{837473B0-CC2E-450A-ABE3-18F120FF3D39}">
+                <a1611:picAttrSrcUrl xmlns:a1611="http://schemas.microsoft.com/office/drawing/2016/11/main" r:id="rId5"/>
+              </a:ext>
+            </a:extLst>
+          </a:blip>
+          <a:stretch>
+            <a:fillRect/>
+          </a:stretch>
+        </p:blipFill>
+        <p:spPr>
+          <a:xfrm>
+            <a:off x="791680" y="2745"/>
+            <a:ext cx="3693823" cy="1877342"/>
+          </a:xfrm>
+          <a:prstGeom prst="rect">
+            <a:avLst/>
+          </a:prstGeom>
+        </p:spPr>
+      </p:pic>
     </p:spTree>
     <p:extLst>
       <p:ext uri="{BB962C8B-B14F-4D97-AF65-F5344CB8AC3E}">
-        <p14:creationId xmlns:p14="http://schemas.microsoft.com/office/powerpoint/2010/main" val="1497112570"/>
+        <p14:creationId xmlns:p14="http://schemas.microsoft.com/office/powerpoint/2010/main" val="2852824824"/>
       </p:ext>
     </p:extLst>
   </p:cSld>
@@ -17729,7 +18025,7 @@
           <p:cNvPr id="2" name="Title 1">
             <a:extLst>
               <a:ext uri="{FF2B5EF4-FFF2-40B4-BE49-F238E27FC236}">
-                <a16:creationId xmlns:a16="http://schemas.microsoft.com/office/drawing/2014/main" id="{50A5C0DC-EA50-E247-94D3-669DFDFB29AD}"/>
+                <a16:creationId xmlns:a16="http://schemas.microsoft.com/office/drawing/2014/main" id="{313C6255-1EDA-0C48-A1D0-16E4D6BCC481}"/>
               </a:ext>
             </a:extLst>
           </p:cNvPr>
@@ -17747,162 +18043,8 @@
           <a:p>
             <a:r>
               <a:rPr lang="en-US" dirty="0"/>
-              <a:t>Configuration</a:t>
-            </a:r>
-            <a:br>
-              <a:rPr lang="en-US" dirty="0"/>
-            </a:br>
-            <a:r>
-              <a:rPr lang="en-US" dirty="0"/>
-              <a:t>18%</a:t>
-            </a:r>
-          </a:p>
-        </p:txBody>
-      </p:sp>
-      <p:sp>
-        <p:nvSpPr>
-          <p:cNvPr id="3" name="Content Placeholder 2">
-            <a:extLst>
-              <a:ext uri="{FF2B5EF4-FFF2-40B4-BE49-F238E27FC236}">
-                <a16:creationId xmlns:a16="http://schemas.microsoft.com/office/drawing/2014/main" id="{7365D219-8D62-5C4B-9DDB-937419654F0D}"/>
-              </a:ext>
-            </a:extLst>
-          </p:cNvPr>
-          <p:cNvSpPr>
-            <a:spLocks noGrp="1"/>
-          </p:cNvSpPr>
-          <p:nvPr>
-            <p:ph idx="1"/>
-          </p:nvPr>
-        </p:nvSpPr>
-        <p:spPr/>
-        <p:txBody>
-          <a:bodyPr/>
-          <a:lstStyle/>
-          <a:p>
-            <a:r>
-              <a:rPr lang="en-US" dirty="0"/>
-              <a:t>Exam</a:t>
-            </a:r>
-          </a:p>
-          <a:p>
-            <a:pPr lvl="1"/>
-            <a:r>
-              <a:rPr lang="en-US" dirty="0"/>
-              <a:t>Understand </a:t>
-            </a:r>
-            <a:r>
-              <a:rPr lang="en-US" dirty="0" err="1"/>
-              <a:t>ConfigMaps</a:t>
-            </a:r>
-            <a:endParaRPr lang="en-US" dirty="0"/>
-          </a:p>
-          <a:p>
-            <a:pPr lvl="1"/>
-            <a:r>
-              <a:rPr lang="en-US" dirty="0"/>
-              <a:t>Understand </a:t>
-            </a:r>
-            <a:r>
-              <a:rPr lang="en-US" dirty="0" err="1"/>
-              <a:t>SecurityContexts</a:t>
-            </a:r>
-            <a:endParaRPr lang="en-US" dirty="0"/>
-          </a:p>
-          <a:p>
-            <a:pPr lvl="1"/>
-            <a:r>
-              <a:rPr lang="en-US" dirty="0"/>
-              <a:t>Define an application’s resource requirements</a:t>
-            </a:r>
-          </a:p>
-          <a:p>
-            <a:pPr lvl="1"/>
-            <a:r>
-              <a:rPr lang="en-US" dirty="0"/>
-              <a:t>Create &amp; consume Secrets</a:t>
-            </a:r>
-          </a:p>
-          <a:p>
-            <a:pPr lvl="1"/>
-            <a:r>
-              <a:rPr lang="en-US" dirty="0"/>
-              <a:t>Understand </a:t>
-            </a:r>
-            <a:r>
-              <a:rPr lang="en-US" dirty="0" err="1"/>
-              <a:t>ServiceAccounts</a:t>
-            </a:r>
-            <a:endParaRPr lang="en-US" dirty="0"/>
-          </a:p>
-          <a:p>
-            <a:r>
-              <a:rPr lang="en-US" dirty="0"/>
-              <a:t>Learning</a:t>
-            </a:r>
-          </a:p>
-          <a:p>
-            <a:pPr lvl="1"/>
-            <a:r>
-              <a:rPr lang="en-US" dirty="0"/>
-              <a:t>Config Maps</a:t>
-            </a:r>
-          </a:p>
-          <a:p>
-            <a:pPr lvl="1"/>
-            <a:r>
-              <a:rPr lang="en-US" dirty="0"/>
-              <a:t>Security Contexts</a:t>
-            </a:r>
-          </a:p>
-          <a:p>
-            <a:pPr lvl="1"/>
-            <a:r>
-              <a:rPr lang="en-US" dirty="0"/>
-              <a:t>Resource Requirements</a:t>
-            </a:r>
-          </a:p>
-          <a:p>
-            <a:pPr lvl="1"/>
-            <a:r>
-              <a:rPr lang="en-US" dirty="0"/>
-              <a:t>Secrets</a:t>
-            </a:r>
-          </a:p>
-          <a:p>
-            <a:pPr lvl="1"/>
-            <a:r>
-              <a:rPr lang="en-US" dirty="0"/>
-              <a:t>Service Accounts</a:t>
-            </a:r>
-          </a:p>
-          <a:p>
-            <a:pPr lvl="1"/>
-            <a:r>
-              <a:rPr lang="en-US" b="1" dirty="0" err="1">
-                <a:solidFill>
-                  <a:srgbClr val="FF0000"/>
-                </a:solidFill>
-              </a:rPr>
-              <a:t>kubectl</a:t>
-            </a:r>
-            <a:r>
-              <a:rPr lang="en-US" b="1" dirty="0">
-                <a:solidFill>
-                  <a:srgbClr val="FF0000"/>
-                </a:solidFill>
-              </a:rPr>
-              <a:t> commands </a:t>
-            </a:r>
-            <a:r>
-              <a:rPr lang="en-US" b="1" dirty="0" err="1">
-                <a:solidFill>
-                  <a:srgbClr val="FF0000"/>
-                </a:solidFill>
-              </a:rPr>
-              <a:t>cheatsheet</a:t>
-            </a:r>
-            <a:endParaRPr lang="en-US" dirty="0"/>
+              <a:t>Good Reading</a:t>
+            </a:r>
           </a:p>
         </p:txBody>
       </p:sp>
@@ -17911,7 +18053,7 @@
           <p:cNvPr id="4" name="Footer Placeholder 3">
             <a:extLst>
               <a:ext uri="{FF2B5EF4-FFF2-40B4-BE49-F238E27FC236}">
-                <a16:creationId xmlns:a16="http://schemas.microsoft.com/office/drawing/2014/main" id="{C8164AC6-275A-DD4A-B72A-753856C2D190}"/>
+                <a16:creationId xmlns:a16="http://schemas.microsoft.com/office/drawing/2014/main" id="{8F84D377-E9F3-6D48-8A57-E5D2BA6D205A}"/>
               </a:ext>
             </a:extLst>
           </p:cNvPr>
@@ -17940,7 +18082,7 @@
           <p:cNvPr id="5" name="Slide Number Placeholder 4">
             <a:extLst>
               <a:ext uri="{FF2B5EF4-FFF2-40B4-BE49-F238E27FC236}">
-                <a16:creationId xmlns:a16="http://schemas.microsoft.com/office/drawing/2014/main" id="{531323BE-7CB6-6F40-A73B-47933C90014D}"/>
+                <a16:creationId xmlns:a16="http://schemas.microsoft.com/office/drawing/2014/main" id="{1348E730-9588-AD4F-ADA0-448BFB83EF56}"/>
               </a:ext>
             </a:extLst>
           </p:cNvPr>
@@ -17965,10 +18107,208 @@
           </a:p>
         </p:txBody>
       </p:sp>
+      <p:sp>
+        <p:nvSpPr>
+          <p:cNvPr id="6" name="TextBox 5">
+            <a:extLst>
+              <a:ext uri="{FF2B5EF4-FFF2-40B4-BE49-F238E27FC236}">
+                <a16:creationId xmlns:a16="http://schemas.microsoft.com/office/drawing/2014/main" id="{533ACB82-5916-4649-9C21-A65CEEB74099}"/>
+              </a:ext>
+            </a:extLst>
+          </p:cNvPr>
+          <p:cNvSpPr txBox="1"/>
+          <p:nvPr/>
+        </p:nvSpPr>
+        <p:spPr>
+          <a:xfrm>
+            <a:off x="804672" y="1708299"/>
+            <a:ext cx="3498978" cy="400110"/>
+          </a:xfrm>
+          <a:prstGeom prst="rect">
+            <a:avLst/>
+          </a:prstGeom>
+          <a:noFill/>
+        </p:spPr>
+        <p:txBody>
+          <a:bodyPr wrap="square" rtlCol="0">
+            <a:spAutoFit/>
+          </a:bodyPr>
+          <a:lstStyle/>
+          <a:p>
+            <a:r>
+              <a:rPr lang="en-US" sz="2000" b="1" dirty="0">
+                <a:solidFill>
+                  <a:schemeClr val="bg1"/>
+                </a:solidFill>
+              </a:rPr>
+              <a:t>Core Concepts - 13%</a:t>
+            </a:r>
+          </a:p>
+        </p:txBody>
+      </p:sp>
+      <p:sp>
+        <p:nvSpPr>
+          <p:cNvPr id="11" name="Content Placeholder 10">
+            <a:extLst>
+              <a:ext uri="{FF2B5EF4-FFF2-40B4-BE49-F238E27FC236}">
+                <a16:creationId xmlns:a16="http://schemas.microsoft.com/office/drawing/2014/main" id="{A15B9778-6171-2647-B8AF-4E93A8CB31B5}"/>
+              </a:ext>
+            </a:extLst>
+          </p:cNvPr>
+          <p:cNvSpPr>
+            <a:spLocks noGrp="1"/>
+          </p:cNvSpPr>
+          <p:nvPr>
+            <p:ph idx="1"/>
+          </p:nvPr>
+        </p:nvSpPr>
+        <p:spPr/>
+        <p:txBody>
+          <a:bodyPr>
+            <a:normAutofit fontScale="85000" lnSpcReduction="10000"/>
+          </a:bodyPr>
+          <a:lstStyle/>
+          <a:p>
+            <a:r>
+              <a:rPr lang="en-US" dirty="0"/>
+              <a:t>Understand Kubernetes API primitives</a:t>
+            </a:r>
+          </a:p>
+          <a:p>
+            <a:r>
+              <a:rPr lang="en-US" dirty="0">
+                <a:hlinkClick r:id="rId2"/>
+              </a:rPr>
+              <a:t>https://kubernetes.io/docs/concepts-overview/kubernetes-api/</a:t>
+            </a:r>
+            <a:r>
+              <a:rPr lang="en-US" dirty="0"/>
+              <a:t> </a:t>
+            </a:r>
+          </a:p>
+          <a:p>
+            <a:r>
+              <a:rPr lang="en-US" dirty="0">
+                <a:hlinkClick r:id="rId3"/>
+              </a:rPr>
+              <a:t>https://kubernetes.io/docs-generated/kubernetes-api/v1.11/</a:t>
+            </a:r>
+            <a:r>
+              <a:rPr lang="en-US" dirty="0"/>
+              <a:t> </a:t>
+            </a:r>
+          </a:p>
+          <a:p>
+            <a:endParaRPr lang="en-US" dirty="0"/>
+          </a:p>
+          <a:p>
+            <a:r>
+              <a:rPr lang="en-US" dirty="0"/>
+              <a:t>Create and configure basic Pods</a:t>
+            </a:r>
+          </a:p>
+          <a:p>
+            <a:r>
+              <a:rPr lang="en-US" dirty="0">
+                <a:hlinkClick r:id="rId4"/>
+              </a:rPr>
+              <a:t>https://kubernetes.io/docs/workloads/pods/pod-overview/</a:t>
+            </a:r>
+            <a:r>
+              <a:rPr lang="en-US" dirty="0"/>
+              <a:t> </a:t>
+            </a:r>
+          </a:p>
+          <a:p>
+            <a:r>
+              <a:rPr lang="en-US" dirty="0">
+                <a:hlinkClick r:id="rId5"/>
+              </a:rPr>
+              <a:t>https://kubernetes.io/docs/workloads/pods/pod/</a:t>
+            </a:r>
+            <a:r>
+              <a:rPr lang="en-US" dirty="0"/>
+              <a:t> </a:t>
+            </a:r>
+          </a:p>
+          <a:p>
+            <a:r>
+              <a:rPr lang="en-US" dirty="0">
+                <a:hlinkClick r:id="rId6"/>
+              </a:rPr>
+              <a:t>https://kubernetes.io/docs/workloads/pods/pod-lifecycle/</a:t>
+            </a:r>
+            <a:r>
+              <a:rPr lang="en-US" dirty="0"/>
+              <a:t> </a:t>
+            </a:r>
+          </a:p>
+          <a:p>
+            <a:r>
+              <a:rPr lang="en-US" dirty="0">
+                <a:hlinkClick r:id="rId7"/>
+              </a:rPr>
+              <a:t>https://kubernetes.io/docs/tasks/configure-pod-container/configure-pod-initialization/</a:t>
+            </a:r>
+            <a:r>
+              <a:rPr lang="en-US" dirty="0"/>
+              <a:t> </a:t>
+            </a:r>
+          </a:p>
+          <a:p>
+            <a:r>
+              <a:rPr lang="en-US" dirty="0">
+                <a:hlinkClick r:id="rId8"/>
+              </a:rPr>
+              <a:t>https://kubernetes.io/docs/tasks/configure-pod-container/</a:t>
+            </a:r>
+            <a:r>
+              <a:rPr lang="en-US" dirty="0"/>
+              <a:t> </a:t>
+            </a:r>
+          </a:p>
+        </p:txBody>
+      </p:sp>
+      <p:pic>
+        <p:nvPicPr>
+          <p:cNvPr id="18" name="Picture 17">
+            <a:extLst>
+              <a:ext uri="{FF2B5EF4-FFF2-40B4-BE49-F238E27FC236}">
+                <a16:creationId xmlns:a16="http://schemas.microsoft.com/office/drawing/2014/main" id="{D608B2C0-1835-124D-BEA9-D8224E4EFDF9}"/>
+              </a:ext>
+            </a:extLst>
+          </p:cNvPr>
+          <p:cNvPicPr>
+            <a:picLocks noChangeAspect="1"/>
+          </p:cNvPicPr>
+          <p:nvPr/>
+        </p:nvPicPr>
+        <p:blipFill>
+          <a:blip r:embed="rId9">
+            <a:extLst>
+              <a:ext uri="{837473B0-CC2E-450A-ABE3-18F120FF3D39}">
+                <a1611:picAttrSrcUrl xmlns:a1611="http://schemas.microsoft.com/office/drawing/2016/11/main" r:id="rId10"/>
+              </a:ext>
+            </a:extLst>
+          </a:blip>
+          <a:stretch>
+            <a:fillRect/>
+          </a:stretch>
+        </p:blipFill>
+        <p:spPr>
+          <a:xfrm>
+            <a:off x="1952369" y="2310964"/>
+            <a:ext cx="1285103" cy="1124465"/>
+          </a:xfrm>
+          <a:prstGeom prst="rect">
+            <a:avLst/>
+          </a:prstGeom>
+        </p:spPr>
+      </p:pic>
     </p:spTree>
     <p:extLst>
       <p:ext uri="{BB962C8B-B14F-4D97-AF65-F5344CB8AC3E}">
-        <p14:creationId xmlns:p14="http://schemas.microsoft.com/office/powerpoint/2010/main" val="3277741269"/>
+        <p14:creationId xmlns:p14="http://schemas.microsoft.com/office/powerpoint/2010/main" val="1497112570"/>
       </p:ext>
     </p:extLst>
   </p:cSld>
@@ -18000,7 +18340,7 @@
           <p:cNvPr id="2" name="Title 1">
             <a:extLst>
               <a:ext uri="{FF2B5EF4-FFF2-40B4-BE49-F238E27FC236}">
-                <a16:creationId xmlns:a16="http://schemas.microsoft.com/office/drawing/2014/main" id="{313C6255-1EDA-0C48-A1D0-16E4D6BCC481}"/>
+                <a16:creationId xmlns:a16="http://schemas.microsoft.com/office/drawing/2014/main" id="{50A5C0DC-EA50-E247-94D3-669DFDFB29AD}"/>
               </a:ext>
             </a:extLst>
           </p:cNvPr>
@@ -18016,7 +18356,17 @@
           <a:bodyPr/>
           <a:lstStyle/>
           <a:p>
-            <a:endParaRPr lang="en-US" dirty="0"/>
+            <a:r>
+              <a:rPr lang="en-US" dirty="0"/>
+              <a:t>Configuration</a:t>
+            </a:r>
+            <a:br>
+              <a:rPr lang="en-US" dirty="0"/>
+            </a:br>
+            <a:r>
+              <a:rPr lang="en-US" dirty="0"/>
+              <a:t>18%</a:t>
+            </a:r>
           </a:p>
         </p:txBody>
       </p:sp>
@@ -18025,7 +18375,7 @@
           <p:cNvPr id="3" name="Content Placeholder 2">
             <a:extLst>
               <a:ext uri="{FF2B5EF4-FFF2-40B4-BE49-F238E27FC236}">
-                <a16:creationId xmlns:a16="http://schemas.microsoft.com/office/drawing/2014/main" id="{8900C341-6FE1-DB44-AA3D-FC4E9C9C272E}"/>
+                <a16:creationId xmlns:a16="http://schemas.microsoft.com/office/drawing/2014/main" id="{7365D219-8D62-5C4B-9DDB-937419654F0D}"/>
               </a:ext>
             </a:extLst>
           </p:cNvPr>
@@ -18038,11 +18388,138 @@
         </p:nvSpPr>
         <p:spPr/>
         <p:txBody>
-          <a:bodyPr>
-            <a:normAutofit/>
-          </a:bodyPr>
+          <a:bodyPr/>
           <a:lstStyle/>
           <a:p>
+            <a:r>
+              <a:rPr lang="en-US" dirty="0"/>
+              <a:t>Exam</a:t>
+            </a:r>
+          </a:p>
+          <a:p>
+            <a:pPr lvl="1"/>
+            <a:r>
+              <a:rPr lang="en-US" dirty="0"/>
+              <a:t>Understand </a:t>
+            </a:r>
+            <a:r>
+              <a:rPr lang="en-US" dirty="0" err="1"/>
+              <a:t>ConfigMaps</a:t>
+            </a:r>
+            <a:endParaRPr lang="en-US" dirty="0"/>
+          </a:p>
+          <a:p>
+            <a:pPr lvl="1"/>
+            <a:r>
+              <a:rPr lang="en-US" dirty="0"/>
+              <a:t>Understand </a:t>
+            </a:r>
+            <a:r>
+              <a:rPr lang="en-US" dirty="0" err="1"/>
+              <a:t>SecurityContexts</a:t>
+            </a:r>
+            <a:endParaRPr lang="en-US" dirty="0"/>
+          </a:p>
+          <a:p>
+            <a:pPr lvl="1"/>
+            <a:r>
+              <a:rPr lang="en-US" dirty="0"/>
+              <a:t>Define an application’s resource requirements</a:t>
+            </a:r>
+          </a:p>
+          <a:p>
+            <a:pPr lvl="1"/>
+            <a:r>
+              <a:rPr lang="en-US" dirty="0"/>
+              <a:t>Create &amp; consume Secrets</a:t>
+            </a:r>
+          </a:p>
+          <a:p>
+            <a:pPr lvl="1"/>
+            <a:r>
+              <a:rPr lang="en-US" dirty="0"/>
+              <a:t>Understand </a:t>
+            </a:r>
+            <a:r>
+              <a:rPr lang="en-US" dirty="0" err="1"/>
+              <a:t>ServiceAccounts</a:t>
+            </a:r>
+            <a:endParaRPr lang="en-US" dirty="0"/>
+          </a:p>
+          <a:p>
+            <a:r>
+              <a:rPr lang="en-US" dirty="0"/>
+              <a:t>Learning</a:t>
+            </a:r>
+          </a:p>
+          <a:p>
+            <a:pPr lvl="1"/>
+            <a:r>
+              <a:rPr lang="en-US" dirty="0"/>
+              <a:t>Environment variables</a:t>
+            </a:r>
+          </a:p>
+          <a:p>
+            <a:pPr lvl="1"/>
+            <a:r>
+              <a:rPr lang="en-US" dirty="0"/>
+              <a:t>Config Maps</a:t>
+            </a:r>
+          </a:p>
+          <a:p>
+            <a:pPr lvl="1"/>
+            <a:r>
+              <a:rPr lang="en-US" dirty="0"/>
+              <a:t>Security Contexts</a:t>
+            </a:r>
+          </a:p>
+          <a:p>
+            <a:pPr lvl="1"/>
+            <a:r>
+              <a:rPr lang="en-US" dirty="0"/>
+              <a:t>Resource Requirements</a:t>
+            </a:r>
+          </a:p>
+          <a:p>
+            <a:pPr lvl="1"/>
+            <a:r>
+              <a:rPr lang="en-US" dirty="0"/>
+              <a:t>Secrets</a:t>
+            </a:r>
+          </a:p>
+          <a:p>
+            <a:pPr lvl="1"/>
+            <a:r>
+              <a:rPr lang="en-US" dirty="0"/>
+              <a:t>Service Accounts</a:t>
+            </a:r>
+          </a:p>
+          <a:p>
+            <a:pPr lvl="1"/>
+            <a:r>
+              <a:rPr lang="en-US" b="1" dirty="0" err="1">
+                <a:solidFill>
+                  <a:srgbClr val="FF0000"/>
+                </a:solidFill>
+              </a:rPr>
+              <a:t>kubectl</a:t>
+            </a:r>
+            <a:r>
+              <a:rPr lang="en-US" b="1" dirty="0">
+                <a:solidFill>
+                  <a:srgbClr val="FF0000"/>
+                </a:solidFill>
+              </a:rPr>
+              <a:t> commands </a:t>
+            </a:r>
+            <a:r>
+              <a:rPr lang="en-US" b="1" dirty="0" err="1">
+                <a:solidFill>
+                  <a:srgbClr val="FF0000"/>
+                </a:solidFill>
+              </a:rPr>
+              <a:t>cheatsheet</a:t>
+            </a:r>
             <a:endParaRPr lang="en-US" dirty="0"/>
           </a:p>
         </p:txBody>
@@ -18052,7 +18529,7 @@
           <p:cNvPr id="4" name="Footer Placeholder 3">
             <a:extLst>
               <a:ext uri="{FF2B5EF4-FFF2-40B4-BE49-F238E27FC236}">
-                <a16:creationId xmlns:a16="http://schemas.microsoft.com/office/drawing/2014/main" id="{8F84D377-E9F3-6D48-8A57-E5D2BA6D205A}"/>
+                <a16:creationId xmlns:a16="http://schemas.microsoft.com/office/drawing/2014/main" id="{C8164AC6-275A-DD4A-B72A-753856C2D190}"/>
               </a:ext>
             </a:extLst>
           </p:cNvPr>
@@ -18081,7 +18558,7 @@
           <p:cNvPr id="5" name="Slide Number Placeholder 4">
             <a:extLst>
               <a:ext uri="{FF2B5EF4-FFF2-40B4-BE49-F238E27FC236}">
-                <a16:creationId xmlns:a16="http://schemas.microsoft.com/office/drawing/2014/main" id="{1348E730-9588-AD4F-ADA0-448BFB83EF56}"/>
+                <a16:creationId xmlns:a16="http://schemas.microsoft.com/office/drawing/2014/main" id="{531323BE-7CB6-6F40-A73B-47933C90014D}"/>
               </a:ext>
             </a:extLst>
           </p:cNvPr>
@@ -18106,49 +18583,46 @@
           </a:p>
         </p:txBody>
       </p:sp>
-      <p:sp>
-        <p:nvSpPr>
-          <p:cNvPr id="6" name="TextBox 5">
+      <p:pic>
+        <p:nvPicPr>
+          <p:cNvPr id="7" name="Picture 6">
             <a:extLst>
               <a:ext uri="{FF2B5EF4-FFF2-40B4-BE49-F238E27FC236}">
-                <a16:creationId xmlns:a16="http://schemas.microsoft.com/office/drawing/2014/main" id="{533ACB82-5916-4649-9C21-A65CEEB74099}"/>
+                <a16:creationId xmlns:a16="http://schemas.microsoft.com/office/drawing/2014/main" id="{3E2F956F-6A96-044E-8BA3-BDED45AD7B77}"/>
               </a:ext>
             </a:extLst>
           </p:cNvPr>
-          <p:cNvSpPr txBox="1"/>
+          <p:cNvPicPr>
+            <a:picLocks noChangeAspect="1"/>
+          </p:cNvPicPr>
           <p:nvPr/>
-        </p:nvSpPr>
+        </p:nvPicPr>
+        <p:blipFill>
+          <a:blip r:embed="rId2">
+            <a:extLst>
+              <a:ext uri="{837473B0-CC2E-450A-ABE3-18F120FF3D39}">
+                <a1611:picAttrSrcUrl xmlns:a1611="http://schemas.microsoft.com/office/drawing/2016/11/main" r:id="rId3"/>
+              </a:ext>
+            </a:extLst>
+          </a:blip>
+          <a:stretch>
+            <a:fillRect/>
+          </a:stretch>
+        </p:blipFill>
         <p:spPr>
           <a:xfrm>
-            <a:off x="804672" y="1708299"/>
-            <a:ext cx="3498978" cy="400110"/>
+            <a:off x="1790979" y="153831"/>
+            <a:ext cx="1658036" cy="2057618"/>
           </a:xfrm>
           <a:prstGeom prst="rect">
             <a:avLst/>
           </a:prstGeom>
-          <a:noFill/>
         </p:spPr>
-        <p:txBody>
-          <a:bodyPr wrap="square" rtlCol="0">
-            <a:spAutoFit/>
-          </a:bodyPr>
-          <a:lstStyle/>
-          <a:p>
-            <a:r>
-              <a:rPr lang="en-US" sz="2000" b="1" dirty="0">
-                <a:solidFill>
-                  <a:schemeClr val="bg1"/>
-                </a:solidFill>
-              </a:rPr>
-              <a:t>Configuration 18%</a:t>
-            </a:r>
-          </a:p>
-        </p:txBody>
-      </p:sp>
+      </p:pic>
     </p:spTree>
     <p:extLst>
       <p:ext uri="{BB962C8B-B14F-4D97-AF65-F5344CB8AC3E}">
-        <p14:creationId xmlns:p14="http://schemas.microsoft.com/office/powerpoint/2010/main" val="623261910"/>
+        <p14:creationId xmlns:p14="http://schemas.microsoft.com/office/powerpoint/2010/main" val="3277741269"/>
       </p:ext>
     </p:extLst>
   </p:cSld>
@@ -18180,7 +18654,7 @@
           <p:cNvPr id="2" name="Title 1">
             <a:extLst>
               <a:ext uri="{FF2B5EF4-FFF2-40B4-BE49-F238E27FC236}">
-                <a16:creationId xmlns:a16="http://schemas.microsoft.com/office/drawing/2014/main" id="{07E2CD5E-F5C9-D544-A18F-DFF81603A9EF}"/>
+                <a16:creationId xmlns:a16="http://schemas.microsoft.com/office/drawing/2014/main" id="{313C6255-1EDA-0C48-A1D0-16E4D6BCC481}"/>
               </a:ext>
             </a:extLst>
           </p:cNvPr>
@@ -18196,17 +18670,7 @@
           <a:bodyPr/>
           <a:lstStyle/>
           <a:p>
-            <a:r>
-              <a:rPr lang="en-US" dirty="0"/>
-              <a:t>Multi-Container Pods	</a:t>
-            </a:r>
-            <a:br>
-              <a:rPr lang="en-US" dirty="0"/>
-            </a:br>
-            <a:r>
-              <a:rPr lang="en-US" dirty="0"/>
-              <a:t>10%</a:t>
-            </a:r>
+            <a:endParaRPr lang="en-US" dirty="0"/>
           </a:p>
         </p:txBody>
       </p:sp>
@@ -18215,7 +18679,7 @@
           <p:cNvPr id="3" name="Content Placeholder 2">
             <a:extLst>
               <a:ext uri="{FF2B5EF4-FFF2-40B4-BE49-F238E27FC236}">
-                <a16:creationId xmlns:a16="http://schemas.microsoft.com/office/drawing/2014/main" id="{41194661-E6A2-4A46-9E81-F4CB55A23E3D}"/>
+                <a16:creationId xmlns:a16="http://schemas.microsoft.com/office/drawing/2014/main" id="{8900C341-6FE1-DB44-AA3D-FC4E9C9C272E}"/>
               </a:ext>
             </a:extLst>
           </p:cNvPr>
@@ -18228,64 +18692,11 @@
         </p:nvSpPr>
         <p:spPr/>
         <p:txBody>
-          <a:bodyPr/>
+          <a:bodyPr>
+            <a:normAutofit/>
+          </a:bodyPr>
           <a:lstStyle/>
           <a:p>
-            <a:r>
-              <a:rPr lang="en-US" dirty="0"/>
-              <a:t>Exam</a:t>
-            </a:r>
-          </a:p>
-          <a:p>
-            <a:pPr lvl="1"/>
-            <a:r>
-              <a:rPr lang="en-US" dirty="0"/>
-              <a:t>Understand Multi-Container Pod design patterns (e .g. ambassador, adapter, sidecar)</a:t>
-            </a:r>
-          </a:p>
-          <a:p>
-            <a:r>
-              <a:rPr lang="en-US" dirty="0"/>
-              <a:t>Learning</a:t>
-            </a:r>
-          </a:p>
-          <a:p>
-            <a:pPr lvl="1"/>
-            <a:r>
-              <a:rPr lang="en-US" dirty="0"/>
-              <a:t>Understanding multi-container pods</a:t>
-            </a:r>
-          </a:p>
-          <a:p>
-            <a:pPr lvl="1"/>
-            <a:r>
-              <a:rPr lang="en-US" b="1" dirty="0" err="1">
-                <a:solidFill>
-                  <a:srgbClr val="FF0000"/>
-                </a:solidFill>
-              </a:rPr>
-              <a:t>kubectl</a:t>
-            </a:r>
-            <a:r>
-              <a:rPr lang="en-US" b="1" dirty="0">
-                <a:solidFill>
-                  <a:srgbClr val="FF0000"/>
-                </a:solidFill>
-              </a:rPr>
-              <a:t> commands </a:t>
-            </a:r>
-            <a:r>
-              <a:rPr lang="en-US" b="1" dirty="0" err="1">
-                <a:solidFill>
-                  <a:srgbClr val="FF0000"/>
-                </a:solidFill>
-              </a:rPr>
-              <a:t>cheatsheet</a:t>
-            </a:r>
-            <a:endParaRPr lang="en-US" dirty="0"/>
-          </a:p>
-          <a:p>
-            <a:pPr lvl="1"/>
             <a:endParaRPr lang="en-US" dirty="0"/>
           </a:p>
         </p:txBody>
@@ -18295,7 +18706,7 @@
           <p:cNvPr id="4" name="Footer Placeholder 3">
             <a:extLst>
               <a:ext uri="{FF2B5EF4-FFF2-40B4-BE49-F238E27FC236}">
-                <a16:creationId xmlns:a16="http://schemas.microsoft.com/office/drawing/2014/main" id="{9412C661-F328-454A-A07B-8D32ECF96CB7}"/>
+                <a16:creationId xmlns:a16="http://schemas.microsoft.com/office/drawing/2014/main" id="{8F84D377-E9F3-6D48-8A57-E5D2BA6D205A}"/>
               </a:ext>
             </a:extLst>
           </p:cNvPr>
@@ -18324,7 +18735,7 @@
           <p:cNvPr id="5" name="Slide Number Placeholder 4">
             <a:extLst>
               <a:ext uri="{FF2B5EF4-FFF2-40B4-BE49-F238E27FC236}">
-                <a16:creationId xmlns:a16="http://schemas.microsoft.com/office/drawing/2014/main" id="{67D909B1-F7EF-3D47-AED8-DDE12E144EB9}"/>
+                <a16:creationId xmlns:a16="http://schemas.microsoft.com/office/drawing/2014/main" id="{1348E730-9588-AD4F-ADA0-448BFB83EF56}"/>
               </a:ext>
             </a:extLst>
           </p:cNvPr>
@@ -18349,10 +18760,85 @@
           </a:p>
         </p:txBody>
       </p:sp>
+      <p:sp>
+        <p:nvSpPr>
+          <p:cNvPr id="6" name="TextBox 5">
+            <a:extLst>
+              <a:ext uri="{FF2B5EF4-FFF2-40B4-BE49-F238E27FC236}">
+                <a16:creationId xmlns:a16="http://schemas.microsoft.com/office/drawing/2014/main" id="{533ACB82-5916-4649-9C21-A65CEEB74099}"/>
+              </a:ext>
+            </a:extLst>
+          </p:cNvPr>
+          <p:cNvSpPr txBox="1"/>
+          <p:nvPr/>
+        </p:nvSpPr>
+        <p:spPr>
+          <a:xfrm>
+            <a:off x="804672" y="1708299"/>
+            <a:ext cx="3498978" cy="400110"/>
+          </a:xfrm>
+          <a:prstGeom prst="rect">
+            <a:avLst/>
+          </a:prstGeom>
+          <a:noFill/>
+        </p:spPr>
+        <p:txBody>
+          <a:bodyPr wrap="square" rtlCol="0">
+            <a:spAutoFit/>
+          </a:bodyPr>
+          <a:lstStyle/>
+          <a:p>
+            <a:r>
+              <a:rPr lang="en-US" sz="2000" b="1" dirty="0">
+                <a:solidFill>
+                  <a:schemeClr val="bg1"/>
+                </a:solidFill>
+              </a:rPr>
+              <a:t>Configuration - 18%</a:t>
+            </a:r>
+          </a:p>
+        </p:txBody>
+      </p:sp>
+      <p:pic>
+        <p:nvPicPr>
+          <p:cNvPr id="7" name="Picture 6">
+            <a:extLst>
+              <a:ext uri="{FF2B5EF4-FFF2-40B4-BE49-F238E27FC236}">
+                <a16:creationId xmlns:a16="http://schemas.microsoft.com/office/drawing/2014/main" id="{3F5AE410-3765-0D43-823F-040EE762FCEA}"/>
+              </a:ext>
+            </a:extLst>
+          </p:cNvPr>
+          <p:cNvPicPr>
+            <a:picLocks noChangeAspect="1"/>
+          </p:cNvPicPr>
+          <p:nvPr/>
+        </p:nvPicPr>
+        <p:blipFill>
+          <a:blip r:embed="rId2">
+            <a:extLst>
+              <a:ext uri="{837473B0-CC2E-450A-ABE3-18F120FF3D39}">
+                <a1611:picAttrSrcUrl xmlns:a1611="http://schemas.microsoft.com/office/drawing/2016/11/main" r:id="rId3"/>
+              </a:ext>
+            </a:extLst>
+          </a:blip>
+          <a:stretch>
+            <a:fillRect/>
+          </a:stretch>
+        </p:blipFill>
+        <p:spPr>
+          <a:xfrm>
+            <a:off x="791680" y="2745"/>
+            <a:ext cx="3693823" cy="1877342"/>
+          </a:xfrm>
+          <a:prstGeom prst="rect">
+            <a:avLst/>
+          </a:prstGeom>
+        </p:spPr>
+      </p:pic>
     </p:spTree>
     <p:extLst>
       <p:ext uri="{BB962C8B-B14F-4D97-AF65-F5344CB8AC3E}">
-        <p14:creationId xmlns:p14="http://schemas.microsoft.com/office/powerpoint/2010/main" val="3998904373"/>
+        <p14:creationId xmlns:p14="http://schemas.microsoft.com/office/powerpoint/2010/main" val="623261910"/>
       </p:ext>
     </p:extLst>
   </p:cSld>
@@ -18400,34 +18886,10 @@
           <a:bodyPr/>
           <a:lstStyle/>
           <a:p>
-            <a:endParaRPr lang="en-US" dirty="0"/>
-          </a:p>
-        </p:txBody>
-      </p:sp>
-      <p:sp>
-        <p:nvSpPr>
-          <p:cNvPr id="3" name="Content Placeholder 2">
-            <a:extLst>
-              <a:ext uri="{FF2B5EF4-FFF2-40B4-BE49-F238E27FC236}">
-                <a16:creationId xmlns:a16="http://schemas.microsoft.com/office/drawing/2014/main" id="{8900C341-6FE1-DB44-AA3D-FC4E9C9C272E}"/>
-              </a:ext>
-            </a:extLst>
-          </p:cNvPr>
-          <p:cNvSpPr>
-            <a:spLocks noGrp="1"/>
-          </p:cNvSpPr>
-          <p:nvPr>
-            <p:ph idx="1"/>
-          </p:nvPr>
-        </p:nvSpPr>
-        <p:spPr/>
-        <p:txBody>
-          <a:bodyPr>
-            <a:normAutofit/>
-          </a:bodyPr>
-          <a:lstStyle/>
-          <a:p>
-            <a:endParaRPr lang="en-US" dirty="0"/>
+            <a:r>
+              <a:rPr lang="en-US" dirty="0"/>
+              <a:t>Good Reading</a:t>
+            </a:r>
           </a:p>
         </p:txBody>
       </p:sp>
@@ -18524,15 +18986,243 @@
                   <a:schemeClr val="bg1"/>
                 </a:solidFill>
               </a:rPr>
-              <a:t>Multi-Container Pods 10%</a:t>
+              <a:t>Configuration - 18%</a:t>
             </a:r>
           </a:p>
         </p:txBody>
       </p:sp>
+      <p:sp>
+        <p:nvSpPr>
+          <p:cNvPr id="11" name="Content Placeholder 10">
+            <a:extLst>
+              <a:ext uri="{FF2B5EF4-FFF2-40B4-BE49-F238E27FC236}">
+                <a16:creationId xmlns:a16="http://schemas.microsoft.com/office/drawing/2014/main" id="{A15B9778-6171-2647-B8AF-4E93A8CB31B5}"/>
+              </a:ext>
+            </a:extLst>
+          </p:cNvPr>
+          <p:cNvSpPr>
+            <a:spLocks noGrp="1"/>
+          </p:cNvSpPr>
+          <p:nvPr>
+            <p:ph idx="1"/>
+          </p:nvPr>
+        </p:nvSpPr>
+        <p:spPr/>
+        <p:txBody>
+          <a:bodyPr>
+            <a:normAutofit fontScale="62500" lnSpcReduction="20000"/>
+          </a:bodyPr>
+          <a:lstStyle/>
+          <a:p>
+            <a:r>
+              <a:rPr lang="en-US" dirty="0"/>
+              <a:t>Understand Config Maps</a:t>
+            </a:r>
+          </a:p>
+          <a:p>
+            <a:r>
+              <a:rPr lang="en-US" dirty="0">
+                <a:hlinkClick r:id="rId2"/>
+              </a:rPr>
+              <a:t>https://kubernetes.io/docs/configuration-configmap</a:t>
+            </a:r>
+            <a:r>
+              <a:rPr lang="en-US" dirty="0"/>
+              <a:t> </a:t>
+            </a:r>
+          </a:p>
+          <a:p>
+            <a:r>
+              <a:rPr lang="en-US" dirty="0">
+                <a:hlinkClick r:id="rId3"/>
+              </a:rPr>
+              <a:t>https://kubernetes.io/docs/tasks/configure-pod-container/configure-pod-configmap/</a:t>
+            </a:r>
+            <a:r>
+              <a:rPr lang="en-US" dirty="0"/>
+              <a:t> </a:t>
+            </a:r>
+          </a:p>
+          <a:p>
+            <a:r>
+              <a:rPr lang="en-US" dirty="0"/>
+              <a:t>Understand Security Contexts</a:t>
+            </a:r>
+          </a:p>
+          <a:p>
+            <a:r>
+              <a:rPr lang="en-US" dirty="0">
+                <a:hlinkClick r:id="rId4"/>
+              </a:rPr>
+              <a:t>https://kubernetes.io/docs/tasks/configure-pod-container/security-context/</a:t>
+            </a:r>
+            <a:r>
+              <a:rPr lang="en-US" dirty="0"/>
+              <a:t> </a:t>
+            </a:r>
+          </a:p>
+          <a:p>
+            <a:r>
+              <a:rPr lang="en-US" dirty="0">
+                <a:hlinkClick r:id="rId5"/>
+              </a:rPr>
+              <a:t>https://kubernetes.io/blog/2016/security-best-practices-kubernetes-deployment/</a:t>
+            </a:r>
+            <a:r>
+              <a:rPr lang="en-US" dirty="0"/>
+              <a:t> </a:t>
+            </a:r>
+          </a:p>
+          <a:p>
+            <a:r>
+              <a:rPr lang="en-US" dirty="0"/>
+              <a:t>Define an application’s resource requirements </a:t>
+            </a:r>
+            <a:r>
+              <a:rPr lang="en-US" dirty="0">
+                <a:hlinkClick r:id="rId6"/>
+              </a:rPr>
+              <a:t>https://kubernetes.io/docs/manage-resources-containers/</a:t>
+            </a:r>
+            <a:r>
+              <a:rPr lang="en-US" dirty="0"/>
+              <a:t> </a:t>
+            </a:r>
+          </a:p>
+          <a:p>
+            <a:r>
+              <a:rPr lang="en-US" dirty="0"/>
+              <a:t>Memory: </a:t>
+            </a:r>
+            <a:r>
+              <a:rPr lang="en-US" dirty="0">
+                <a:hlinkClick r:id="rId7"/>
+              </a:rPr>
+              <a:t>https://kubernetes.io/configure-pod-container/assign-memory-resource/</a:t>
+            </a:r>
+            <a:r>
+              <a:rPr lang="en-US" dirty="0"/>
+              <a:t> </a:t>
+            </a:r>
+          </a:p>
+          <a:p>
+            <a:r>
+              <a:rPr lang="en-US" dirty="0"/>
+              <a:t>CPU: </a:t>
+            </a:r>
+            <a:r>
+              <a:rPr lang="en-US" dirty="0">
+                <a:hlinkClick r:id="rId8"/>
+              </a:rPr>
+              <a:t>https://kubernetes.io/docs/tasks/configure-pod-container/assign-cpu-resource/</a:t>
+            </a:r>
+            <a:r>
+              <a:rPr lang="en-US" dirty="0"/>
+              <a:t> </a:t>
+            </a:r>
+          </a:p>
+          <a:p>
+            <a:r>
+              <a:rPr lang="en-US" dirty="0"/>
+              <a:t>Create &amp; consume Secrets</a:t>
+            </a:r>
+          </a:p>
+          <a:p>
+            <a:r>
+              <a:rPr lang="en-US" dirty="0">
+                <a:hlinkClick r:id="rId9"/>
+              </a:rPr>
+              <a:t>https://kubernetes.io/docs/configuration/secret/</a:t>
+            </a:r>
+            <a:r>
+              <a:rPr lang="en-US" dirty="0"/>
+              <a:t> </a:t>
+            </a:r>
+          </a:p>
+          <a:p>
+            <a:r>
+              <a:rPr lang="en-US" dirty="0">
+                <a:hlinkClick r:id="rId10"/>
+              </a:rPr>
+              <a:t>https://kubernetes.io/docs/tasks/inject-data-application/distribute-credentials-secure/</a:t>
+            </a:r>
+            <a:r>
+              <a:rPr lang="en-US" dirty="0"/>
+              <a:t> </a:t>
+            </a:r>
+          </a:p>
+          <a:p>
+            <a:r>
+              <a:rPr lang="en-US" dirty="0"/>
+              <a:t>Understand Service Accounts</a:t>
+            </a:r>
+          </a:p>
+          <a:p>
+            <a:r>
+              <a:rPr lang="en-US" dirty="0">
+                <a:hlinkClick r:id="rId11"/>
+              </a:rPr>
+              <a:t>https://kubernetes.io/docs/reference/access-authn-authz/service-accounts-admin/</a:t>
+            </a:r>
+            <a:r>
+              <a:rPr lang="en-US" dirty="0"/>
+              <a:t> </a:t>
+            </a:r>
+          </a:p>
+          <a:p>
+            <a:r>
+              <a:rPr lang="en-US" dirty="0">
+                <a:hlinkClick r:id="rId12"/>
+              </a:rPr>
+              <a:t>https://kubernetes.io/docs/tasks/configure-pod-container/configure-service-account/</a:t>
+            </a:r>
+            <a:r>
+              <a:rPr lang="en-US" dirty="0"/>
+              <a:t> </a:t>
+            </a:r>
+          </a:p>
+        </p:txBody>
+      </p:sp>
+      <p:pic>
+        <p:nvPicPr>
+          <p:cNvPr id="18" name="Picture 17">
+            <a:extLst>
+              <a:ext uri="{FF2B5EF4-FFF2-40B4-BE49-F238E27FC236}">
+                <a16:creationId xmlns:a16="http://schemas.microsoft.com/office/drawing/2014/main" id="{D608B2C0-1835-124D-BEA9-D8224E4EFDF9}"/>
+              </a:ext>
+            </a:extLst>
+          </p:cNvPr>
+          <p:cNvPicPr>
+            <a:picLocks noChangeAspect="1"/>
+          </p:cNvPicPr>
+          <p:nvPr/>
+        </p:nvPicPr>
+        <p:blipFill>
+          <a:blip r:embed="rId13">
+            <a:extLst>
+              <a:ext uri="{837473B0-CC2E-450A-ABE3-18F120FF3D39}">
+                <a1611:picAttrSrcUrl xmlns:a1611="http://schemas.microsoft.com/office/drawing/2016/11/main" r:id="rId14"/>
+              </a:ext>
+            </a:extLst>
+          </a:blip>
+          <a:stretch>
+            <a:fillRect/>
+          </a:stretch>
+        </p:blipFill>
+        <p:spPr>
+          <a:xfrm>
+            <a:off x="1952369" y="2310964"/>
+            <a:ext cx="1285103" cy="1124465"/>
+          </a:xfrm>
+          <a:prstGeom prst="rect">
+            <a:avLst/>
+          </a:prstGeom>
+        </p:spPr>
+      </p:pic>
     </p:spTree>
     <p:extLst>
       <p:ext uri="{BB962C8B-B14F-4D97-AF65-F5344CB8AC3E}">
-        <p14:creationId xmlns:p14="http://schemas.microsoft.com/office/powerpoint/2010/main" val="4018816058"/>
+        <p14:creationId xmlns:p14="http://schemas.microsoft.com/office/powerpoint/2010/main" val="3070980483"/>
       </p:ext>
     </p:extLst>
   </p:cSld>
@@ -18580,9 +19270,10 @@
           <a:bodyPr/>
           <a:lstStyle/>
           <a:p>
+            <a:pPr algn="l"/>
             <a:r>
               <a:rPr lang="en-US" b="1" dirty="0"/>
-              <a:t>About me</a:t>
+              <a:t>About</a:t>
             </a:r>
           </a:p>
         </p:txBody>
@@ -18797,6 +19488,47 @@
           </a:p>
         </p:txBody>
       </p:sp>
+      <p:pic>
+        <p:nvPicPr>
+          <p:cNvPr id="7" name="Picture 6">
+            <a:extLst>
+              <a:ext uri="{FF2B5EF4-FFF2-40B4-BE49-F238E27FC236}">
+                <a16:creationId xmlns:a16="http://schemas.microsoft.com/office/drawing/2014/main" id="{7CCEC9B7-52DA-FA48-8A16-32455096E1AC}"/>
+              </a:ext>
+            </a:extLst>
+          </p:cNvPr>
+          <p:cNvPicPr>
+            <a:picLocks noChangeAspect="1"/>
+          </p:cNvPicPr>
+          <p:nvPr/>
+        </p:nvPicPr>
+        <p:blipFill>
+          <a:blip r:embed="rId4">
+            <a:extLst>
+              <a:ext uri="{837473B0-CC2E-450A-ABE3-18F120FF3D39}">
+                <a1611:picAttrSrcUrl xmlns:a1611="http://schemas.microsoft.com/office/drawing/2016/11/main" r:id="rId5"/>
+              </a:ext>
+            </a:extLst>
+          </a:blip>
+          <a:stretch>
+            <a:fillRect/>
+          </a:stretch>
+        </p:blipFill>
+        <p:spPr>
+          <a:xfrm>
+            <a:off x="2416778" y="2278538"/>
+            <a:ext cx="2035093" cy="2021616"/>
+          </a:xfrm>
+          <a:prstGeom prst="rect">
+            <a:avLst/>
+          </a:prstGeom>
+          <a:ln>
+            <a:solidFill>
+              <a:schemeClr val="accent1"/>
+            </a:solidFill>
+          </a:ln>
+        </p:spPr>
+      </p:pic>
     </p:spTree>
     <p:extLst>
       <p:ext uri="{BB962C8B-B14F-4D97-AF65-F5344CB8AC3E}">
@@ -18832,7 +19564,7 @@
           <p:cNvPr id="2" name="Title 1">
             <a:extLst>
               <a:ext uri="{FF2B5EF4-FFF2-40B4-BE49-F238E27FC236}">
-                <a16:creationId xmlns:a16="http://schemas.microsoft.com/office/drawing/2014/main" id="{A264180F-E475-9746-8C3E-9C7BC7B7C6F5}"/>
+                <a16:creationId xmlns:a16="http://schemas.microsoft.com/office/drawing/2014/main" id="{07E2CD5E-F5C9-D544-A18F-DFF81603A9EF}"/>
               </a:ext>
             </a:extLst>
           </p:cNvPr>
@@ -18850,14 +19582,14 @@
           <a:p>
             <a:r>
               <a:rPr lang="en-US" dirty="0"/>
-              <a:t>Observability</a:t>
+              <a:t>Multi-Container Pods	</a:t>
             </a:r>
             <a:br>
               <a:rPr lang="en-US" dirty="0"/>
             </a:br>
             <a:r>
               <a:rPr lang="en-US" dirty="0"/>
-              <a:t>18%</a:t>
+              <a:t>10%</a:t>
             </a:r>
           </a:p>
         </p:txBody>
@@ -18867,7 +19599,7 @@
           <p:cNvPr id="3" name="Content Placeholder 2">
             <a:extLst>
               <a:ext uri="{FF2B5EF4-FFF2-40B4-BE49-F238E27FC236}">
-                <a16:creationId xmlns:a16="http://schemas.microsoft.com/office/drawing/2014/main" id="{C6E91C1F-B6F3-4547-A72D-9B79999F3F5C}"/>
+                <a16:creationId xmlns:a16="http://schemas.microsoft.com/office/drawing/2014/main" id="{41194661-E6A2-4A46-9E81-F4CB55A23E3D}"/>
               </a:ext>
             </a:extLst>
           </p:cNvPr>
@@ -18892,41 +19624,7 @@
             <a:pPr lvl="1"/>
             <a:r>
               <a:rPr lang="en-US" dirty="0"/>
-              <a:t>Understand </a:t>
-            </a:r>
-            <a:r>
-              <a:rPr lang="en-US" dirty="0" err="1"/>
-              <a:t>LivenessProbes</a:t>
-            </a:r>
-            <a:r>
-              <a:rPr lang="en-US" dirty="0"/>
-              <a:t> and </a:t>
-            </a:r>
-            <a:r>
-              <a:rPr lang="en-US" dirty="0" err="1"/>
-              <a:t>ReadinessProbes</a:t>
-            </a:r>
-            <a:endParaRPr lang="en-US" dirty="0"/>
-          </a:p>
-          <a:p>
-            <a:pPr lvl="1"/>
-            <a:r>
-              <a:rPr lang="en-US" dirty="0"/>
-              <a:t>Understand container logging</a:t>
-            </a:r>
-          </a:p>
-          <a:p>
-            <a:pPr lvl="1"/>
-            <a:r>
-              <a:rPr lang="en-US" dirty="0"/>
-              <a:t>Understand how to monitor applications in Kubernetes</a:t>
-            </a:r>
-          </a:p>
-          <a:p>
-            <a:pPr lvl="1"/>
-            <a:r>
-              <a:rPr lang="en-US" dirty="0"/>
-              <a:t>Understand debugging in Kubernetes</a:t>
+              <a:t>Understand Multi-Container Pod design patterns (e .g. ambassador, adapter, sidecar)</a:t>
             </a:r>
           </a:p>
           <a:p>
@@ -18939,35 +19637,7 @@
             <a:pPr lvl="1"/>
             <a:r>
               <a:rPr lang="en-US" dirty="0"/>
-              <a:t>Health checks: liveness and Readiness probes</a:t>
-            </a:r>
-          </a:p>
-          <a:p>
-            <a:pPr lvl="1"/>
-            <a:r>
-              <a:rPr lang="en-US" dirty="0"/>
-              <a:t>Container logging</a:t>
-            </a:r>
-          </a:p>
-          <a:p>
-            <a:pPr lvl="1"/>
-            <a:r>
-              <a:rPr lang="en-US" dirty="0"/>
-              <a:t>Metrics server</a:t>
-            </a:r>
-          </a:p>
-          <a:p>
-            <a:pPr lvl="1"/>
-            <a:r>
-              <a:rPr lang="en-US" dirty="0"/>
-              <a:t>Monitoring apps</a:t>
-            </a:r>
-          </a:p>
-          <a:p>
-            <a:pPr lvl="1"/>
-            <a:r>
-              <a:rPr lang="en-US" dirty="0"/>
-              <a:t>Debugging</a:t>
+              <a:t>Understanding multi-container pods</a:t>
             </a:r>
           </a:p>
           <a:p>
@@ -18998,6 +19668,10 @@
             </a:r>
             <a:endParaRPr lang="en-US" dirty="0"/>
           </a:p>
+          <a:p>
+            <a:pPr lvl="1"/>
+            <a:endParaRPr lang="en-US" dirty="0"/>
+          </a:p>
         </p:txBody>
       </p:sp>
       <p:sp>
@@ -19005,7 +19679,7 @@
           <p:cNvPr id="4" name="Footer Placeholder 3">
             <a:extLst>
               <a:ext uri="{FF2B5EF4-FFF2-40B4-BE49-F238E27FC236}">
-                <a16:creationId xmlns:a16="http://schemas.microsoft.com/office/drawing/2014/main" id="{4B2EB069-FF4F-F84D-901D-55A0795B225B}"/>
+                <a16:creationId xmlns:a16="http://schemas.microsoft.com/office/drawing/2014/main" id="{9412C661-F328-454A-A07B-8D32ECF96CB7}"/>
               </a:ext>
             </a:extLst>
           </p:cNvPr>
@@ -19034,7 +19708,7 @@
           <p:cNvPr id="5" name="Slide Number Placeholder 4">
             <a:extLst>
               <a:ext uri="{FF2B5EF4-FFF2-40B4-BE49-F238E27FC236}">
-                <a16:creationId xmlns:a16="http://schemas.microsoft.com/office/drawing/2014/main" id="{6B832A71-7EBC-E34B-BA2F-CB8594BC4FBB}"/>
+                <a16:creationId xmlns:a16="http://schemas.microsoft.com/office/drawing/2014/main" id="{67D909B1-F7EF-3D47-AED8-DDE12E144EB9}"/>
               </a:ext>
             </a:extLst>
           </p:cNvPr>
@@ -19059,10 +19733,46 @@
           </a:p>
         </p:txBody>
       </p:sp>
+      <p:pic>
+        <p:nvPicPr>
+          <p:cNvPr id="6" name="Picture 5">
+            <a:extLst>
+              <a:ext uri="{FF2B5EF4-FFF2-40B4-BE49-F238E27FC236}">
+                <a16:creationId xmlns:a16="http://schemas.microsoft.com/office/drawing/2014/main" id="{26EFBB67-C957-0B45-A81B-69D31AC1EB10}"/>
+              </a:ext>
+            </a:extLst>
+          </p:cNvPr>
+          <p:cNvPicPr>
+            <a:picLocks noChangeAspect="1"/>
+          </p:cNvPicPr>
+          <p:nvPr/>
+        </p:nvPicPr>
+        <p:blipFill>
+          <a:blip r:embed="rId2">
+            <a:extLst>
+              <a:ext uri="{837473B0-CC2E-450A-ABE3-18F120FF3D39}">
+                <a1611:picAttrSrcUrl xmlns:a1611="http://schemas.microsoft.com/office/drawing/2016/11/main" r:id="rId3"/>
+              </a:ext>
+            </a:extLst>
+          </a:blip>
+          <a:stretch>
+            <a:fillRect/>
+          </a:stretch>
+        </p:blipFill>
+        <p:spPr>
+          <a:xfrm>
+            <a:off x="1790979" y="153831"/>
+            <a:ext cx="1658036" cy="2057618"/>
+          </a:xfrm>
+          <a:prstGeom prst="rect">
+            <a:avLst/>
+          </a:prstGeom>
+        </p:spPr>
+      </p:pic>
     </p:spTree>
     <p:extLst>
       <p:ext uri="{BB962C8B-B14F-4D97-AF65-F5344CB8AC3E}">
-        <p14:creationId xmlns:p14="http://schemas.microsoft.com/office/powerpoint/2010/main" val="1437941570"/>
+        <p14:creationId xmlns:p14="http://schemas.microsoft.com/office/powerpoint/2010/main" val="3998904373"/>
       </p:ext>
     </p:extLst>
   </p:cSld>
@@ -19214,8 +19924,8 @@
         </p:nvSpPr>
         <p:spPr>
           <a:xfrm>
-            <a:off x="804672" y="1708299"/>
-            <a:ext cx="3498978" cy="400110"/>
+            <a:off x="804671" y="1708299"/>
+            <a:ext cx="3680831" cy="400110"/>
           </a:xfrm>
           <a:prstGeom prst="rect">
             <a:avLst/>
@@ -19234,15 +19944,51 @@
                   <a:schemeClr val="bg1"/>
                 </a:solidFill>
               </a:rPr>
-              <a:t>Observability 18%</a:t>
+              <a:t>Multi-Container Pods - 10%</a:t>
             </a:r>
           </a:p>
         </p:txBody>
       </p:sp>
+      <p:pic>
+        <p:nvPicPr>
+          <p:cNvPr id="8" name="Picture 7">
+            <a:extLst>
+              <a:ext uri="{FF2B5EF4-FFF2-40B4-BE49-F238E27FC236}">
+                <a16:creationId xmlns:a16="http://schemas.microsoft.com/office/drawing/2014/main" id="{9C28DC5D-7F17-FB45-8FCB-C081CB55BADA}"/>
+              </a:ext>
+            </a:extLst>
+          </p:cNvPr>
+          <p:cNvPicPr>
+            <a:picLocks noChangeAspect="1"/>
+          </p:cNvPicPr>
+          <p:nvPr/>
+        </p:nvPicPr>
+        <p:blipFill>
+          <a:blip r:embed="rId2">
+            <a:extLst>
+              <a:ext uri="{837473B0-CC2E-450A-ABE3-18F120FF3D39}">
+                <a1611:picAttrSrcUrl xmlns:a1611="http://schemas.microsoft.com/office/drawing/2016/11/main" r:id="rId3"/>
+              </a:ext>
+            </a:extLst>
+          </a:blip>
+          <a:stretch>
+            <a:fillRect/>
+          </a:stretch>
+        </p:blipFill>
+        <p:spPr>
+          <a:xfrm>
+            <a:off x="791680" y="2745"/>
+            <a:ext cx="3693823" cy="1877342"/>
+          </a:xfrm>
+          <a:prstGeom prst="rect">
+            <a:avLst/>
+          </a:prstGeom>
+        </p:spPr>
+      </p:pic>
     </p:spTree>
     <p:extLst>
       <p:ext uri="{BB962C8B-B14F-4D97-AF65-F5344CB8AC3E}">
-        <p14:creationId xmlns:p14="http://schemas.microsoft.com/office/powerpoint/2010/main" val="1275593666"/>
+        <p14:creationId xmlns:p14="http://schemas.microsoft.com/office/powerpoint/2010/main" val="4018816058"/>
       </p:ext>
     </p:extLst>
   </p:cSld>
@@ -19274,7 +20020,7 @@
           <p:cNvPr id="2" name="Title 1">
             <a:extLst>
               <a:ext uri="{FF2B5EF4-FFF2-40B4-BE49-F238E27FC236}">
-                <a16:creationId xmlns:a16="http://schemas.microsoft.com/office/drawing/2014/main" id="{188C1754-4D5F-CB41-BCD3-D5359F33419B}"/>
+                <a16:creationId xmlns:a16="http://schemas.microsoft.com/office/drawing/2014/main" id="{313C6255-1EDA-0C48-A1D0-16E4D6BCC481}"/>
               </a:ext>
             </a:extLst>
           </p:cNvPr>
@@ -19292,157 +20038,8 @@
           <a:p>
             <a:r>
               <a:rPr lang="en-US" dirty="0"/>
-              <a:t>Pod Design</a:t>
-            </a:r>
-            <a:br>
-              <a:rPr lang="en-US" dirty="0"/>
-            </a:br>
-            <a:r>
-              <a:rPr lang="en-US" dirty="0"/>
-              <a:t>20%</a:t>
-            </a:r>
-          </a:p>
-        </p:txBody>
-      </p:sp>
-      <p:sp>
-        <p:nvSpPr>
-          <p:cNvPr id="3" name="Content Placeholder 2">
-            <a:extLst>
-              <a:ext uri="{FF2B5EF4-FFF2-40B4-BE49-F238E27FC236}">
-                <a16:creationId xmlns:a16="http://schemas.microsoft.com/office/drawing/2014/main" id="{CC2FDDDC-4949-1448-A68E-531D3778AF3A}"/>
-              </a:ext>
-            </a:extLst>
-          </p:cNvPr>
-          <p:cNvSpPr>
-            <a:spLocks noGrp="1"/>
-          </p:cNvSpPr>
-          <p:nvPr>
-            <p:ph idx="1"/>
-          </p:nvPr>
-        </p:nvSpPr>
-        <p:spPr/>
-        <p:txBody>
-          <a:bodyPr/>
-          <a:lstStyle/>
-          <a:p>
-            <a:r>
-              <a:rPr lang="en-US" dirty="0"/>
-              <a:t>Exam</a:t>
-            </a:r>
-          </a:p>
-          <a:p>
-            <a:pPr lvl="1"/>
-            <a:r>
-              <a:rPr lang="en-US" dirty="0"/>
-              <a:t>Understand Deployments and how to perform rolling updates</a:t>
-            </a:r>
-          </a:p>
-          <a:p>
-            <a:pPr lvl="1"/>
-            <a:r>
-              <a:rPr lang="en-US" dirty="0"/>
-              <a:t>Understand Deployments and how to perform rollbacks</a:t>
-            </a:r>
-          </a:p>
-          <a:p>
-            <a:pPr lvl="1"/>
-            <a:r>
-              <a:rPr lang="en-US" dirty="0"/>
-              <a:t>Understand Jobs and </a:t>
-            </a:r>
-            <a:r>
-              <a:rPr lang="en-US" dirty="0" err="1"/>
-              <a:t>CronJobs</a:t>
-            </a:r>
-            <a:endParaRPr lang="en-US" dirty="0"/>
-          </a:p>
-          <a:p>
-            <a:pPr lvl="1"/>
-            <a:r>
-              <a:rPr lang="en-US" dirty="0"/>
-              <a:t>Understand how to use Labels, Selectors, and Annotations</a:t>
-            </a:r>
-          </a:p>
-          <a:p>
-            <a:r>
-              <a:rPr lang="en-US" dirty="0"/>
-              <a:t>Learning</a:t>
-            </a:r>
-          </a:p>
-          <a:p>
-            <a:pPr lvl="1"/>
-            <a:r>
-              <a:rPr lang="en-US" dirty="0"/>
-              <a:t>Labels, selectors, and annotations</a:t>
-            </a:r>
-          </a:p>
-          <a:p>
-            <a:pPr lvl="1"/>
-            <a:r>
-              <a:rPr lang="en-US" dirty="0"/>
-              <a:t>Deployments</a:t>
-            </a:r>
-          </a:p>
-          <a:p>
-            <a:pPr lvl="1"/>
-            <a:r>
-              <a:rPr lang="en-US" dirty="0"/>
-              <a:t>Rolling updates</a:t>
-            </a:r>
-          </a:p>
-          <a:p>
-            <a:pPr lvl="1"/>
-            <a:r>
-              <a:rPr lang="en-US" dirty="0"/>
-              <a:t>Rollback updates</a:t>
-            </a:r>
-          </a:p>
-          <a:p>
-            <a:pPr lvl="1"/>
-            <a:r>
-              <a:rPr lang="en-US" dirty="0"/>
-              <a:t>Scheduling ‘</a:t>
-            </a:r>
-            <a:r>
-              <a:rPr lang="en-US" dirty="0" err="1"/>
-              <a:t>cron</a:t>
-            </a:r>
-            <a:r>
-              <a:rPr lang="en-US" dirty="0"/>
-              <a:t>’ jobs</a:t>
-            </a:r>
-          </a:p>
-          <a:p>
-            <a:pPr lvl="1"/>
-            <a:r>
-              <a:rPr lang="en-US" b="1" dirty="0" err="1">
-                <a:solidFill>
-                  <a:srgbClr val="FF0000"/>
-                </a:solidFill>
-              </a:rPr>
-              <a:t>kubectl</a:t>
-            </a:r>
-            <a:r>
-              <a:rPr lang="en-US" b="1" dirty="0">
-                <a:solidFill>
-                  <a:srgbClr val="FF0000"/>
-                </a:solidFill>
-              </a:rPr>
-              <a:t> commands </a:t>
-            </a:r>
-            <a:r>
-              <a:rPr lang="en-US" b="1" dirty="0" err="1">
-                <a:solidFill>
-                  <a:srgbClr val="FF0000"/>
-                </a:solidFill>
-              </a:rPr>
-              <a:t>cheatsheet</a:t>
-            </a:r>
-            <a:endParaRPr lang="en-US" dirty="0"/>
-          </a:p>
-          <a:p>
-            <a:pPr lvl="1"/>
-            <a:endParaRPr lang="en-US" dirty="0"/>
+              <a:t>Good Reading</a:t>
+            </a:r>
           </a:p>
         </p:txBody>
       </p:sp>
@@ -19451,7 +20048,7 @@
           <p:cNvPr id="4" name="Footer Placeholder 3">
             <a:extLst>
               <a:ext uri="{FF2B5EF4-FFF2-40B4-BE49-F238E27FC236}">
-                <a16:creationId xmlns:a16="http://schemas.microsoft.com/office/drawing/2014/main" id="{8360A39E-9EE9-8347-8965-F7535B02AC0C}"/>
+                <a16:creationId xmlns:a16="http://schemas.microsoft.com/office/drawing/2014/main" id="{8F84D377-E9F3-6D48-8A57-E5D2BA6D205A}"/>
               </a:ext>
             </a:extLst>
           </p:cNvPr>
@@ -19480,7 +20077,7 @@
           <p:cNvPr id="5" name="Slide Number Placeholder 4">
             <a:extLst>
               <a:ext uri="{FF2B5EF4-FFF2-40B4-BE49-F238E27FC236}">
-                <a16:creationId xmlns:a16="http://schemas.microsoft.com/office/drawing/2014/main" id="{D5A13BCD-BFC0-A440-B400-E693B15D39D3}"/>
+                <a16:creationId xmlns:a16="http://schemas.microsoft.com/office/drawing/2014/main" id="{1348E730-9588-AD4F-ADA0-448BFB83EF56}"/>
               </a:ext>
             </a:extLst>
           </p:cNvPr>
@@ -19505,10 +20102,112 @@
           </a:p>
         </p:txBody>
       </p:sp>
+      <p:sp>
+        <p:nvSpPr>
+          <p:cNvPr id="6" name="TextBox 5">
+            <a:extLst>
+              <a:ext uri="{FF2B5EF4-FFF2-40B4-BE49-F238E27FC236}">
+                <a16:creationId xmlns:a16="http://schemas.microsoft.com/office/drawing/2014/main" id="{533ACB82-5916-4649-9C21-A65CEEB74099}"/>
+              </a:ext>
+            </a:extLst>
+          </p:cNvPr>
+          <p:cNvSpPr txBox="1"/>
+          <p:nvPr/>
+        </p:nvSpPr>
+        <p:spPr>
+          <a:xfrm>
+            <a:off x="804672" y="1708299"/>
+            <a:ext cx="3705544" cy="400110"/>
+          </a:xfrm>
+          <a:prstGeom prst="rect">
+            <a:avLst/>
+          </a:prstGeom>
+          <a:noFill/>
+        </p:spPr>
+        <p:txBody>
+          <a:bodyPr wrap="square" rtlCol="0">
+            <a:spAutoFit/>
+          </a:bodyPr>
+          <a:lstStyle/>
+          <a:p>
+            <a:r>
+              <a:rPr lang="en-US" sz="2000" b="1" dirty="0">
+                <a:solidFill>
+                  <a:schemeClr val="bg1"/>
+                </a:solidFill>
+              </a:rPr>
+              <a:t>Multi-Container Pods - 10%</a:t>
+            </a:r>
+          </a:p>
+        </p:txBody>
+      </p:sp>
+      <p:sp>
+        <p:nvSpPr>
+          <p:cNvPr id="11" name="Content Placeholder 10">
+            <a:extLst>
+              <a:ext uri="{FF2B5EF4-FFF2-40B4-BE49-F238E27FC236}">
+                <a16:creationId xmlns:a16="http://schemas.microsoft.com/office/drawing/2014/main" id="{A15B9778-6171-2647-B8AF-4E93A8CB31B5}"/>
+              </a:ext>
+            </a:extLst>
+          </p:cNvPr>
+          <p:cNvSpPr>
+            <a:spLocks noGrp="1"/>
+          </p:cNvSpPr>
+          <p:nvPr>
+            <p:ph idx="1"/>
+          </p:nvPr>
+        </p:nvSpPr>
+        <p:spPr/>
+        <p:txBody>
+          <a:bodyPr>
+            <a:normAutofit/>
+          </a:bodyPr>
+          <a:lstStyle/>
+          <a:p>
+            <a:endParaRPr lang="en-US" dirty="0"/>
+          </a:p>
+        </p:txBody>
+      </p:sp>
+      <p:pic>
+        <p:nvPicPr>
+          <p:cNvPr id="18" name="Picture 17">
+            <a:extLst>
+              <a:ext uri="{FF2B5EF4-FFF2-40B4-BE49-F238E27FC236}">
+                <a16:creationId xmlns:a16="http://schemas.microsoft.com/office/drawing/2014/main" id="{D608B2C0-1835-124D-BEA9-D8224E4EFDF9}"/>
+              </a:ext>
+            </a:extLst>
+          </p:cNvPr>
+          <p:cNvPicPr>
+            <a:picLocks noChangeAspect="1"/>
+          </p:cNvPicPr>
+          <p:nvPr/>
+        </p:nvPicPr>
+        <p:blipFill>
+          <a:blip r:embed="rId2">
+            <a:extLst>
+              <a:ext uri="{837473B0-CC2E-450A-ABE3-18F120FF3D39}">
+                <a1611:picAttrSrcUrl xmlns:a1611="http://schemas.microsoft.com/office/drawing/2016/11/main" r:id="rId3"/>
+              </a:ext>
+            </a:extLst>
+          </a:blip>
+          <a:stretch>
+            <a:fillRect/>
+          </a:stretch>
+        </p:blipFill>
+        <p:spPr>
+          <a:xfrm>
+            <a:off x="1952369" y="2310964"/>
+            <a:ext cx="1285103" cy="1124465"/>
+          </a:xfrm>
+          <a:prstGeom prst="rect">
+            <a:avLst/>
+          </a:prstGeom>
+        </p:spPr>
+      </p:pic>
     </p:spTree>
     <p:extLst>
       <p:ext uri="{BB962C8B-B14F-4D97-AF65-F5344CB8AC3E}">
-        <p14:creationId xmlns:p14="http://schemas.microsoft.com/office/powerpoint/2010/main" val="3550007906"/>
+        <p14:creationId xmlns:p14="http://schemas.microsoft.com/office/powerpoint/2010/main" val="809520200"/>
       </p:ext>
     </p:extLst>
   </p:cSld>
@@ -19540,7 +20239,7 @@
           <p:cNvPr id="2" name="Title 1">
             <a:extLst>
               <a:ext uri="{FF2B5EF4-FFF2-40B4-BE49-F238E27FC236}">
-                <a16:creationId xmlns:a16="http://schemas.microsoft.com/office/drawing/2014/main" id="{313C6255-1EDA-0C48-A1D0-16E4D6BCC481}"/>
+                <a16:creationId xmlns:a16="http://schemas.microsoft.com/office/drawing/2014/main" id="{A264180F-E475-9746-8C3E-9C7BC7B7C6F5}"/>
               </a:ext>
             </a:extLst>
           </p:cNvPr>
@@ -19556,7 +20255,17 @@
           <a:bodyPr/>
           <a:lstStyle/>
           <a:p>
-            <a:endParaRPr lang="en-US" dirty="0"/>
+            <a:r>
+              <a:rPr lang="en-US" dirty="0"/>
+              <a:t>Observability</a:t>
+            </a:r>
+            <a:br>
+              <a:rPr lang="en-US" dirty="0"/>
+            </a:br>
+            <a:r>
+              <a:rPr lang="en-US" dirty="0"/>
+              <a:t>18%</a:t>
+            </a:r>
           </a:p>
         </p:txBody>
       </p:sp>
@@ -19565,7 +20274,7 @@
           <p:cNvPr id="3" name="Content Placeholder 2">
             <a:extLst>
               <a:ext uri="{FF2B5EF4-FFF2-40B4-BE49-F238E27FC236}">
-                <a16:creationId xmlns:a16="http://schemas.microsoft.com/office/drawing/2014/main" id="{8900C341-6FE1-DB44-AA3D-FC4E9C9C272E}"/>
+                <a16:creationId xmlns:a16="http://schemas.microsoft.com/office/drawing/2014/main" id="{C6E91C1F-B6F3-4547-A72D-9B79999F3F5C}"/>
               </a:ext>
             </a:extLst>
           </p:cNvPr>
@@ -19578,11 +20287,122 @@
         </p:nvSpPr>
         <p:spPr/>
         <p:txBody>
-          <a:bodyPr>
-            <a:normAutofit/>
-          </a:bodyPr>
+          <a:bodyPr/>
           <a:lstStyle/>
           <a:p>
+            <a:r>
+              <a:rPr lang="en-US" dirty="0"/>
+              <a:t>Exam</a:t>
+            </a:r>
+          </a:p>
+          <a:p>
+            <a:pPr lvl="1"/>
+            <a:r>
+              <a:rPr lang="en-US" dirty="0"/>
+              <a:t>Understand </a:t>
+            </a:r>
+            <a:r>
+              <a:rPr lang="en-US" dirty="0" err="1"/>
+              <a:t>LivenessProbes</a:t>
+            </a:r>
+            <a:r>
+              <a:rPr lang="en-US" dirty="0"/>
+              <a:t> and </a:t>
+            </a:r>
+            <a:r>
+              <a:rPr lang="en-US" dirty="0" err="1"/>
+              <a:t>ReadinessProbes</a:t>
+            </a:r>
+            <a:endParaRPr lang="en-US" dirty="0"/>
+          </a:p>
+          <a:p>
+            <a:pPr lvl="1"/>
+            <a:r>
+              <a:rPr lang="en-US" dirty="0"/>
+              <a:t>Understand container logging</a:t>
+            </a:r>
+          </a:p>
+          <a:p>
+            <a:pPr lvl="1"/>
+            <a:r>
+              <a:rPr lang="en-US" dirty="0"/>
+              <a:t>Understand how to monitor applications in Kubernetes</a:t>
+            </a:r>
+          </a:p>
+          <a:p>
+            <a:pPr lvl="1"/>
+            <a:r>
+              <a:rPr lang="en-US" dirty="0"/>
+              <a:t>Understand debugging in Kubernetes</a:t>
+            </a:r>
+          </a:p>
+          <a:p>
+            <a:r>
+              <a:rPr lang="en-US" dirty="0"/>
+              <a:t>Learning</a:t>
+            </a:r>
+          </a:p>
+          <a:p>
+            <a:pPr lvl="1"/>
+            <a:r>
+              <a:rPr lang="en-US" dirty="0"/>
+              <a:t>Health checks: liveness and Readiness probes</a:t>
+            </a:r>
+          </a:p>
+          <a:p>
+            <a:pPr lvl="1"/>
+            <a:r>
+              <a:rPr lang="en-US" dirty="0"/>
+              <a:t>Container logging</a:t>
+            </a:r>
+          </a:p>
+          <a:p>
+            <a:pPr lvl="1"/>
+            <a:r>
+              <a:rPr lang="en-US" dirty="0"/>
+              <a:t>Metrics server</a:t>
+            </a:r>
+          </a:p>
+          <a:p>
+            <a:pPr lvl="1"/>
+            <a:r>
+              <a:rPr lang="en-US" dirty="0"/>
+              <a:t>Monitoring apps</a:t>
+            </a:r>
+          </a:p>
+          <a:p>
+            <a:pPr lvl="1"/>
+            <a:r>
+              <a:rPr lang="en-US" dirty="0"/>
+              <a:t>Debugging</a:t>
+            </a:r>
+          </a:p>
+          <a:p>
+            <a:pPr lvl="1"/>
+            <a:r>
+              <a:rPr lang="en-US" b="1" dirty="0" err="1">
+                <a:solidFill>
+                  <a:srgbClr val="FF0000"/>
+                </a:solidFill>
+              </a:rPr>
+              <a:t>kubectl</a:t>
+            </a:r>
+            <a:r>
+              <a:rPr lang="en-US" b="1" dirty="0">
+                <a:solidFill>
+                  <a:srgbClr val="FF0000"/>
+                </a:solidFill>
+              </a:rPr>
+              <a:t> commands </a:t>
+            </a:r>
+            <a:r>
+              <a:rPr lang="en-US" b="1" dirty="0" err="1">
+                <a:solidFill>
+                  <a:srgbClr val="FF0000"/>
+                </a:solidFill>
+              </a:rPr>
+              <a:t>cheatsheet</a:t>
+            </a:r>
             <a:endParaRPr lang="en-US" dirty="0"/>
           </a:p>
         </p:txBody>
@@ -19592,7 +20412,7 @@
           <p:cNvPr id="4" name="Footer Placeholder 3">
             <a:extLst>
               <a:ext uri="{FF2B5EF4-FFF2-40B4-BE49-F238E27FC236}">
-                <a16:creationId xmlns:a16="http://schemas.microsoft.com/office/drawing/2014/main" id="{8F84D377-E9F3-6D48-8A57-E5D2BA6D205A}"/>
+                <a16:creationId xmlns:a16="http://schemas.microsoft.com/office/drawing/2014/main" id="{4B2EB069-FF4F-F84D-901D-55A0795B225B}"/>
               </a:ext>
             </a:extLst>
           </p:cNvPr>
@@ -19621,7 +20441,7 @@
           <p:cNvPr id="5" name="Slide Number Placeholder 4">
             <a:extLst>
               <a:ext uri="{FF2B5EF4-FFF2-40B4-BE49-F238E27FC236}">
-                <a16:creationId xmlns:a16="http://schemas.microsoft.com/office/drawing/2014/main" id="{1348E730-9588-AD4F-ADA0-448BFB83EF56}"/>
+                <a16:creationId xmlns:a16="http://schemas.microsoft.com/office/drawing/2014/main" id="{6B832A71-7EBC-E34B-BA2F-CB8594BC4FBB}"/>
               </a:ext>
             </a:extLst>
           </p:cNvPr>
@@ -19646,49 +20466,46 @@
           </a:p>
         </p:txBody>
       </p:sp>
-      <p:sp>
-        <p:nvSpPr>
-          <p:cNvPr id="6" name="TextBox 5">
+      <p:pic>
+        <p:nvPicPr>
+          <p:cNvPr id="6" name="Picture 5">
             <a:extLst>
               <a:ext uri="{FF2B5EF4-FFF2-40B4-BE49-F238E27FC236}">
-                <a16:creationId xmlns:a16="http://schemas.microsoft.com/office/drawing/2014/main" id="{533ACB82-5916-4649-9C21-A65CEEB74099}"/>
+                <a16:creationId xmlns:a16="http://schemas.microsoft.com/office/drawing/2014/main" id="{31DB049E-8B9C-2A4B-8F75-3460BF775EEA}"/>
               </a:ext>
             </a:extLst>
           </p:cNvPr>
-          <p:cNvSpPr txBox="1"/>
+          <p:cNvPicPr>
+            <a:picLocks noChangeAspect="1"/>
+          </p:cNvPicPr>
           <p:nvPr/>
-        </p:nvSpPr>
+        </p:nvPicPr>
+        <p:blipFill>
+          <a:blip r:embed="rId2">
+            <a:extLst>
+              <a:ext uri="{837473B0-CC2E-450A-ABE3-18F120FF3D39}">
+                <a1611:picAttrSrcUrl xmlns:a1611="http://schemas.microsoft.com/office/drawing/2016/11/main" r:id="rId3"/>
+              </a:ext>
+            </a:extLst>
+          </a:blip>
+          <a:stretch>
+            <a:fillRect/>
+          </a:stretch>
+        </p:blipFill>
         <p:spPr>
           <a:xfrm>
-            <a:off x="804672" y="1708299"/>
-            <a:ext cx="3498978" cy="400110"/>
+            <a:off x="1790979" y="153831"/>
+            <a:ext cx="1658036" cy="2057618"/>
           </a:xfrm>
           <a:prstGeom prst="rect">
             <a:avLst/>
           </a:prstGeom>
-          <a:noFill/>
         </p:spPr>
-        <p:txBody>
-          <a:bodyPr wrap="square" rtlCol="0">
-            <a:spAutoFit/>
-          </a:bodyPr>
-          <a:lstStyle/>
-          <a:p>
-            <a:r>
-              <a:rPr lang="en-US" sz="2000" b="1" dirty="0">
-                <a:solidFill>
-                  <a:schemeClr val="bg1"/>
-                </a:solidFill>
-              </a:rPr>
-              <a:t>Pod Design 20%</a:t>
-            </a:r>
-          </a:p>
-        </p:txBody>
-      </p:sp>
+      </p:pic>
     </p:spTree>
     <p:extLst>
       <p:ext uri="{BB962C8B-B14F-4D97-AF65-F5344CB8AC3E}">
-        <p14:creationId xmlns:p14="http://schemas.microsoft.com/office/powerpoint/2010/main" val="2969777907"/>
+        <p14:creationId xmlns:p14="http://schemas.microsoft.com/office/powerpoint/2010/main" val="1437941570"/>
       </p:ext>
     </p:extLst>
   </p:cSld>
@@ -19720,7 +20537,7 @@
           <p:cNvPr id="2" name="Title 1">
             <a:extLst>
               <a:ext uri="{FF2B5EF4-FFF2-40B4-BE49-F238E27FC236}">
-                <a16:creationId xmlns:a16="http://schemas.microsoft.com/office/drawing/2014/main" id="{087D0CD1-D14E-DB49-AE70-82BB144BA3A0}"/>
+                <a16:creationId xmlns:a16="http://schemas.microsoft.com/office/drawing/2014/main" id="{313C6255-1EDA-0C48-A1D0-16E4D6BCC481}"/>
               </a:ext>
             </a:extLst>
           </p:cNvPr>
@@ -19736,17 +20553,7 @@
           <a:bodyPr/>
           <a:lstStyle/>
           <a:p>
-            <a:r>
-              <a:rPr lang="en-US" dirty="0"/>
-              <a:t>Services &amp; Networking</a:t>
-            </a:r>
-            <a:br>
-              <a:rPr lang="en-US" dirty="0"/>
-            </a:br>
-            <a:r>
-              <a:rPr lang="en-US" dirty="0"/>
-              <a:t>13%	</a:t>
-            </a:r>
+            <a:endParaRPr lang="en-US" dirty="0"/>
           </a:p>
         </p:txBody>
       </p:sp>
@@ -19755,7 +20562,7 @@
           <p:cNvPr id="3" name="Content Placeholder 2">
             <a:extLst>
               <a:ext uri="{FF2B5EF4-FFF2-40B4-BE49-F238E27FC236}">
-                <a16:creationId xmlns:a16="http://schemas.microsoft.com/office/drawing/2014/main" id="{7B4B0A07-7604-EF4E-978D-40027A63464B}"/>
+                <a16:creationId xmlns:a16="http://schemas.microsoft.com/office/drawing/2014/main" id="{8900C341-6FE1-DB44-AA3D-FC4E9C9C272E}"/>
               </a:ext>
             </a:extLst>
           </p:cNvPr>
@@ -19768,83 +20575,11 @@
         </p:nvSpPr>
         <p:spPr/>
         <p:txBody>
-          <a:bodyPr/>
+          <a:bodyPr>
+            <a:normAutofit/>
+          </a:bodyPr>
           <a:lstStyle/>
           <a:p>
-            <a:r>
-              <a:rPr lang="en-US" dirty="0"/>
-              <a:t>Exam</a:t>
-            </a:r>
-          </a:p>
-          <a:p>
-            <a:pPr lvl="1"/>
-            <a:r>
-              <a:rPr lang="en-US" dirty="0"/>
-              <a:t>Understand Services</a:t>
-            </a:r>
-          </a:p>
-          <a:p>
-            <a:pPr lvl="1"/>
-            <a:r>
-              <a:rPr lang="en-US" dirty="0"/>
-              <a:t>Demonstrate basic understanding of </a:t>
-            </a:r>
-            <a:r>
-              <a:rPr lang="en-US" dirty="0" err="1"/>
-              <a:t>NetworkPolicies</a:t>
-            </a:r>
-            <a:endParaRPr lang="en-US" dirty="0"/>
-          </a:p>
-          <a:p>
-            <a:r>
-              <a:rPr lang="en-US" dirty="0"/>
-              <a:t>Learning</a:t>
-            </a:r>
-          </a:p>
-          <a:p>
-            <a:pPr lvl="1"/>
-            <a:r>
-              <a:rPr lang="en-US" dirty="0"/>
-              <a:t>Services</a:t>
-            </a:r>
-          </a:p>
-          <a:p>
-            <a:pPr lvl="1"/>
-            <a:r>
-              <a:rPr lang="en-US" dirty="0"/>
-              <a:t>Network policies</a:t>
-            </a:r>
-          </a:p>
-          <a:p>
-            <a:pPr lvl="1"/>
-            <a:r>
-              <a:rPr lang="en-US" b="1" dirty="0" err="1">
-                <a:solidFill>
-                  <a:srgbClr val="FF0000"/>
-                </a:solidFill>
-              </a:rPr>
-              <a:t>kubectl</a:t>
-            </a:r>
-            <a:r>
-              <a:rPr lang="en-US" b="1" dirty="0">
-                <a:solidFill>
-                  <a:srgbClr val="FF0000"/>
-                </a:solidFill>
-              </a:rPr>
-              <a:t> commands </a:t>
-            </a:r>
-            <a:r>
-              <a:rPr lang="en-US" b="1" dirty="0" err="1">
-                <a:solidFill>
-                  <a:srgbClr val="FF0000"/>
-                </a:solidFill>
-              </a:rPr>
-              <a:t>cheatsheet</a:t>
-            </a:r>
-            <a:endParaRPr lang="en-US" dirty="0"/>
-          </a:p>
-          <a:p>
-            <a:pPr lvl="1"/>
             <a:endParaRPr lang="en-US" dirty="0"/>
           </a:p>
         </p:txBody>
@@ -19854,7 +20589,7 @@
           <p:cNvPr id="4" name="Footer Placeholder 3">
             <a:extLst>
               <a:ext uri="{FF2B5EF4-FFF2-40B4-BE49-F238E27FC236}">
-                <a16:creationId xmlns:a16="http://schemas.microsoft.com/office/drawing/2014/main" id="{4BF62DB2-6535-B44F-83BE-6C99ACBA358F}"/>
+                <a16:creationId xmlns:a16="http://schemas.microsoft.com/office/drawing/2014/main" id="{8F84D377-E9F3-6D48-8A57-E5D2BA6D205A}"/>
               </a:ext>
             </a:extLst>
           </p:cNvPr>
@@ -19883,7 +20618,7 @@
           <p:cNvPr id="5" name="Slide Number Placeholder 4">
             <a:extLst>
               <a:ext uri="{FF2B5EF4-FFF2-40B4-BE49-F238E27FC236}">
-                <a16:creationId xmlns:a16="http://schemas.microsoft.com/office/drawing/2014/main" id="{BEC3F96A-A011-4444-88C5-3021D76C0089}"/>
+                <a16:creationId xmlns:a16="http://schemas.microsoft.com/office/drawing/2014/main" id="{1348E730-9588-AD4F-ADA0-448BFB83EF56}"/>
               </a:ext>
             </a:extLst>
           </p:cNvPr>
@@ -19908,10 +20643,85 @@
           </a:p>
         </p:txBody>
       </p:sp>
+      <p:sp>
+        <p:nvSpPr>
+          <p:cNvPr id="6" name="TextBox 5">
+            <a:extLst>
+              <a:ext uri="{FF2B5EF4-FFF2-40B4-BE49-F238E27FC236}">
+                <a16:creationId xmlns:a16="http://schemas.microsoft.com/office/drawing/2014/main" id="{533ACB82-5916-4649-9C21-A65CEEB74099}"/>
+              </a:ext>
+            </a:extLst>
+          </p:cNvPr>
+          <p:cNvSpPr txBox="1"/>
+          <p:nvPr/>
+        </p:nvSpPr>
+        <p:spPr>
+          <a:xfrm>
+            <a:off x="804672" y="1708299"/>
+            <a:ext cx="3498978" cy="400110"/>
+          </a:xfrm>
+          <a:prstGeom prst="rect">
+            <a:avLst/>
+          </a:prstGeom>
+          <a:noFill/>
+        </p:spPr>
+        <p:txBody>
+          <a:bodyPr wrap="square" rtlCol="0">
+            <a:spAutoFit/>
+          </a:bodyPr>
+          <a:lstStyle/>
+          <a:p>
+            <a:r>
+              <a:rPr lang="en-US" sz="2000" b="1" dirty="0">
+                <a:solidFill>
+                  <a:schemeClr val="bg1"/>
+                </a:solidFill>
+              </a:rPr>
+              <a:t>Observability - 18%</a:t>
+            </a:r>
+          </a:p>
+        </p:txBody>
+      </p:sp>
+      <p:pic>
+        <p:nvPicPr>
+          <p:cNvPr id="7" name="Picture 6">
+            <a:extLst>
+              <a:ext uri="{FF2B5EF4-FFF2-40B4-BE49-F238E27FC236}">
+                <a16:creationId xmlns:a16="http://schemas.microsoft.com/office/drawing/2014/main" id="{055B8DA1-EA11-694D-84D0-8FEB3DABE8A5}"/>
+              </a:ext>
+            </a:extLst>
+          </p:cNvPr>
+          <p:cNvPicPr>
+            <a:picLocks noChangeAspect="1"/>
+          </p:cNvPicPr>
+          <p:nvPr/>
+        </p:nvPicPr>
+        <p:blipFill>
+          <a:blip r:embed="rId2">
+            <a:extLst>
+              <a:ext uri="{837473B0-CC2E-450A-ABE3-18F120FF3D39}">
+                <a1611:picAttrSrcUrl xmlns:a1611="http://schemas.microsoft.com/office/drawing/2016/11/main" r:id="rId3"/>
+              </a:ext>
+            </a:extLst>
+          </a:blip>
+          <a:stretch>
+            <a:fillRect/>
+          </a:stretch>
+        </p:blipFill>
+        <p:spPr>
+          <a:xfrm>
+            <a:off x="791680" y="2745"/>
+            <a:ext cx="3693823" cy="1877342"/>
+          </a:xfrm>
+          <a:prstGeom prst="rect">
+            <a:avLst/>
+          </a:prstGeom>
+        </p:spPr>
+      </p:pic>
     </p:spTree>
     <p:extLst>
       <p:ext uri="{BB962C8B-B14F-4D97-AF65-F5344CB8AC3E}">
-        <p14:creationId xmlns:p14="http://schemas.microsoft.com/office/powerpoint/2010/main" val="1864204757"/>
+        <p14:creationId xmlns:p14="http://schemas.microsoft.com/office/powerpoint/2010/main" val="1275593666"/>
       </p:ext>
     </p:extLst>
   </p:cSld>
@@ -19959,34 +20769,10 @@
           <a:bodyPr/>
           <a:lstStyle/>
           <a:p>
-            <a:endParaRPr lang="en-US" dirty="0"/>
-          </a:p>
-        </p:txBody>
-      </p:sp>
-      <p:sp>
-        <p:nvSpPr>
-          <p:cNvPr id="3" name="Content Placeholder 2">
-            <a:extLst>
-              <a:ext uri="{FF2B5EF4-FFF2-40B4-BE49-F238E27FC236}">
-                <a16:creationId xmlns:a16="http://schemas.microsoft.com/office/drawing/2014/main" id="{8900C341-6FE1-DB44-AA3D-FC4E9C9C272E}"/>
-              </a:ext>
-            </a:extLst>
-          </p:cNvPr>
-          <p:cNvSpPr>
-            <a:spLocks noGrp="1"/>
-          </p:cNvSpPr>
-          <p:nvPr>
-            <p:ph idx="1"/>
-          </p:nvPr>
-        </p:nvSpPr>
-        <p:spPr/>
-        <p:txBody>
-          <a:bodyPr>
-            <a:normAutofit/>
-          </a:bodyPr>
-          <a:lstStyle/>
-          <a:p>
-            <a:endParaRPr lang="en-US" dirty="0"/>
+            <a:r>
+              <a:rPr lang="en-US" dirty="0"/>
+              <a:t>Good Reading</a:t>
+            </a:r>
           </a:p>
         </p:txBody>
       </p:sp>
@@ -20064,7 +20850,7 @@
         <p:spPr>
           <a:xfrm>
             <a:off x="804672" y="1708299"/>
-            <a:ext cx="3724466" cy="400110"/>
+            <a:ext cx="3498978" cy="400110"/>
           </a:xfrm>
           <a:prstGeom prst="rect">
             <a:avLst/>
@@ -20083,15 +20869,272 @@
                   <a:schemeClr val="bg1"/>
                 </a:solidFill>
               </a:rPr>
-              <a:t>Services &amp; Networking 13%</a:t>
+              <a:t>Observability - 18%</a:t>
             </a:r>
           </a:p>
         </p:txBody>
       </p:sp>
+      <p:sp>
+        <p:nvSpPr>
+          <p:cNvPr id="11" name="Content Placeholder 10">
+            <a:extLst>
+              <a:ext uri="{FF2B5EF4-FFF2-40B4-BE49-F238E27FC236}">
+                <a16:creationId xmlns:a16="http://schemas.microsoft.com/office/drawing/2014/main" id="{A15B9778-6171-2647-B8AF-4E93A8CB31B5}"/>
+              </a:ext>
+            </a:extLst>
+          </p:cNvPr>
+          <p:cNvSpPr>
+            <a:spLocks noGrp="1"/>
+          </p:cNvSpPr>
+          <p:nvPr>
+            <p:ph idx="1"/>
+          </p:nvPr>
+        </p:nvSpPr>
+        <p:spPr>
+          <a:xfrm>
+            <a:off x="4782065" y="494270"/>
+            <a:ext cx="7216346" cy="5844746"/>
+          </a:xfrm>
+        </p:spPr>
+        <p:txBody>
+          <a:bodyPr>
+            <a:normAutofit fontScale="62500" lnSpcReduction="20000"/>
+          </a:bodyPr>
+          <a:lstStyle/>
+          <a:p>
+            <a:r>
+              <a:rPr lang="en-US" dirty="0"/>
+              <a:t>Understand Liveness Probes and Readiness Probes</a:t>
+            </a:r>
+          </a:p>
+          <a:p>
+            <a:r>
+              <a:rPr lang="en-US" dirty="0">
+                <a:hlinkClick r:id="rId2"/>
+              </a:rPr>
+              <a:t>https://kubernetes.io/docs/tasks/configure-pod-container/configure-liveness-readiness-startup-probes/</a:t>
+            </a:r>
+            <a:r>
+              <a:rPr lang="en-US" dirty="0"/>
+              <a:t> </a:t>
+            </a:r>
+          </a:p>
+          <a:p>
+            <a:r>
+              <a:rPr lang="en-US" dirty="0">
+                <a:hlinkClick r:id="rId3"/>
+              </a:rPr>
+              <a:t>https://kubernetes.io/docs/workloads/pod-lifecycle/#when-should-you-use-a-liveness-probe</a:t>
+            </a:r>
+            <a:r>
+              <a:rPr lang="en-US" dirty="0"/>
+              <a:t> </a:t>
+            </a:r>
+          </a:p>
+          <a:p>
+            <a:r>
+              <a:rPr lang="en-US" dirty="0">
+                <a:hlinkClick r:id="rId4"/>
+              </a:rPr>
+              <a:t>https://cloud.google.com/gcp/kubernetes-best-practices-setting-up-health-checks-with-readiness-and-liveness-probes</a:t>
+            </a:r>
+            <a:r>
+              <a:rPr lang="en-US" dirty="0"/>
+              <a:t> </a:t>
+            </a:r>
+          </a:p>
+          <a:p>
+            <a:r>
+              <a:rPr lang="en-US" dirty="0">
+                <a:hlinkClick r:id="rId5"/>
+              </a:rPr>
+              <a:t>https://cloud.google.com/kubernetes-engine/docs/concepts/configmap</a:t>
+            </a:r>
+            <a:r>
+              <a:rPr lang="en-US" dirty="0"/>
+              <a:t> </a:t>
+            </a:r>
+          </a:p>
+          <a:p>
+            <a:r>
+              <a:rPr lang="en-US" dirty="0"/>
+              <a:t>Understand container logging</a:t>
+            </a:r>
+          </a:p>
+          <a:p>
+            <a:r>
+              <a:rPr lang="en-US" dirty="0">
+                <a:hlinkClick r:id="rId6"/>
+              </a:rPr>
+              <a:t>https://kubernetes.io/docs/concepts/cluster-administration/logging/</a:t>
+            </a:r>
+            <a:r>
+              <a:rPr lang="en-US" dirty="0"/>
+              <a:t> </a:t>
+            </a:r>
+          </a:p>
+          <a:p>
+            <a:r>
+              <a:rPr lang="en-US" dirty="0">
+                <a:hlinkClick r:id="rId7"/>
+              </a:rPr>
+              <a:t>https://kubectl.docs.kubernetes.io/container-debugging/container-logs</a:t>
+            </a:r>
+            <a:r>
+              <a:rPr lang="en-US" dirty="0"/>
+              <a:t> </a:t>
+            </a:r>
+          </a:p>
+          <a:p>
+            <a:r>
+              <a:rPr lang="en-US" dirty="0">
+                <a:hlinkClick r:id="rId8"/>
+              </a:rPr>
+              <a:t>https://kubernetes.io/docs/generated/kubectl-kubectl-commands#logs</a:t>
+            </a:r>
+            <a:r>
+              <a:rPr lang="en-US" dirty="0"/>
+              <a:t> </a:t>
+            </a:r>
+          </a:p>
+          <a:p>
+            <a:r>
+              <a:rPr lang="en-US" dirty="0"/>
+              <a:t>Understand how to monitor applications in Kubernetes</a:t>
+            </a:r>
+          </a:p>
+          <a:p>
+            <a:r>
+              <a:rPr lang="en-US" dirty="0">
+                <a:hlinkClick r:id="rId9"/>
+              </a:rPr>
+              <a:t>https://kubernetes.io/docs/tasks/debug-application-cluster/resource-usage-monitoring/</a:t>
+            </a:r>
+            <a:r>
+              <a:rPr lang="en-US" dirty="0"/>
+              <a:t> </a:t>
+            </a:r>
+          </a:p>
+          <a:p>
+            <a:r>
+              <a:rPr lang="en-US" dirty="0">
+                <a:hlinkClick r:id="rId10"/>
+              </a:rPr>
+              <a:t>https://logz.io/blog/kubernetes-monitoring/</a:t>
+            </a:r>
+            <a:r>
+              <a:rPr lang="en-US" dirty="0"/>
+              <a:t> </a:t>
+            </a:r>
+          </a:p>
+          <a:p>
+            <a:r>
+              <a:rPr lang="en-US" dirty="0">
+                <a:hlinkClick r:id="rId11"/>
+              </a:rPr>
+              <a:t>https://newrelic.com/engineering/monitoring-application-performance-in-kubernetes/</a:t>
+            </a:r>
+            <a:r>
+              <a:rPr lang="en-US" dirty="0"/>
+              <a:t> </a:t>
+            </a:r>
+          </a:p>
+          <a:p>
+            <a:r>
+              <a:rPr lang="en-US" dirty="0"/>
+              <a:t>Understand debugging in Kubernetes</a:t>
+            </a:r>
+          </a:p>
+          <a:p>
+            <a:r>
+              <a:rPr lang="en-US" dirty="0"/>
+              <a:t>Debug Services: </a:t>
+            </a:r>
+            <a:r>
+              <a:rPr lang="en-US" dirty="0">
+                <a:hlinkClick r:id="rId12"/>
+              </a:rPr>
+              <a:t>https://kubernetes.io/docs/debug-application-cluster/debug-service/</a:t>
+            </a:r>
+            <a:r>
+              <a:rPr lang="en-US" dirty="0"/>
+              <a:t> </a:t>
+            </a:r>
+          </a:p>
+          <a:p>
+            <a:r>
+              <a:rPr lang="en-US" dirty="0"/>
+              <a:t>Debug Pods &amp; Replication Controllers: </a:t>
+            </a:r>
+            <a:r>
+              <a:rPr lang="en-US" dirty="0">
+                <a:hlinkClick r:id="rId13"/>
+              </a:rPr>
+              <a:t>https://kubernetes.io/docs/tasks/debug-application-cluster/debug-pod-replication-controller/</a:t>
+            </a:r>
+            <a:r>
+              <a:rPr lang="en-US" dirty="0"/>
+              <a:t> </a:t>
+            </a:r>
+          </a:p>
+          <a:p>
+            <a:r>
+              <a:rPr lang="en-US" dirty="0"/>
+              <a:t>Debug Running Pods: </a:t>
+            </a:r>
+            <a:r>
+              <a:rPr lang="en-US" dirty="0">
+                <a:hlinkClick r:id="rId14"/>
+              </a:rPr>
+              <a:t>https://kubernetes.io/docs/tasks/debug-application-cluster/debug-running-pod/</a:t>
+            </a:r>
+            <a:r>
+              <a:rPr lang="en-US" dirty="0"/>
+              <a:t> </a:t>
+            </a:r>
+          </a:p>
+        </p:txBody>
+      </p:sp>
+      <p:pic>
+        <p:nvPicPr>
+          <p:cNvPr id="18" name="Picture 17">
+            <a:extLst>
+              <a:ext uri="{FF2B5EF4-FFF2-40B4-BE49-F238E27FC236}">
+                <a16:creationId xmlns:a16="http://schemas.microsoft.com/office/drawing/2014/main" id="{D608B2C0-1835-124D-BEA9-D8224E4EFDF9}"/>
+              </a:ext>
+            </a:extLst>
+          </p:cNvPr>
+          <p:cNvPicPr>
+            <a:picLocks noChangeAspect="1"/>
+          </p:cNvPicPr>
+          <p:nvPr/>
+        </p:nvPicPr>
+        <p:blipFill>
+          <a:blip r:embed="rId15">
+            <a:extLst>
+              <a:ext uri="{837473B0-CC2E-450A-ABE3-18F120FF3D39}">
+                <a1611:picAttrSrcUrl xmlns:a1611="http://schemas.microsoft.com/office/drawing/2016/11/main" r:id="rId16"/>
+              </a:ext>
+            </a:extLst>
+          </a:blip>
+          <a:stretch>
+            <a:fillRect/>
+          </a:stretch>
+        </p:blipFill>
+        <p:spPr>
+          <a:xfrm>
+            <a:off x="1952369" y="2310964"/>
+            <a:ext cx="1285103" cy="1124465"/>
+          </a:xfrm>
+          <a:prstGeom prst="rect">
+            <a:avLst/>
+          </a:prstGeom>
+        </p:spPr>
+      </p:pic>
     </p:spTree>
     <p:extLst>
       <p:ext uri="{BB962C8B-B14F-4D97-AF65-F5344CB8AC3E}">
-        <p14:creationId xmlns:p14="http://schemas.microsoft.com/office/powerpoint/2010/main" val="2646743747"/>
+        <p14:creationId xmlns:p14="http://schemas.microsoft.com/office/powerpoint/2010/main" val="193434961"/>
       </p:ext>
     </p:extLst>
   </p:cSld>
@@ -20123,7 +21166,7 @@
           <p:cNvPr id="2" name="Title 1">
             <a:extLst>
               <a:ext uri="{FF2B5EF4-FFF2-40B4-BE49-F238E27FC236}">
-                <a16:creationId xmlns:a16="http://schemas.microsoft.com/office/drawing/2014/main" id="{4E273531-8B77-C046-B39F-5BA405757CB1}"/>
+                <a16:creationId xmlns:a16="http://schemas.microsoft.com/office/drawing/2014/main" id="{188C1754-4D5F-CB41-BCD3-D5359F33419B}"/>
               </a:ext>
             </a:extLst>
           </p:cNvPr>
@@ -20141,14 +21184,14 @@
           <a:p>
             <a:r>
               <a:rPr lang="en-US" dirty="0"/>
-              <a:t>State Persistence</a:t>
+              <a:t>Pod Design</a:t>
             </a:r>
             <a:br>
               <a:rPr lang="en-US" dirty="0"/>
             </a:br>
             <a:r>
               <a:rPr lang="en-US" dirty="0"/>
-              <a:t>8%</a:t>
+              <a:t>20%</a:t>
             </a:r>
           </a:p>
         </p:txBody>
@@ -20158,7 +21201,7 @@
           <p:cNvPr id="3" name="Content Placeholder 2">
             <a:extLst>
               <a:ext uri="{FF2B5EF4-FFF2-40B4-BE49-F238E27FC236}">
-                <a16:creationId xmlns:a16="http://schemas.microsoft.com/office/drawing/2014/main" id="{A0328D6C-2F2D-B14D-8CF9-C30070A10ABC}"/>
+                <a16:creationId xmlns:a16="http://schemas.microsoft.com/office/drawing/2014/main" id="{CC2FDDDC-4949-1448-A68E-531D3778AF3A}"/>
               </a:ext>
             </a:extLst>
           </p:cNvPr>
@@ -20183,15 +21226,33 @@
             <a:pPr lvl="1"/>
             <a:r>
               <a:rPr lang="en-US" dirty="0"/>
-              <a:t>Understand </a:t>
+              <a:t>Understand Deployments and how to perform rolling updates</a:t>
+            </a:r>
+          </a:p>
+          <a:p>
+            <a:pPr lvl="1"/>
+            <a:r>
+              <a:rPr lang="en-US" dirty="0"/>
+              <a:t>Understand Deployments and how to perform rollbacks</a:t>
+            </a:r>
+          </a:p>
+          <a:p>
+            <a:pPr lvl="1"/>
+            <a:r>
+              <a:rPr lang="en-US" dirty="0"/>
+              <a:t>Understand Jobs and </a:t>
             </a:r>
             <a:r>
               <a:rPr lang="en-US" dirty="0" err="1"/>
-              <a:t>PersistentVolumeClaims</a:t>
-            </a:r>
+              <a:t>CronJobs</a:t>
+            </a:r>
+            <a:endParaRPr lang="en-US" dirty="0"/>
+          </a:p>
+          <a:p>
+            <a:pPr lvl="1"/>
             <a:r>
               <a:rPr lang="en-US" dirty="0"/>
-              <a:t> for storage</a:t>
+              <a:t>Understand how to use Labels, Selectors, and Annotations</a:t>
             </a:r>
           </a:p>
           <a:p>
@@ -20204,14 +21265,43 @@
             <a:pPr lvl="1"/>
             <a:r>
               <a:rPr lang="en-US" dirty="0"/>
-              <a:t>Volumes</a:t>
+              <a:t>Labels, selectors, and annotations</a:t>
             </a:r>
           </a:p>
           <a:p>
             <a:pPr lvl="1"/>
             <a:r>
               <a:rPr lang="en-US" dirty="0"/>
-              <a:t>Persistent volumes</a:t>
+              <a:t>Deployments</a:t>
+            </a:r>
+          </a:p>
+          <a:p>
+            <a:pPr lvl="1"/>
+            <a:r>
+              <a:rPr lang="en-US" dirty="0"/>
+              <a:t>Rolling updates</a:t>
+            </a:r>
+          </a:p>
+          <a:p>
+            <a:pPr lvl="1"/>
+            <a:r>
+              <a:rPr lang="en-US" dirty="0"/>
+              <a:t>Rollback updates</a:t>
+            </a:r>
+          </a:p>
+          <a:p>
+            <a:pPr lvl="1"/>
+            <a:r>
+              <a:rPr lang="en-US" dirty="0"/>
+              <a:t>Scheduling ‘</a:t>
+            </a:r>
+            <a:r>
+              <a:rPr lang="en-US" dirty="0" err="1"/>
+              <a:t>cron</a:t>
+            </a:r>
+            <a:r>
+              <a:rPr lang="en-US" dirty="0"/>
+              <a:t>’ jobs</a:t>
             </a:r>
           </a:p>
           <a:p>
@@ -20240,11 +21330,11 @@
               </a:rPr>
               <a:t>cheatsheet</a:t>
             </a:r>
-            <a:endParaRPr lang="en-US" b="1" dirty="0">
-              <a:solidFill>
-                <a:srgbClr val="FF0000"/>
-              </a:solidFill>
-            </a:endParaRPr>
+            <a:endParaRPr lang="en-US" dirty="0"/>
+          </a:p>
+          <a:p>
+            <a:pPr lvl="1"/>
+            <a:endParaRPr lang="en-US" dirty="0"/>
           </a:p>
         </p:txBody>
       </p:sp>
@@ -20253,7 +21343,7 @@
           <p:cNvPr id="4" name="Footer Placeholder 3">
             <a:extLst>
               <a:ext uri="{FF2B5EF4-FFF2-40B4-BE49-F238E27FC236}">
-                <a16:creationId xmlns:a16="http://schemas.microsoft.com/office/drawing/2014/main" id="{7BB45E87-9CA7-114F-A183-75BE44AEB62D}"/>
+                <a16:creationId xmlns:a16="http://schemas.microsoft.com/office/drawing/2014/main" id="{8360A39E-9EE9-8347-8965-F7535B02AC0C}"/>
               </a:ext>
             </a:extLst>
           </p:cNvPr>
@@ -20270,9 +21360,10 @@
           <a:lstStyle/>
           <a:p>
             <a:r>
-              <a:rPr lang="en-US" dirty="0"/>
+              <a:rPr lang="en-US"/>
               <a:t>© Krishna Manchikalapudi</a:t>
             </a:r>
+            <a:endParaRPr lang="en-US" dirty="0"/>
           </a:p>
         </p:txBody>
       </p:sp>
@@ -20281,7 +21372,7 @@
           <p:cNvPr id="5" name="Slide Number Placeholder 4">
             <a:extLst>
               <a:ext uri="{FF2B5EF4-FFF2-40B4-BE49-F238E27FC236}">
-                <a16:creationId xmlns:a16="http://schemas.microsoft.com/office/drawing/2014/main" id="{F1E640DA-1692-064D-A2DA-FEA14AE17DE7}"/>
+                <a16:creationId xmlns:a16="http://schemas.microsoft.com/office/drawing/2014/main" id="{D5A13BCD-BFC0-A440-B400-E693B15D39D3}"/>
               </a:ext>
             </a:extLst>
           </p:cNvPr>
@@ -20306,10 +21397,46 @@
           </a:p>
         </p:txBody>
       </p:sp>
+      <p:pic>
+        <p:nvPicPr>
+          <p:cNvPr id="6" name="Picture 5">
+            <a:extLst>
+              <a:ext uri="{FF2B5EF4-FFF2-40B4-BE49-F238E27FC236}">
+                <a16:creationId xmlns:a16="http://schemas.microsoft.com/office/drawing/2014/main" id="{B9206A99-409A-674A-A3ED-A8FF499E0F94}"/>
+              </a:ext>
+            </a:extLst>
+          </p:cNvPr>
+          <p:cNvPicPr>
+            <a:picLocks noChangeAspect="1"/>
+          </p:cNvPicPr>
+          <p:nvPr/>
+        </p:nvPicPr>
+        <p:blipFill>
+          <a:blip r:embed="rId2">
+            <a:extLst>
+              <a:ext uri="{837473B0-CC2E-450A-ABE3-18F120FF3D39}">
+                <a1611:picAttrSrcUrl xmlns:a1611="http://schemas.microsoft.com/office/drawing/2016/11/main" r:id="rId3"/>
+              </a:ext>
+            </a:extLst>
+          </a:blip>
+          <a:stretch>
+            <a:fillRect/>
+          </a:stretch>
+        </p:blipFill>
+        <p:spPr>
+          <a:xfrm>
+            <a:off x="1790979" y="153831"/>
+            <a:ext cx="1658036" cy="2057618"/>
+          </a:xfrm>
+          <a:prstGeom prst="rect">
+            <a:avLst/>
+          </a:prstGeom>
+        </p:spPr>
+      </p:pic>
     </p:spTree>
     <p:extLst>
       <p:ext uri="{BB962C8B-B14F-4D97-AF65-F5344CB8AC3E}">
-        <p14:creationId xmlns:p14="http://schemas.microsoft.com/office/powerpoint/2010/main" val="409205862"/>
+        <p14:creationId xmlns:p14="http://schemas.microsoft.com/office/powerpoint/2010/main" val="3550007906"/>
       </p:ext>
     </p:extLst>
   </p:cSld>
@@ -20481,15 +21608,51 @@
                   <a:schemeClr val="bg1"/>
                 </a:solidFill>
               </a:rPr>
-              <a:t>State Persistence 8%</a:t>
+              <a:t>Pod Design - 20%</a:t>
             </a:r>
           </a:p>
         </p:txBody>
       </p:sp>
+      <p:pic>
+        <p:nvPicPr>
+          <p:cNvPr id="7" name="Picture 6">
+            <a:extLst>
+              <a:ext uri="{FF2B5EF4-FFF2-40B4-BE49-F238E27FC236}">
+                <a16:creationId xmlns:a16="http://schemas.microsoft.com/office/drawing/2014/main" id="{EA171622-D4BA-C441-9E2F-E593B8E52AEF}"/>
+              </a:ext>
+            </a:extLst>
+          </p:cNvPr>
+          <p:cNvPicPr>
+            <a:picLocks noChangeAspect="1"/>
+          </p:cNvPicPr>
+          <p:nvPr/>
+        </p:nvPicPr>
+        <p:blipFill>
+          <a:blip r:embed="rId2">
+            <a:extLst>
+              <a:ext uri="{837473B0-CC2E-450A-ABE3-18F120FF3D39}">
+                <a1611:picAttrSrcUrl xmlns:a1611="http://schemas.microsoft.com/office/drawing/2016/11/main" r:id="rId3"/>
+              </a:ext>
+            </a:extLst>
+          </a:blip>
+          <a:stretch>
+            <a:fillRect/>
+          </a:stretch>
+        </p:blipFill>
+        <p:spPr>
+          <a:xfrm>
+            <a:off x="791680" y="2745"/>
+            <a:ext cx="3693823" cy="1877342"/>
+          </a:xfrm>
+          <a:prstGeom prst="rect">
+            <a:avLst/>
+          </a:prstGeom>
+        </p:spPr>
+      </p:pic>
     </p:spTree>
     <p:extLst>
       <p:ext uri="{BB962C8B-B14F-4D97-AF65-F5344CB8AC3E}">
-        <p14:creationId xmlns:p14="http://schemas.microsoft.com/office/powerpoint/2010/main" val="2703693213"/>
+        <p14:creationId xmlns:p14="http://schemas.microsoft.com/office/powerpoint/2010/main" val="2969777907"/>
       </p:ext>
     </p:extLst>
   </p:cSld>
@@ -20521,7 +21684,7 @@
           <p:cNvPr id="2" name="Title 1">
             <a:extLst>
               <a:ext uri="{FF2B5EF4-FFF2-40B4-BE49-F238E27FC236}">
-                <a16:creationId xmlns:a16="http://schemas.microsoft.com/office/drawing/2014/main" id="{D9063549-F103-624D-9FBD-D8B2D69698F9}"/>
+                <a16:creationId xmlns:a16="http://schemas.microsoft.com/office/drawing/2014/main" id="{313C6255-1EDA-0C48-A1D0-16E4D6BCC481}"/>
               </a:ext>
             </a:extLst>
           </p:cNvPr>
@@ -20539,7 +21702,393 @@
           <a:p>
             <a:r>
               <a:rPr lang="en-US" dirty="0"/>
-              <a:t>Exam Tips</a:t>
+              <a:t>Good Reading</a:t>
+            </a:r>
+          </a:p>
+        </p:txBody>
+      </p:sp>
+      <p:sp>
+        <p:nvSpPr>
+          <p:cNvPr id="4" name="Footer Placeholder 3">
+            <a:extLst>
+              <a:ext uri="{FF2B5EF4-FFF2-40B4-BE49-F238E27FC236}">
+                <a16:creationId xmlns:a16="http://schemas.microsoft.com/office/drawing/2014/main" id="{8F84D377-E9F3-6D48-8A57-E5D2BA6D205A}"/>
+              </a:ext>
+            </a:extLst>
+          </p:cNvPr>
+          <p:cNvSpPr>
+            <a:spLocks noGrp="1"/>
+          </p:cNvSpPr>
+          <p:nvPr>
+            <p:ph type="ftr" sz="quarter" idx="11"/>
+          </p:nvPr>
+        </p:nvSpPr>
+        <p:spPr/>
+        <p:txBody>
+          <a:bodyPr/>
+          <a:lstStyle/>
+          <a:p>
+            <a:r>
+              <a:rPr lang="en-US"/>
+              <a:t>© Krishna Manchikalapudi</a:t>
+            </a:r>
+            <a:endParaRPr lang="en-US" dirty="0"/>
+          </a:p>
+        </p:txBody>
+      </p:sp>
+      <p:sp>
+        <p:nvSpPr>
+          <p:cNvPr id="5" name="Slide Number Placeholder 4">
+            <a:extLst>
+              <a:ext uri="{FF2B5EF4-FFF2-40B4-BE49-F238E27FC236}">
+                <a16:creationId xmlns:a16="http://schemas.microsoft.com/office/drawing/2014/main" id="{1348E730-9588-AD4F-ADA0-448BFB83EF56}"/>
+              </a:ext>
+            </a:extLst>
+          </p:cNvPr>
+          <p:cNvSpPr>
+            <a:spLocks noGrp="1"/>
+          </p:cNvSpPr>
+          <p:nvPr>
+            <p:ph type="sldNum" sz="quarter" idx="12"/>
+          </p:nvPr>
+        </p:nvSpPr>
+        <p:spPr/>
+        <p:txBody>
+          <a:bodyPr/>
+          <a:lstStyle/>
+          <a:p>
+            <a:fld id="{D57F1E4F-1CFF-5643-939E-217C01CDF565}" type="slidenum">
+              <a:rPr lang="en-US" smtClean="0"/>
+              <a:pPr/>
+              <a:t>28</a:t>
+            </a:fld>
+            <a:endParaRPr lang="en-US" dirty="0"/>
+          </a:p>
+        </p:txBody>
+      </p:sp>
+      <p:sp>
+        <p:nvSpPr>
+          <p:cNvPr id="6" name="TextBox 5">
+            <a:extLst>
+              <a:ext uri="{FF2B5EF4-FFF2-40B4-BE49-F238E27FC236}">
+                <a16:creationId xmlns:a16="http://schemas.microsoft.com/office/drawing/2014/main" id="{533ACB82-5916-4649-9C21-A65CEEB74099}"/>
+              </a:ext>
+            </a:extLst>
+          </p:cNvPr>
+          <p:cNvSpPr txBox="1"/>
+          <p:nvPr/>
+        </p:nvSpPr>
+        <p:spPr>
+          <a:xfrm>
+            <a:off x="804672" y="1708299"/>
+            <a:ext cx="3498978" cy="400110"/>
+          </a:xfrm>
+          <a:prstGeom prst="rect">
+            <a:avLst/>
+          </a:prstGeom>
+          <a:noFill/>
+        </p:spPr>
+        <p:txBody>
+          <a:bodyPr wrap="square" rtlCol="0">
+            <a:spAutoFit/>
+          </a:bodyPr>
+          <a:lstStyle/>
+          <a:p>
+            <a:r>
+              <a:rPr lang="en-US" sz="2000" b="1" dirty="0">
+                <a:solidFill>
+                  <a:schemeClr val="bg1"/>
+                </a:solidFill>
+              </a:rPr>
+              <a:t>Pod Design - 20%</a:t>
+            </a:r>
+          </a:p>
+        </p:txBody>
+      </p:sp>
+      <p:sp>
+        <p:nvSpPr>
+          <p:cNvPr id="11" name="Content Placeholder 10">
+            <a:extLst>
+              <a:ext uri="{FF2B5EF4-FFF2-40B4-BE49-F238E27FC236}">
+                <a16:creationId xmlns:a16="http://schemas.microsoft.com/office/drawing/2014/main" id="{A15B9778-6171-2647-B8AF-4E93A8CB31B5}"/>
+              </a:ext>
+            </a:extLst>
+          </p:cNvPr>
+          <p:cNvSpPr>
+            <a:spLocks noGrp="1"/>
+          </p:cNvSpPr>
+          <p:nvPr>
+            <p:ph idx="1"/>
+          </p:nvPr>
+        </p:nvSpPr>
+        <p:spPr>
+          <a:xfrm>
+            <a:off x="5118447" y="640080"/>
+            <a:ext cx="6719326" cy="5586984"/>
+          </a:xfrm>
+        </p:spPr>
+        <p:txBody>
+          <a:bodyPr>
+            <a:normAutofit fontScale="77500" lnSpcReduction="20000"/>
+          </a:bodyPr>
+          <a:lstStyle/>
+          <a:p>
+            <a:r>
+              <a:rPr lang="en-US" dirty="0"/>
+              <a:t>Understand how to use Labels, Selectors, and Annotations</a:t>
+            </a:r>
+          </a:p>
+          <a:p>
+            <a:r>
+              <a:rPr lang="en-US" dirty="0"/>
+              <a:t>Labels &amp; Selectors: </a:t>
+            </a:r>
+            <a:r>
+              <a:rPr lang="en-US" dirty="0">
+                <a:hlinkClick r:id="rId2"/>
+              </a:rPr>
+              <a:t>https://kubernetes.io/docs/overview/working-with-objects/labels/</a:t>
+            </a:r>
+            <a:r>
+              <a:rPr lang="en-US" dirty="0"/>
+              <a:t> </a:t>
+            </a:r>
+          </a:p>
+          <a:p>
+            <a:r>
+              <a:rPr lang="en-US" dirty="0"/>
+              <a:t>Annotations: </a:t>
+            </a:r>
+            <a:r>
+              <a:rPr lang="en-US" dirty="0">
+                <a:hlinkClick r:id="rId3"/>
+              </a:rPr>
+              <a:t>https://kubernetes.io/docs/overview/working-with-objects/annotations/</a:t>
+            </a:r>
+            <a:r>
+              <a:rPr lang="en-US" dirty="0"/>
+              <a:t> </a:t>
+            </a:r>
+          </a:p>
+          <a:p>
+            <a:r>
+              <a:rPr lang="en-US" dirty="0">
+                <a:hlinkClick r:id="rId4"/>
+              </a:rPr>
+              <a:t>https://kubectl.docs.kubernetes.io/pages/app-management/labels-and-annotations</a:t>
+            </a:r>
+            <a:r>
+              <a:rPr lang="en-US" dirty="0"/>
+              <a:t> </a:t>
+            </a:r>
+          </a:p>
+          <a:p>
+            <a:r>
+              <a:rPr lang="en-US" dirty="0"/>
+              <a:t>Understand Deployments and how to perform rolling updates</a:t>
+            </a:r>
+          </a:p>
+          <a:p>
+            <a:r>
+              <a:rPr lang="en-US" dirty="0"/>
+              <a:t>Deployments: </a:t>
+            </a:r>
+            <a:r>
+              <a:rPr lang="en-US" dirty="0">
+                <a:hlinkClick r:id="rId5"/>
+              </a:rPr>
+              <a:t>https://kubernetes.io/workloads-controllers-deployment/</a:t>
+            </a:r>
+            <a:r>
+              <a:rPr lang="en-US" dirty="0"/>
+              <a:t> </a:t>
+            </a:r>
+          </a:p>
+          <a:p>
+            <a:r>
+              <a:rPr lang="en-US" dirty="0"/>
+              <a:t>Rolling Updates: </a:t>
+            </a:r>
+            <a:r>
+              <a:rPr lang="en-US" dirty="0">
+                <a:hlinkClick r:id="rId6"/>
+              </a:rPr>
+              <a:t>https://kubernetes.io/docs/tutorials/kubernetes-basics/update/update-intro/</a:t>
+            </a:r>
+            <a:r>
+              <a:rPr lang="en-US" dirty="0"/>
+              <a:t> </a:t>
+            </a:r>
+          </a:p>
+          <a:p>
+            <a:r>
+              <a:rPr lang="en-US" dirty="0"/>
+              <a:t>Understand Deployments and how to perform rolling rollbacks </a:t>
+            </a:r>
+            <a:r>
+              <a:rPr lang="en-US" dirty="0">
+                <a:hlinkClick r:id="rId7"/>
+              </a:rPr>
+              <a:t>https://kubernetes.io/docs/workloads-deployment/#rolling-back-a-deployment</a:t>
+            </a:r>
+            <a:r>
+              <a:rPr lang="en-US" dirty="0"/>
+              <a:t> </a:t>
+            </a:r>
+          </a:p>
+          <a:p>
+            <a:r>
+              <a:rPr lang="en-US" dirty="0"/>
+              <a:t>Understand Jobs and Cron Jobs</a:t>
+            </a:r>
+          </a:p>
+          <a:p>
+            <a:r>
+              <a:rPr lang="en-US" dirty="0"/>
+              <a:t>Jobs: </a:t>
+            </a:r>
+            <a:r>
+              <a:rPr lang="en-US" dirty="0">
+                <a:hlinkClick r:id="rId8"/>
+              </a:rPr>
+              <a:t>https://kubernetes.io/docs/workloads/jobs-run-to-completion/</a:t>
+            </a:r>
+            <a:r>
+              <a:rPr lang="en-US" dirty="0"/>
+              <a:t> </a:t>
+            </a:r>
+          </a:p>
+          <a:p>
+            <a:r>
+              <a:rPr lang="en-US" dirty="0"/>
+              <a:t>Cron Jobs: </a:t>
+            </a:r>
+            <a:r>
+              <a:rPr lang="en-US" dirty="0">
+                <a:hlinkClick r:id="rId9"/>
+              </a:rPr>
+              <a:t>https://kubernetes.io/docs/workloads-controllers/cron-jobs/</a:t>
+            </a:r>
+            <a:r>
+              <a:rPr lang="en-US" dirty="0"/>
+              <a:t> </a:t>
+            </a:r>
+          </a:p>
+          <a:p>
+            <a:r>
+              <a:rPr lang="en-US" dirty="0"/>
+              <a:t>Cron Jobs: </a:t>
+            </a:r>
+            <a:r>
+              <a:rPr lang="en-US" dirty="0">
+                <a:hlinkClick r:id="rId10"/>
+              </a:rPr>
+              <a:t>https://kubernetes.io/docs/job/automated-tasks-with-cron-jobs/</a:t>
+            </a:r>
+            <a:r>
+              <a:rPr lang="en-US" dirty="0"/>
+              <a:t> </a:t>
+            </a:r>
+          </a:p>
+        </p:txBody>
+      </p:sp>
+      <p:pic>
+        <p:nvPicPr>
+          <p:cNvPr id="18" name="Picture 17">
+            <a:extLst>
+              <a:ext uri="{FF2B5EF4-FFF2-40B4-BE49-F238E27FC236}">
+                <a16:creationId xmlns:a16="http://schemas.microsoft.com/office/drawing/2014/main" id="{D608B2C0-1835-124D-BEA9-D8224E4EFDF9}"/>
+              </a:ext>
+            </a:extLst>
+          </p:cNvPr>
+          <p:cNvPicPr>
+            <a:picLocks noChangeAspect="1"/>
+          </p:cNvPicPr>
+          <p:nvPr/>
+        </p:nvPicPr>
+        <p:blipFill>
+          <a:blip r:embed="rId11">
+            <a:extLst>
+              <a:ext uri="{837473B0-CC2E-450A-ABE3-18F120FF3D39}">
+                <a1611:picAttrSrcUrl xmlns:a1611="http://schemas.microsoft.com/office/drawing/2016/11/main" r:id="rId12"/>
+              </a:ext>
+            </a:extLst>
+          </a:blip>
+          <a:stretch>
+            <a:fillRect/>
+          </a:stretch>
+        </p:blipFill>
+        <p:spPr>
+          <a:xfrm>
+            <a:off x="1952369" y="2310964"/>
+            <a:ext cx="1285103" cy="1124465"/>
+          </a:xfrm>
+          <a:prstGeom prst="rect">
+            <a:avLst/>
+          </a:prstGeom>
+        </p:spPr>
+      </p:pic>
+    </p:spTree>
+    <p:extLst>
+      <p:ext uri="{BB962C8B-B14F-4D97-AF65-F5344CB8AC3E}">
+        <p14:creationId xmlns:p14="http://schemas.microsoft.com/office/powerpoint/2010/main" val="2263172623"/>
+      </p:ext>
+    </p:extLst>
+  </p:cSld>
+  <p:clrMapOvr>
+    <a:masterClrMapping/>
+  </p:clrMapOvr>
+</p:sld>
+</file>
+
+<file path=ppt/slides/slide29.xml><?xml version="1.0" encoding="utf-8"?>
+<p:sld xmlns:a="http://schemas.openxmlformats.org/drawingml/2006/main" xmlns:r="http://schemas.openxmlformats.org/officeDocument/2006/relationships" xmlns:p="http://schemas.openxmlformats.org/presentationml/2006/main">
+  <p:cSld>
+    <p:spTree>
+      <p:nvGrpSpPr>
+        <p:cNvPr id="1" name=""/>
+        <p:cNvGrpSpPr/>
+        <p:nvPr/>
+      </p:nvGrpSpPr>
+      <p:grpSpPr>
+        <a:xfrm>
+          <a:off x="0" y="0"/>
+          <a:ext cx="0" cy="0"/>
+          <a:chOff x="0" y="0"/>
+          <a:chExt cx="0" cy="0"/>
+        </a:xfrm>
+      </p:grpSpPr>
+      <p:sp>
+        <p:nvSpPr>
+          <p:cNvPr id="2" name="Title 1">
+            <a:extLst>
+              <a:ext uri="{FF2B5EF4-FFF2-40B4-BE49-F238E27FC236}">
+                <a16:creationId xmlns:a16="http://schemas.microsoft.com/office/drawing/2014/main" id="{087D0CD1-D14E-DB49-AE70-82BB144BA3A0}"/>
+              </a:ext>
+            </a:extLst>
+          </p:cNvPr>
+          <p:cNvSpPr>
+            <a:spLocks noGrp="1"/>
+          </p:cNvSpPr>
+          <p:nvPr>
+            <p:ph type="title"/>
+          </p:nvPr>
+        </p:nvSpPr>
+        <p:spPr/>
+        <p:txBody>
+          <a:bodyPr/>
+          <a:lstStyle/>
+          <a:p>
+            <a:r>
+              <a:rPr lang="en-US" dirty="0"/>
+              <a:t>Services &amp; Networking</a:t>
+            </a:r>
+            <a:br>
+              <a:rPr lang="en-US" dirty="0"/>
+            </a:br>
+            <a:r>
+              <a:rPr lang="en-US" dirty="0"/>
+              <a:t>13%	</a:t>
             </a:r>
           </a:p>
         </p:txBody>
@@ -20549,7 +22098,7 @@
           <p:cNvPr id="3" name="Content Placeholder 2">
             <a:extLst>
               <a:ext uri="{FF2B5EF4-FFF2-40B4-BE49-F238E27FC236}">
-                <a16:creationId xmlns:a16="http://schemas.microsoft.com/office/drawing/2014/main" id="{9AE5D944-27C6-964B-A23E-3E234D862456}"/>
+                <a16:creationId xmlns:a16="http://schemas.microsoft.com/office/drawing/2014/main" id="{7B4B0A07-7604-EF4E-978D-40027A63464B}"/>
               </a:ext>
             </a:extLst>
           </p:cNvPr>
@@ -20566,9 +22115,79 @@
           <a:lstStyle/>
           <a:p>
             <a:r>
+              <a:rPr lang="en-US" dirty="0"/>
+              <a:t>Exam</a:t>
+            </a:r>
+          </a:p>
+          <a:p>
+            <a:pPr lvl="1"/>
+            <a:r>
+              <a:rPr lang="en-US" dirty="0"/>
+              <a:t>Understand Services</a:t>
+            </a:r>
+          </a:p>
+          <a:p>
+            <a:pPr lvl="1"/>
+            <a:r>
+              <a:rPr lang="en-US" dirty="0"/>
+              <a:t>Demonstrate basic understanding of </a:t>
+            </a:r>
+            <a:r>
               <a:rPr lang="en-US" dirty="0" err="1"/>
+              <a:t>NetworkPolicies</a:t>
+            </a:r>
+            <a:endParaRPr lang="en-US" dirty="0"/>
+          </a:p>
+          <a:p>
+            <a:r>
+              <a:rPr lang="en-US" dirty="0"/>
+              <a:t>Learning</a:t>
+            </a:r>
+          </a:p>
+          <a:p>
+            <a:pPr lvl="1"/>
+            <a:r>
+              <a:rPr lang="en-US" dirty="0"/>
+              <a:t>Services</a:t>
+            </a:r>
+          </a:p>
+          <a:p>
+            <a:pPr lvl="1"/>
+            <a:r>
+              <a:rPr lang="en-US" dirty="0"/>
+              <a:t>Network policies</a:t>
+            </a:r>
+          </a:p>
+          <a:p>
+            <a:pPr lvl="1"/>
+            <a:r>
+              <a:rPr lang="en-US" b="1" dirty="0" err="1">
+                <a:solidFill>
+                  <a:srgbClr val="FF0000"/>
+                </a:solidFill>
+              </a:rPr>
               <a:t>kubectl</a:t>
             </a:r>
+            <a:r>
+              <a:rPr lang="en-US" b="1" dirty="0">
+                <a:solidFill>
+                  <a:srgbClr val="FF0000"/>
+                </a:solidFill>
+              </a:rPr>
+              <a:t> commands </a:t>
+            </a:r>
+            <a:r>
+              <a:rPr lang="en-US" b="1" dirty="0" err="1">
+                <a:solidFill>
+                  <a:srgbClr val="FF0000"/>
+                </a:solidFill>
+              </a:rPr>
+              <a:t>cheatsheet</a:t>
+            </a:r>
+            <a:endParaRPr lang="en-US" dirty="0"/>
+          </a:p>
+          <a:p>
+            <a:pPr lvl="1"/>
             <a:endParaRPr lang="en-US" dirty="0"/>
           </a:p>
         </p:txBody>
@@ -20578,7 +22197,7 @@
           <p:cNvPr id="4" name="Footer Placeholder 3">
             <a:extLst>
               <a:ext uri="{FF2B5EF4-FFF2-40B4-BE49-F238E27FC236}">
-                <a16:creationId xmlns:a16="http://schemas.microsoft.com/office/drawing/2014/main" id="{364A9072-826A-624F-A17E-49CD57C6A0ED}"/>
+                <a16:creationId xmlns:a16="http://schemas.microsoft.com/office/drawing/2014/main" id="{4BF62DB2-6535-B44F-83BE-6C99ACBA358F}"/>
               </a:ext>
             </a:extLst>
           </p:cNvPr>
@@ -20607,7 +22226,7 @@
           <p:cNvPr id="5" name="Slide Number Placeholder 4">
             <a:extLst>
               <a:ext uri="{FF2B5EF4-FFF2-40B4-BE49-F238E27FC236}">
-                <a16:creationId xmlns:a16="http://schemas.microsoft.com/office/drawing/2014/main" id="{4136689D-6F24-6E4E-855B-62FD0611B6BC}"/>
+                <a16:creationId xmlns:a16="http://schemas.microsoft.com/office/drawing/2014/main" id="{BEC3F96A-A011-4444-88C5-3021D76C0089}"/>
               </a:ext>
             </a:extLst>
           </p:cNvPr>
@@ -20626,16 +22245,52 @@
             <a:fld id="{D57F1E4F-1CFF-5643-939E-217C01CDF565}" type="slidenum">
               <a:rPr lang="en-US" smtClean="0"/>
               <a:pPr/>
-              <a:t>28</a:t>
+              <a:t>29</a:t>
             </a:fld>
             <a:endParaRPr lang="en-US" dirty="0"/>
           </a:p>
         </p:txBody>
       </p:sp>
+      <p:pic>
+        <p:nvPicPr>
+          <p:cNvPr id="6" name="Picture 5">
+            <a:extLst>
+              <a:ext uri="{FF2B5EF4-FFF2-40B4-BE49-F238E27FC236}">
+                <a16:creationId xmlns:a16="http://schemas.microsoft.com/office/drawing/2014/main" id="{2F14C393-6BF7-C244-BC68-47B77C9BF43E}"/>
+              </a:ext>
+            </a:extLst>
+          </p:cNvPr>
+          <p:cNvPicPr>
+            <a:picLocks noChangeAspect="1"/>
+          </p:cNvPicPr>
+          <p:nvPr/>
+        </p:nvPicPr>
+        <p:blipFill>
+          <a:blip r:embed="rId2">
+            <a:extLst>
+              <a:ext uri="{837473B0-CC2E-450A-ABE3-18F120FF3D39}">
+                <a1611:picAttrSrcUrl xmlns:a1611="http://schemas.microsoft.com/office/drawing/2016/11/main" r:id="rId3"/>
+              </a:ext>
+            </a:extLst>
+          </a:blip>
+          <a:stretch>
+            <a:fillRect/>
+          </a:stretch>
+        </p:blipFill>
+        <p:spPr>
+          <a:xfrm>
+            <a:off x="1790979" y="153831"/>
+            <a:ext cx="1658036" cy="2057618"/>
+          </a:xfrm>
+          <a:prstGeom prst="rect">
+            <a:avLst/>
+          </a:prstGeom>
+        </p:spPr>
+      </p:pic>
     </p:spTree>
     <p:extLst>
       <p:ext uri="{BB962C8B-B14F-4D97-AF65-F5344CB8AC3E}">
-        <p14:creationId xmlns:p14="http://schemas.microsoft.com/office/powerpoint/2010/main" val="3096419494"/>
+        <p14:creationId xmlns:p14="http://schemas.microsoft.com/office/powerpoint/2010/main" val="1864204757"/>
       </p:ext>
     </p:extLst>
   </p:cSld>
@@ -20821,10 +22476,1645 @@
           </a:p>
         </p:txBody>
       </p:sp>
+      <p:pic>
+        <p:nvPicPr>
+          <p:cNvPr id="7" name="Picture 6">
+            <a:extLst>
+              <a:ext uri="{FF2B5EF4-FFF2-40B4-BE49-F238E27FC236}">
+                <a16:creationId xmlns:a16="http://schemas.microsoft.com/office/drawing/2014/main" id="{F88635FF-7BDD-BC40-BE78-9597CBDFE567}"/>
+              </a:ext>
+            </a:extLst>
+          </p:cNvPr>
+          <p:cNvPicPr>
+            <a:picLocks noChangeAspect="1"/>
+          </p:cNvPicPr>
+          <p:nvPr/>
+        </p:nvPicPr>
+        <p:blipFill>
+          <a:blip r:embed="rId3">
+            <a:extLst>
+              <a:ext uri="{837473B0-CC2E-450A-ABE3-18F120FF3D39}">
+                <a1611:picAttrSrcUrl xmlns:a1611="http://schemas.microsoft.com/office/drawing/2016/11/main" r:id="rId4"/>
+              </a:ext>
+            </a:extLst>
+          </a:blip>
+          <a:stretch>
+            <a:fillRect/>
+          </a:stretch>
+        </p:blipFill>
+        <p:spPr>
+          <a:xfrm>
+            <a:off x="789775" y="2298521"/>
+            <a:ext cx="3658657" cy="1037804"/>
+          </a:xfrm>
+          <a:prstGeom prst="rect">
+            <a:avLst/>
+          </a:prstGeom>
+        </p:spPr>
+      </p:pic>
     </p:spTree>
     <p:extLst>
       <p:ext uri="{BB962C8B-B14F-4D97-AF65-F5344CB8AC3E}">
         <p14:creationId xmlns:p14="http://schemas.microsoft.com/office/powerpoint/2010/main" val="4059782220"/>
+      </p:ext>
+    </p:extLst>
+  </p:cSld>
+  <p:clrMapOvr>
+    <a:masterClrMapping/>
+  </p:clrMapOvr>
+</p:sld>
+</file>
+
+<file path=ppt/slides/slide30.xml><?xml version="1.0" encoding="utf-8"?>
+<p:sld xmlns:a="http://schemas.openxmlformats.org/drawingml/2006/main" xmlns:r="http://schemas.openxmlformats.org/officeDocument/2006/relationships" xmlns:p="http://schemas.openxmlformats.org/presentationml/2006/main">
+  <p:cSld>
+    <p:spTree>
+      <p:nvGrpSpPr>
+        <p:cNvPr id="1" name=""/>
+        <p:cNvGrpSpPr/>
+        <p:nvPr/>
+      </p:nvGrpSpPr>
+      <p:grpSpPr>
+        <a:xfrm>
+          <a:off x="0" y="0"/>
+          <a:ext cx="0" cy="0"/>
+          <a:chOff x="0" y="0"/>
+          <a:chExt cx="0" cy="0"/>
+        </a:xfrm>
+      </p:grpSpPr>
+      <p:sp>
+        <p:nvSpPr>
+          <p:cNvPr id="2" name="Title 1">
+            <a:extLst>
+              <a:ext uri="{FF2B5EF4-FFF2-40B4-BE49-F238E27FC236}">
+                <a16:creationId xmlns:a16="http://schemas.microsoft.com/office/drawing/2014/main" id="{313C6255-1EDA-0C48-A1D0-16E4D6BCC481}"/>
+              </a:ext>
+            </a:extLst>
+          </p:cNvPr>
+          <p:cNvSpPr>
+            <a:spLocks noGrp="1"/>
+          </p:cNvSpPr>
+          <p:nvPr>
+            <p:ph type="title"/>
+          </p:nvPr>
+        </p:nvSpPr>
+        <p:spPr/>
+        <p:txBody>
+          <a:bodyPr/>
+          <a:lstStyle/>
+          <a:p>
+            <a:endParaRPr lang="en-US" dirty="0"/>
+          </a:p>
+        </p:txBody>
+      </p:sp>
+      <p:sp>
+        <p:nvSpPr>
+          <p:cNvPr id="3" name="Content Placeholder 2">
+            <a:extLst>
+              <a:ext uri="{FF2B5EF4-FFF2-40B4-BE49-F238E27FC236}">
+                <a16:creationId xmlns:a16="http://schemas.microsoft.com/office/drawing/2014/main" id="{8900C341-6FE1-DB44-AA3D-FC4E9C9C272E}"/>
+              </a:ext>
+            </a:extLst>
+          </p:cNvPr>
+          <p:cNvSpPr>
+            <a:spLocks noGrp="1"/>
+          </p:cNvSpPr>
+          <p:nvPr>
+            <p:ph idx="1"/>
+          </p:nvPr>
+        </p:nvSpPr>
+        <p:spPr/>
+        <p:txBody>
+          <a:bodyPr>
+            <a:normAutofit/>
+          </a:bodyPr>
+          <a:lstStyle/>
+          <a:p>
+            <a:endParaRPr lang="en-US" dirty="0"/>
+          </a:p>
+        </p:txBody>
+      </p:sp>
+      <p:sp>
+        <p:nvSpPr>
+          <p:cNvPr id="4" name="Footer Placeholder 3">
+            <a:extLst>
+              <a:ext uri="{FF2B5EF4-FFF2-40B4-BE49-F238E27FC236}">
+                <a16:creationId xmlns:a16="http://schemas.microsoft.com/office/drawing/2014/main" id="{8F84D377-E9F3-6D48-8A57-E5D2BA6D205A}"/>
+              </a:ext>
+            </a:extLst>
+          </p:cNvPr>
+          <p:cNvSpPr>
+            <a:spLocks noGrp="1"/>
+          </p:cNvSpPr>
+          <p:nvPr>
+            <p:ph type="ftr" sz="quarter" idx="11"/>
+          </p:nvPr>
+        </p:nvSpPr>
+        <p:spPr/>
+        <p:txBody>
+          <a:bodyPr/>
+          <a:lstStyle/>
+          <a:p>
+            <a:r>
+              <a:rPr lang="en-US"/>
+              <a:t>© Krishna Manchikalapudi</a:t>
+            </a:r>
+            <a:endParaRPr lang="en-US" dirty="0"/>
+          </a:p>
+        </p:txBody>
+      </p:sp>
+      <p:sp>
+        <p:nvSpPr>
+          <p:cNvPr id="5" name="Slide Number Placeholder 4">
+            <a:extLst>
+              <a:ext uri="{FF2B5EF4-FFF2-40B4-BE49-F238E27FC236}">
+                <a16:creationId xmlns:a16="http://schemas.microsoft.com/office/drawing/2014/main" id="{1348E730-9588-AD4F-ADA0-448BFB83EF56}"/>
+              </a:ext>
+            </a:extLst>
+          </p:cNvPr>
+          <p:cNvSpPr>
+            <a:spLocks noGrp="1"/>
+          </p:cNvSpPr>
+          <p:nvPr>
+            <p:ph type="sldNum" sz="quarter" idx="12"/>
+          </p:nvPr>
+        </p:nvSpPr>
+        <p:spPr/>
+        <p:txBody>
+          <a:bodyPr/>
+          <a:lstStyle/>
+          <a:p>
+            <a:fld id="{D57F1E4F-1CFF-5643-939E-217C01CDF565}" type="slidenum">
+              <a:rPr lang="en-US" smtClean="0"/>
+              <a:pPr/>
+              <a:t>30</a:t>
+            </a:fld>
+            <a:endParaRPr lang="en-US" dirty="0"/>
+          </a:p>
+        </p:txBody>
+      </p:sp>
+      <p:sp>
+        <p:nvSpPr>
+          <p:cNvPr id="6" name="TextBox 5">
+            <a:extLst>
+              <a:ext uri="{FF2B5EF4-FFF2-40B4-BE49-F238E27FC236}">
+                <a16:creationId xmlns:a16="http://schemas.microsoft.com/office/drawing/2014/main" id="{533ACB82-5916-4649-9C21-A65CEEB74099}"/>
+              </a:ext>
+            </a:extLst>
+          </p:cNvPr>
+          <p:cNvSpPr txBox="1"/>
+          <p:nvPr/>
+        </p:nvSpPr>
+        <p:spPr>
+          <a:xfrm>
+            <a:off x="741406" y="1708299"/>
+            <a:ext cx="3824803" cy="400110"/>
+          </a:xfrm>
+          <a:prstGeom prst="rect">
+            <a:avLst/>
+          </a:prstGeom>
+          <a:noFill/>
+        </p:spPr>
+        <p:txBody>
+          <a:bodyPr wrap="square" rtlCol="0">
+            <a:spAutoFit/>
+          </a:bodyPr>
+          <a:lstStyle/>
+          <a:p>
+            <a:r>
+              <a:rPr lang="en-US" sz="2000" b="1" dirty="0">
+                <a:solidFill>
+                  <a:schemeClr val="bg1"/>
+                </a:solidFill>
+              </a:rPr>
+              <a:t>Services &amp; Networking - 13%</a:t>
+            </a:r>
+          </a:p>
+        </p:txBody>
+      </p:sp>
+      <p:pic>
+        <p:nvPicPr>
+          <p:cNvPr id="7" name="Picture 6">
+            <a:extLst>
+              <a:ext uri="{FF2B5EF4-FFF2-40B4-BE49-F238E27FC236}">
+                <a16:creationId xmlns:a16="http://schemas.microsoft.com/office/drawing/2014/main" id="{6B0C62E0-AA18-6D47-848F-A2866277A9BE}"/>
+              </a:ext>
+            </a:extLst>
+          </p:cNvPr>
+          <p:cNvPicPr>
+            <a:picLocks noChangeAspect="1"/>
+          </p:cNvPicPr>
+          <p:nvPr/>
+        </p:nvPicPr>
+        <p:blipFill>
+          <a:blip r:embed="rId2">
+            <a:extLst>
+              <a:ext uri="{837473B0-CC2E-450A-ABE3-18F120FF3D39}">
+                <a1611:picAttrSrcUrl xmlns:a1611="http://schemas.microsoft.com/office/drawing/2016/11/main" r:id="rId3"/>
+              </a:ext>
+            </a:extLst>
+          </a:blip>
+          <a:stretch>
+            <a:fillRect/>
+          </a:stretch>
+        </p:blipFill>
+        <p:spPr>
+          <a:xfrm>
+            <a:off x="791680" y="2745"/>
+            <a:ext cx="3693823" cy="1877342"/>
+          </a:xfrm>
+          <a:prstGeom prst="rect">
+            <a:avLst/>
+          </a:prstGeom>
+        </p:spPr>
+      </p:pic>
+    </p:spTree>
+    <p:extLst>
+      <p:ext uri="{BB962C8B-B14F-4D97-AF65-F5344CB8AC3E}">
+        <p14:creationId xmlns:p14="http://schemas.microsoft.com/office/powerpoint/2010/main" val="2646743747"/>
+      </p:ext>
+    </p:extLst>
+  </p:cSld>
+  <p:clrMapOvr>
+    <a:masterClrMapping/>
+  </p:clrMapOvr>
+</p:sld>
+</file>
+
+<file path=ppt/slides/slide31.xml><?xml version="1.0" encoding="utf-8"?>
+<p:sld xmlns:a="http://schemas.openxmlformats.org/drawingml/2006/main" xmlns:r="http://schemas.openxmlformats.org/officeDocument/2006/relationships" xmlns:p="http://schemas.openxmlformats.org/presentationml/2006/main">
+  <p:cSld>
+    <p:spTree>
+      <p:nvGrpSpPr>
+        <p:cNvPr id="1" name=""/>
+        <p:cNvGrpSpPr/>
+        <p:nvPr/>
+      </p:nvGrpSpPr>
+      <p:grpSpPr>
+        <a:xfrm>
+          <a:off x="0" y="0"/>
+          <a:ext cx="0" cy="0"/>
+          <a:chOff x="0" y="0"/>
+          <a:chExt cx="0" cy="0"/>
+        </a:xfrm>
+      </p:grpSpPr>
+      <p:sp>
+        <p:nvSpPr>
+          <p:cNvPr id="2" name="Title 1">
+            <a:extLst>
+              <a:ext uri="{FF2B5EF4-FFF2-40B4-BE49-F238E27FC236}">
+                <a16:creationId xmlns:a16="http://schemas.microsoft.com/office/drawing/2014/main" id="{313C6255-1EDA-0C48-A1D0-16E4D6BCC481}"/>
+              </a:ext>
+            </a:extLst>
+          </p:cNvPr>
+          <p:cNvSpPr>
+            <a:spLocks noGrp="1"/>
+          </p:cNvSpPr>
+          <p:nvPr>
+            <p:ph type="title"/>
+          </p:nvPr>
+        </p:nvSpPr>
+        <p:spPr/>
+        <p:txBody>
+          <a:bodyPr/>
+          <a:lstStyle/>
+          <a:p>
+            <a:r>
+              <a:rPr lang="en-US" dirty="0"/>
+              <a:t>Good Reading</a:t>
+            </a:r>
+          </a:p>
+        </p:txBody>
+      </p:sp>
+      <p:sp>
+        <p:nvSpPr>
+          <p:cNvPr id="4" name="Footer Placeholder 3">
+            <a:extLst>
+              <a:ext uri="{FF2B5EF4-FFF2-40B4-BE49-F238E27FC236}">
+                <a16:creationId xmlns:a16="http://schemas.microsoft.com/office/drawing/2014/main" id="{8F84D377-E9F3-6D48-8A57-E5D2BA6D205A}"/>
+              </a:ext>
+            </a:extLst>
+          </p:cNvPr>
+          <p:cNvSpPr>
+            <a:spLocks noGrp="1"/>
+          </p:cNvSpPr>
+          <p:nvPr>
+            <p:ph type="ftr" sz="quarter" idx="11"/>
+          </p:nvPr>
+        </p:nvSpPr>
+        <p:spPr/>
+        <p:txBody>
+          <a:bodyPr/>
+          <a:lstStyle/>
+          <a:p>
+            <a:r>
+              <a:rPr lang="en-US"/>
+              <a:t>© Krishna Manchikalapudi</a:t>
+            </a:r>
+            <a:endParaRPr lang="en-US" dirty="0"/>
+          </a:p>
+        </p:txBody>
+      </p:sp>
+      <p:sp>
+        <p:nvSpPr>
+          <p:cNvPr id="5" name="Slide Number Placeholder 4">
+            <a:extLst>
+              <a:ext uri="{FF2B5EF4-FFF2-40B4-BE49-F238E27FC236}">
+                <a16:creationId xmlns:a16="http://schemas.microsoft.com/office/drawing/2014/main" id="{1348E730-9588-AD4F-ADA0-448BFB83EF56}"/>
+              </a:ext>
+            </a:extLst>
+          </p:cNvPr>
+          <p:cNvSpPr>
+            <a:spLocks noGrp="1"/>
+          </p:cNvSpPr>
+          <p:nvPr>
+            <p:ph type="sldNum" sz="quarter" idx="12"/>
+          </p:nvPr>
+        </p:nvSpPr>
+        <p:spPr/>
+        <p:txBody>
+          <a:bodyPr/>
+          <a:lstStyle/>
+          <a:p>
+            <a:fld id="{D57F1E4F-1CFF-5643-939E-217C01CDF565}" type="slidenum">
+              <a:rPr lang="en-US" smtClean="0"/>
+              <a:pPr/>
+              <a:t>31</a:t>
+            </a:fld>
+            <a:endParaRPr lang="en-US" dirty="0"/>
+          </a:p>
+        </p:txBody>
+      </p:sp>
+      <p:sp>
+        <p:nvSpPr>
+          <p:cNvPr id="6" name="TextBox 5">
+            <a:extLst>
+              <a:ext uri="{FF2B5EF4-FFF2-40B4-BE49-F238E27FC236}">
+                <a16:creationId xmlns:a16="http://schemas.microsoft.com/office/drawing/2014/main" id="{533ACB82-5916-4649-9C21-A65CEEB74099}"/>
+              </a:ext>
+            </a:extLst>
+          </p:cNvPr>
+          <p:cNvSpPr txBox="1"/>
+          <p:nvPr/>
+        </p:nvSpPr>
+        <p:spPr>
+          <a:xfrm>
+            <a:off x="753764" y="1708299"/>
+            <a:ext cx="3880022" cy="400110"/>
+          </a:xfrm>
+          <a:prstGeom prst="rect">
+            <a:avLst/>
+          </a:prstGeom>
+          <a:noFill/>
+        </p:spPr>
+        <p:txBody>
+          <a:bodyPr wrap="square" rtlCol="0">
+            <a:spAutoFit/>
+          </a:bodyPr>
+          <a:lstStyle/>
+          <a:p>
+            <a:r>
+              <a:rPr lang="en-US" sz="2000" b="1" dirty="0">
+                <a:solidFill>
+                  <a:schemeClr val="bg1"/>
+                </a:solidFill>
+              </a:rPr>
+              <a:t>Services &amp; Networking - 13%</a:t>
+            </a:r>
+          </a:p>
+        </p:txBody>
+      </p:sp>
+      <p:sp>
+        <p:nvSpPr>
+          <p:cNvPr id="11" name="Content Placeholder 10">
+            <a:extLst>
+              <a:ext uri="{FF2B5EF4-FFF2-40B4-BE49-F238E27FC236}">
+                <a16:creationId xmlns:a16="http://schemas.microsoft.com/office/drawing/2014/main" id="{A15B9778-6171-2647-B8AF-4E93A8CB31B5}"/>
+              </a:ext>
+            </a:extLst>
+          </p:cNvPr>
+          <p:cNvSpPr>
+            <a:spLocks noGrp="1"/>
+          </p:cNvSpPr>
+          <p:nvPr>
+            <p:ph idx="1"/>
+          </p:nvPr>
+        </p:nvSpPr>
+        <p:spPr/>
+        <p:txBody>
+          <a:bodyPr>
+            <a:normAutofit fontScale="85000" lnSpcReduction="10000"/>
+          </a:bodyPr>
+          <a:lstStyle/>
+          <a:p>
+            <a:r>
+              <a:rPr lang="en-US" dirty="0"/>
+              <a:t>Understand Services</a:t>
+            </a:r>
+          </a:p>
+          <a:p>
+            <a:r>
+              <a:rPr lang="en-US" dirty="0">
+                <a:hlinkClick r:id="rId2"/>
+              </a:rPr>
+              <a:t>https://kubernetes.io/docs/concepts/services-networking/service/</a:t>
+            </a:r>
+            <a:r>
+              <a:rPr lang="en-US" dirty="0"/>
+              <a:t> </a:t>
+            </a:r>
+          </a:p>
+          <a:p>
+            <a:r>
+              <a:rPr lang="en-US" dirty="0">
+                <a:hlinkClick r:id="rId3"/>
+              </a:rPr>
+              <a:t>https://kubernetes.io/docs/concepts/services-networking/service-topology/</a:t>
+            </a:r>
+            <a:r>
+              <a:rPr lang="en-US" dirty="0"/>
+              <a:t> </a:t>
+            </a:r>
+          </a:p>
+          <a:p>
+            <a:r>
+              <a:rPr lang="en-US" dirty="0">
+                <a:hlinkClick r:id="rId4"/>
+              </a:rPr>
+              <a:t>https://kubernetes.io/tutorials/kubernetes-basics/expose/expose-intro/</a:t>
+            </a:r>
+            <a:r>
+              <a:rPr lang="en-US" dirty="0"/>
+              <a:t> </a:t>
+            </a:r>
+          </a:p>
+          <a:p>
+            <a:r>
+              <a:rPr lang="en-US" dirty="0">
+                <a:hlinkClick r:id="rId5"/>
+              </a:rPr>
+              <a:t>https://kubernetes.io/docs/concepts/services-networking/connect-applications-service/</a:t>
+            </a:r>
+            <a:r>
+              <a:rPr lang="en-US" dirty="0"/>
+              <a:t> </a:t>
+            </a:r>
+          </a:p>
+          <a:p>
+            <a:r>
+              <a:rPr lang="en-US" dirty="0"/>
+              <a:t>Demonstrate a basic understanding of network policies</a:t>
+            </a:r>
+          </a:p>
+          <a:p>
+            <a:r>
+              <a:rPr lang="en-US" dirty="0">
+                <a:hlinkClick r:id="rId6"/>
+              </a:rPr>
+              <a:t>https://kubernetes.io/docs/concepts/services-networking/network-policies/</a:t>
+            </a:r>
+            <a:r>
+              <a:rPr lang="en-US" dirty="0"/>
+              <a:t> </a:t>
+            </a:r>
+          </a:p>
+          <a:p>
+            <a:r>
+              <a:rPr lang="en-US" dirty="0">
+                <a:hlinkClick r:id="rId7"/>
+              </a:rPr>
+              <a:t>https://kubernetes.io/docs/tasks/administer-cluster/declare-network-policy/</a:t>
+            </a:r>
+            <a:r>
+              <a:rPr lang="en-US" dirty="0"/>
+              <a:t> </a:t>
+            </a:r>
+          </a:p>
+          <a:p>
+            <a:r>
+              <a:rPr lang="en-US" dirty="0">
+                <a:hlinkClick r:id="rId8"/>
+              </a:rPr>
+              <a:t>https://github.com/ahmetb/kubernetes-network-policy-recipes</a:t>
+            </a:r>
+            <a:r>
+              <a:rPr lang="en-US" dirty="0"/>
+              <a:t> </a:t>
+            </a:r>
+          </a:p>
+        </p:txBody>
+      </p:sp>
+      <p:pic>
+        <p:nvPicPr>
+          <p:cNvPr id="18" name="Picture 17">
+            <a:extLst>
+              <a:ext uri="{FF2B5EF4-FFF2-40B4-BE49-F238E27FC236}">
+                <a16:creationId xmlns:a16="http://schemas.microsoft.com/office/drawing/2014/main" id="{D608B2C0-1835-124D-BEA9-D8224E4EFDF9}"/>
+              </a:ext>
+            </a:extLst>
+          </p:cNvPr>
+          <p:cNvPicPr>
+            <a:picLocks noChangeAspect="1"/>
+          </p:cNvPicPr>
+          <p:nvPr/>
+        </p:nvPicPr>
+        <p:blipFill>
+          <a:blip r:embed="rId9">
+            <a:extLst>
+              <a:ext uri="{837473B0-CC2E-450A-ABE3-18F120FF3D39}">
+                <a1611:picAttrSrcUrl xmlns:a1611="http://schemas.microsoft.com/office/drawing/2016/11/main" r:id="rId10"/>
+              </a:ext>
+            </a:extLst>
+          </a:blip>
+          <a:stretch>
+            <a:fillRect/>
+          </a:stretch>
+        </p:blipFill>
+        <p:spPr>
+          <a:xfrm>
+            <a:off x="1952369" y="2310964"/>
+            <a:ext cx="1285103" cy="1124465"/>
+          </a:xfrm>
+          <a:prstGeom prst="rect">
+            <a:avLst/>
+          </a:prstGeom>
+        </p:spPr>
+      </p:pic>
+    </p:spTree>
+    <p:extLst>
+      <p:ext uri="{BB962C8B-B14F-4D97-AF65-F5344CB8AC3E}">
+        <p14:creationId xmlns:p14="http://schemas.microsoft.com/office/powerpoint/2010/main" val="3360666133"/>
+      </p:ext>
+    </p:extLst>
+  </p:cSld>
+  <p:clrMapOvr>
+    <a:masterClrMapping/>
+  </p:clrMapOvr>
+</p:sld>
+</file>
+
+<file path=ppt/slides/slide32.xml><?xml version="1.0" encoding="utf-8"?>
+<p:sld xmlns:a="http://schemas.openxmlformats.org/drawingml/2006/main" xmlns:r="http://schemas.openxmlformats.org/officeDocument/2006/relationships" xmlns:p="http://schemas.openxmlformats.org/presentationml/2006/main">
+  <p:cSld>
+    <p:spTree>
+      <p:nvGrpSpPr>
+        <p:cNvPr id="1" name=""/>
+        <p:cNvGrpSpPr/>
+        <p:nvPr/>
+      </p:nvGrpSpPr>
+      <p:grpSpPr>
+        <a:xfrm>
+          <a:off x="0" y="0"/>
+          <a:ext cx="0" cy="0"/>
+          <a:chOff x="0" y="0"/>
+          <a:chExt cx="0" cy="0"/>
+        </a:xfrm>
+      </p:grpSpPr>
+      <p:sp>
+        <p:nvSpPr>
+          <p:cNvPr id="2" name="Title 1">
+            <a:extLst>
+              <a:ext uri="{FF2B5EF4-FFF2-40B4-BE49-F238E27FC236}">
+                <a16:creationId xmlns:a16="http://schemas.microsoft.com/office/drawing/2014/main" id="{4E273531-8B77-C046-B39F-5BA405757CB1}"/>
+              </a:ext>
+            </a:extLst>
+          </p:cNvPr>
+          <p:cNvSpPr>
+            <a:spLocks noGrp="1"/>
+          </p:cNvSpPr>
+          <p:nvPr>
+            <p:ph type="title"/>
+          </p:nvPr>
+        </p:nvSpPr>
+        <p:spPr/>
+        <p:txBody>
+          <a:bodyPr/>
+          <a:lstStyle/>
+          <a:p>
+            <a:r>
+              <a:rPr lang="en-US" dirty="0"/>
+              <a:t>State Persistence</a:t>
+            </a:r>
+            <a:br>
+              <a:rPr lang="en-US" dirty="0"/>
+            </a:br>
+            <a:r>
+              <a:rPr lang="en-US" dirty="0"/>
+              <a:t>8%</a:t>
+            </a:r>
+          </a:p>
+        </p:txBody>
+      </p:sp>
+      <p:sp>
+        <p:nvSpPr>
+          <p:cNvPr id="3" name="Content Placeholder 2">
+            <a:extLst>
+              <a:ext uri="{FF2B5EF4-FFF2-40B4-BE49-F238E27FC236}">
+                <a16:creationId xmlns:a16="http://schemas.microsoft.com/office/drawing/2014/main" id="{A0328D6C-2F2D-B14D-8CF9-C30070A10ABC}"/>
+              </a:ext>
+            </a:extLst>
+          </p:cNvPr>
+          <p:cNvSpPr>
+            <a:spLocks noGrp="1"/>
+          </p:cNvSpPr>
+          <p:nvPr>
+            <p:ph idx="1"/>
+          </p:nvPr>
+        </p:nvSpPr>
+        <p:spPr/>
+        <p:txBody>
+          <a:bodyPr/>
+          <a:lstStyle/>
+          <a:p>
+            <a:r>
+              <a:rPr lang="en-US" dirty="0"/>
+              <a:t>Exam</a:t>
+            </a:r>
+          </a:p>
+          <a:p>
+            <a:pPr lvl="1"/>
+            <a:r>
+              <a:rPr lang="en-US" dirty="0"/>
+              <a:t>Understand </a:t>
+            </a:r>
+            <a:r>
+              <a:rPr lang="en-US" dirty="0" err="1"/>
+              <a:t>PersistentVolumeClaims</a:t>
+            </a:r>
+            <a:r>
+              <a:rPr lang="en-US" dirty="0"/>
+              <a:t> for storage</a:t>
+            </a:r>
+          </a:p>
+          <a:p>
+            <a:r>
+              <a:rPr lang="en-US" dirty="0"/>
+              <a:t>Learning</a:t>
+            </a:r>
+          </a:p>
+          <a:p>
+            <a:pPr lvl="1"/>
+            <a:r>
+              <a:rPr lang="en-US" dirty="0"/>
+              <a:t>Volumes</a:t>
+            </a:r>
+          </a:p>
+          <a:p>
+            <a:pPr lvl="1"/>
+            <a:r>
+              <a:rPr lang="en-US" dirty="0"/>
+              <a:t>Persistent volumes</a:t>
+            </a:r>
+          </a:p>
+          <a:p>
+            <a:pPr lvl="1"/>
+            <a:r>
+              <a:rPr lang="en-US" b="1" dirty="0" err="1">
+                <a:solidFill>
+                  <a:srgbClr val="FF0000"/>
+                </a:solidFill>
+              </a:rPr>
+              <a:t>kubectl</a:t>
+            </a:r>
+            <a:r>
+              <a:rPr lang="en-US" b="1" dirty="0">
+                <a:solidFill>
+                  <a:srgbClr val="FF0000"/>
+                </a:solidFill>
+              </a:rPr>
+              <a:t> commands </a:t>
+            </a:r>
+            <a:r>
+              <a:rPr lang="en-US" b="1" dirty="0" err="1">
+                <a:solidFill>
+                  <a:srgbClr val="FF0000"/>
+                </a:solidFill>
+              </a:rPr>
+              <a:t>cheatsheet</a:t>
+            </a:r>
+            <a:endParaRPr lang="en-US" b="1" dirty="0">
+              <a:solidFill>
+                <a:srgbClr val="FF0000"/>
+              </a:solidFill>
+            </a:endParaRPr>
+          </a:p>
+        </p:txBody>
+      </p:sp>
+      <p:sp>
+        <p:nvSpPr>
+          <p:cNvPr id="4" name="Footer Placeholder 3">
+            <a:extLst>
+              <a:ext uri="{FF2B5EF4-FFF2-40B4-BE49-F238E27FC236}">
+                <a16:creationId xmlns:a16="http://schemas.microsoft.com/office/drawing/2014/main" id="{7BB45E87-9CA7-114F-A183-75BE44AEB62D}"/>
+              </a:ext>
+            </a:extLst>
+          </p:cNvPr>
+          <p:cNvSpPr>
+            <a:spLocks noGrp="1"/>
+          </p:cNvSpPr>
+          <p:nvPr>
+            <p:ph type="ftr" sz="quarter" idx="11"/>
+          </p:nvPr>
+        </p:nvSpPr>
+        <p:spPr/>
+        <p:txBody>
+          <a:bodyPr/>
+          <a:lstStyle/>
+          <a:p>
+            <a:r>
+              <a:rPr lang="en-US" dirty="0"/>
+              <a:t>© Krishna Manchikalapudi</a:t>
+            </a:r>
+          </a:p>
+        </p:txBody>
+      </p:sp>
+      <p:sp>
+        <p:nvSpPr>
+          <p:cNvPr id="5" name="Slide Number Placeholder 4">
+            <a:extLst>
+              <a:ext uri="{FF2B5EF4-FFF2-40B4-BE49-F238E27FC236}">
+                <a16:creationId xmlns:a16="http://schemas.microsoft.com/office/drawing/2014/main" id="{F1E640DA-1692-064D-A2DA-FEA14AE17DE7}"/>
+              </a:ext>
+            </a:extLst>
+          </p:cNvPr>
+          <p:cNvSpPr>
+            <a:spLocks noGrp="1"/>
+          </p:cNvSpPr>
+          <p:nvPr>
+            <p:ph type="sldNum" sz="quarter" idx="12"/>
+          </p:nvPr>
+        </p:nvSpPr>
+        <p:spPr/>
+        <p:txBody>
+          <a:bodyPr/>
+          <a:lstStyle/>
+          <a:p>
+            <a:fld id="{D57F1E4F-1CFF-5643-939E-217C01CDF565}" type="slidenum">
+              <a:rPr lang="en-US" smtClean="0"/>
+              <a:pPr/>
+              <a:t>32</a:t>
+            </a:fld>
+            <a:endParaRPr lang="en-US" dirty="0"/>
+          </a:p>
+        </p:txBody>
+      </p:sp>
+      <p:pic>
+        <p:nvPicPr>
+          <p:cNvPr id="6" name="Picture 5">
+            <a:extLst>
+              <a:ext uri="{FF2B5EF4-FFF2-40B4-BE49-F238E27FC236}">
+                <a16:creationId xmlns:a16="http://schemas.microsoft.com/office/drawing/2014/main" id="{38FFD516-E6B2-AB4C-A6DC-EE1BD8101BBC}"/>
+              </a:ext>
+            </a:extLst>
+          </p:cNvPr>
+          <p:cNvPicPr>
+            <a:picLocks noChangeAspect="1"/>
+          </p:cNvPicPr>
+          <p:nvPr/>
+        </p:nvPicPr>
+        <p:blipFill>
+          <a:blip r:embed="rId2">
+            <a:extLst>
+              <a:ext uri="{837473B0-CC2E-450A-ABE3-18F120FF3D39}">
+                <a1611:picAttrSrcUrl xmlns:a1611="http://schemas.microsoft.com/office/drawing/2016/11/main" r:id="rId3"/>
+              </a:ext>
+            </a:extLst>
+          </a:blip>
+          <a:stretch>
+            <a:fillRect/>
+          </a:stretch>
+        </p:blipFill>
+        <p:spPr>
+          <a:xfrm>
+            <a:off x="1790979" y="153831"/>
+            <a:ext cx="1658036" cy="2057618"/>
+          </a:xfrm>
+          <a:prstGeom prst="rect">
+            <a:avLst/>
+          </a:prstGeom>
+        </p:spPr>
+      </p:pic>
+    </p:spTree>
+    <p:extLst>
+      <p:ext uri="{BB962C8B-B14F-4D97-AF65-F5344CB8AC3E}">
+        <p14:creationId xmlns:p14="http://schemas.microsoft.com/office/powerpoint/2010/main" val="409205862"/>
+      </p:ext>
+    </p:extLst>
+  </p:cSld>
+  <p:clrMapOvr>
+    <a:masterClrMapping/>
+  </p:clrMapOvr>
+</p:sld>
+</file>
+
+<file path=ppt/slides/slide33.xml><?xml version="1.0" encoding="utf-8"?>
+<p:sld xmlns:a="http://schemas.openxmlformats.org/drawingml/2006/main" xmlns:r="http://schemas.openxmlformats.org/officeDocument/2006/relationships" xmlns:p="http://schemas.openxmlformats.org/presentationml/2006/main">
+  <p:cSld>
+    <p:spTree>
+      <p:nvGrpSpPr>
+        <p:cNvPr id="1" name=""/>
+        <p:cNvGrpSpPr/>
+        <p:nvPr/>
+      </p:nvGrpSpPr>
+      <p:grpSpPr>
+        <a:xfrm>
+          <a:off x="0" y="0"/>
+          <a:ext cx="0" cy="0"/>
+          <a:chOff x="0" y="0"/>
+          <a:chExt cx="0" cy="0"/>
+        </a:xfrm>
+      </p:grpSpPr>
+      <p:sp>
+        <p:nvSpPr>
+          <p:cNvPr id="2" name="Title 1">
+            <a:extLst>
+              <a:ext uri="{FF2B5EF4-FFF2-40B4-BE49-F238E27FC236}">
+                <a16:creationId xmlns:a16="http://schemas.microsoft.com/office/drawing/2014/main" id="{313C6255-1EDA-0C48-A1D0-16E4D6BCC481}"/>
+              </a:ext>
+            </a:extLst>
+          </p:cNvPr>
+          <p:cNvSpPr>
+            <a:spLocks noGrp="1"/>
+          </p:cNvSpPr>
+          <p:nvPr>
+            <p:ph type="title"/>
+          </p:nvPr>
+        </p:nvSpPr>
+        <p:spPr/>
+        <p:txBody>
+          <a:bodyPr/>
+          <a:lstStyle/>
+          <a:p>
+            <a:endParaRPr lang="en-US" dirty="0"/>
+          </a:p>
+        </p:txBody>
+      </p:sp>
+      <p:sp>
+        <p:nvSpPr>
+          <p:cNvPr id="3" name="Content Placeholder 2">
+            <a:extLst>
+              <a:ext uri="{FF2B5EF4-FFF2-40B4-BE49-F238E27FC236}">
+                <a16:creationId xmlns:a16="http://schemas.microsoft.com/office/drawing/2014/main" id="{8900C341-6FE1-DB44-AA3D-FC4E9C9C272E}"/>
+              </a:ext>
+            </a:extLst>
+          </p:cNvPr>
+          <p:cNvSpPr>
+            <a:spLocks noGrp="1"/>
+          </p:cNvSpPr>
+          <p:nvPr>
+            <p:ph idx="1"/>
+          </p:nvPr>
+        </p:nvSpPr>
+        <p:spPr/>
+        <p:txBody>
+          <a:bodyPr>
+            <a:normAutofit/>
+          </a:bodyPr>
+          <a:lstStyle/>
+          <a:p>
+            <a:endParaRPr lang="en-US" dirty="0"/>
+          </a:p>
+        </p:txBody>
+      </p:sp>
+      <p:sp>
+        <p:nvSpPr>
+          <p:cNvPr id="4" name="Footer Placeholder 3">
+            <a:extLst>
+              <a:ext uri="{FF2B5EF4-FFF2-40B4-BE49-F238E27FC236}">
+                <a16:creationId xmlns:a16="http://schemas.microsoft.com/office/drawing/2014/main" id="{8F84D377-E9F3-6D48-8A57-E5D2BA6D205A}"/>
+              </a:ext>
+            </a:extLst>
+          </p:cNvPr>
+          <p:cNvSpPr>
+            <a:spLocks noGrp="1"/>
+          </p:cNvSpPr>
+          <p:nvPr>
+            <p:ph type="ftr" sz="quarter" idx="11"/>
+          </p:nvPr>
+        </p:nvSpPr>
+        <p:spPr/>
+        <p:txBody>
+          <a:bodyPr/>
+          <a:lstStyle/>
+          <a:p>
+            <a:r>
+              <a:rPr lang="en-US"/>
+              <a:t>© Krishna Manchikalapudi</a:t>
+            </a:r>
+            <a:endParaRPr lang="en-US" dirty="0"/>
+          </a:p>
+        </p:txBody>
+      </p:sp>
+      <p:sp>
+        <p:nvSpPr>
+          <p:cNvPr id="5" name="Slide Number Placeholder 4">
+            <a:extLst>
+              <a:ext uri="{FF2B5EF4-FFF2-40B4-BE49-F238E27FC236}">
+                <a16:creationId xmlns:a16="http://schemas.microsoft.com/office/drawing/2014/main" id="{1348E730-9588-AD4F-ADA0-448BFB83EF56}"/>
+              </a:ext>
+            </a:extLst>
+          </p:cNvPr>
+          <p:cNvSpPr>
+            <a:spLocks noGrp="1"/>
+          </p:cNvSpPr>
+          <p:nvPr>
+            <p:ph type="sldNum" sz="quarter" idx="12"/>
+          </p:nvPr>
+        </p:nvSpPr>
+        <p:spPr/>
+        <p:txBody>
+          <a:bodyPr/>
+          <a:lstStyle/>
+          <a:p>
+            <a:fld id="{D57F1E4F-1CFF-5643-939E-217C01CDF565}" type="slidenum">
+              <a:rPr lang="en-US" smtClean="0"/>
+              <a:pPr/>
+              <a:t>33</a:t>
+            </a:fld>
+            <a:endParaRPr lang="en-US" dirty="0"/>
+          </a:p>
+        </p:txBody>
+      </p:sp>
+      <p:sp>
+        <p:nvSpPr>
+          <p:cNvPr id="6" name="TextBox 5">
+            <a:extLst>
+              <a:ext uri="{FF2B5EF4-FFF2-40B4-BE49-F238E27FC236}">
+                <a16:creationId xmlns:a16="http://schemas.microsoft.com/office/drawing/2014/main" id="{533ACB82-5916-4649-9C21-A65CEEB74099}"/>
+              </a:ext>
+            </a:extLst>
+          </p:cNvPr>
+          <p:cNvSpPr txBox="1"/>
+          <p:nvPr/>
+        </p:nvSpPr>
+        <p:spPr>
+          <a:xfrm>
+            <a:off x="804672" y="1708299"/>
+            <a:ext cx="3498978" cy="400110"/>
+          </a:xfrm>
+          <a:prstGeom prst="rect">
+            <a:avLst/>
+          </a:prstGeom>
+          <a:noFill/>
+        </p:spPr>
+        <p:txBody>
+          <a:bodyPr wrap="square" rtlCol="0">
+            <a:spAutoFit/>
+          </a:bodyPr>
+          <a:lstStyle/>
+          <a:p>
+            <a:r>
+              <a:rPr lang="en-US" sz="2000" b="1" dirty="0">
+                <a:solidFill>
+                  <a:schemeClr val="bg1"/>
+                </a:solidFill>
+              </a:rPr>
+              <a:t>State Persistence - 8%</a:t>
+            </a:r>
+          </a:p>
+        </p:txBody>
+      </p:sp>
+      <p:pic>
+        <p:nvPicPr>
+          <p:cNvPr id="7" name="Picture 6">
+            <a:extLst>
+              <a:ext uri="{FF2B5EF4-FFF2-40B4-BE49-F238E27FC236}">
+                <a16:creationId xmlns:a16="http://schemas.microsoft.com/office/drawing/2014/main" id="{570A0D78-0390-3847-80AC-FE51660DE95A}"/>
+              </a:ext>
+            </a:extLst>
+          </p:cNvPr>
+          <p:cNvPicPr>
+            <a:picLocks noChangeAspect="1"/>
+          </p:cNvPicPr>
+          <p:nvPr/>
+        </p:nvPicPr>
+        <p:blipFill>
+          <a:blip r:embed="rId2">
+            <a:extLst>
+              <a:ext uri="{837473B0-CC2E-450A-ABE3-18F120FF3D39}">
+                <a1611:picAttrSrcUrl xmlns:a1611="http://schemas.microsoft.com/office/drawing/2016/11/main" r:id="rId3"/>
+              </a:ext>
+            </a:extLst>
+          </a:blip>
+          <a:stretch>
+            <a:fillRect/>
+          </a:stretch>
+        </p:blipFill>
+        <p:spPr>
+          <a:xfrm>
+            <a:off x="791680" y="2745"/>
+            <a:ext cx="3693823" cy="1877342"/>
+          </a:xfrm>
+          <a:prstGeom prst="rect">
+            <a:avLst/>
+          </a:prstGeom>
+        </p:spPr>
+      </p:pic>
+    </p:spTree>
+    <p:extLst>
+      <p:ext uri="{BB962C8B-B14F-4D97-AF65-F5344CB8AC3E}">
+        <p14:creationId xmlns:p14="http://schemas.microsoft.com/office/powerpoint/2010/main" val="2703693213"/>
+      </p:ext>
+    </p:extLst>
+  </p:cSld>
+  <p:clrMapOvr>
+    <a:masterClrMapping/>
+  </p:clrMapOvr>
+</p:sld>
+</file>
+
+<file path=ppt/slides/slide34.xml><?xml version="1.0" encoding="utf-8"?>
+<p:sld xmlns:a="http://schemas.openxmlformats.org/drawingml/2006/main" xmlns:r="http://schemas.openxmlformats.org/officeDocument/2006/relationships" xmlns:p="http://schemas.openxmlformats.org/presentationml/2006/main">
+  <p:cSld>
+    <p:spTree>
+      <p:nvGrpSpPr>
+        <p:cNvPr id="1" name=""/>
+        <p:cNvGrpSpPr/>
+        <p:nvPr/>
+      </p:nvGrpSpPr>
+      <p:grpSpPr>
+        <a:xfrm>
+          <a:off x="0" y="0"/>
+          <a:ext cx="0" cy="0"/>
+          <a:chOff x="0" y="0"/>
+          <a:chExt cx="0" cy="0"/>
+        </a:xfrm>
+      </p:grpSpPr>
+      <p:sp>
+        <p:nvSpPr>
+          <p:cNvPr id="2" name="Title 1">
+            <a:extLst>
+              <a:ext uri="{FF2B5EF4-FFF2-40B4-BE49-F238E27FC236}">
+                <a16:creationId xmlns:a16="http://schemas.microsoft.com/office/drawing/2014/main" id="{313C6255-1EDA-0C48-A1D0-16E4D6BCC481}"/>
+              </a:ext>
+            </a:extLst>
+          </p:cNvPr>
+          <p:cNvSpPr>
+            <a:spLocks noGrp="1"/>
+          </p:cNvSpPr>
+          <p:nvPr>
+            <p:ph type="title"/>
+          </p:nvPr>
+        </p:nvSpPr>
+        <p:spPr/>
+        <p:txBody>
+          <a:bodyPr/>
+          <a:lstStyle/>
+          <a:p>
+            <a:r>
+              <a:rPr lang="en-US" dirty="0"/>
+              <a:t>Good Reading</a:t>
+            </a:r>
+          </a:p>
+        </p:txBody>
+      </p:sp>
+      <p:sp>
+        <p:nvSpPr>
+          <p:cNvPr id="4" name="Footer Placeholder 3">
+            <a:extLst>
+              <a:ext uri="{FF2B5EF4-FFF2-40B4-BE49-F238E27FC236}">
+                <a16:creationId xmlns:a16="http://schemas.microsoft.com/office/drawing/2014/main" id="{8F84D377-E9F3-6D48-8A57-E5D2BA6D205A}"/>
+              </a:ext>
+            </a:extLst>
+          </p:cNvPr>
+          <p:cNvSpPr>
+            <a:spLocks noGrp="1"/>
+          </p:cNvSpPr>
+          <p:nvPr>
+            <p:ph type="ftr" sz="quarter" idx="11"/>
+          </p:nvPr>
+        </p:nvSpPr>
+        <p:spPr/>
+        <p:txBody>
+          <a:bodyPr/>
+          <a:lstStyle/>
+          <a:p>
+            <a:r>
+              <a:rPr lang="en-US"/>
+              <a:t>© Krishna Manchikalapudi</a:t>
+            </a:r>
+            <a:endParaRPr lang="en-US" dirty="0"/>
+          </a:p>
+        </p:txBody>
+      </p:sp>
+      <p:sp>
+        <p:nvSpPr>
+          <p:cNvPr id="5" name="Slide Number Placeholder 4">
+            <a:extLst>
+              <a:ext uri="{FF2B5EF4-FFF2-40B4-BE49-F238E27FC236}">
+                <a16:creationId xmlns:a16="http://schemas.microsoft.com/office/drawing/2014/main" id="{1348E730-9588-AD4F-ADA0-448BFB83EF56}"/>
+              </a:ext>
+            </a:extLst>
+          </p:cNvPr>
+          <p:cNvSpPr>
+            <a:spLocks noGrp="1"/>
+          </p:cNvSpPr>
+          <p:nvPr>
+            <p:ph type="sldNum" sz="quarter" idx="12"/>
+          </p:nvPr>
+        </p:nvSpPr>
+        <p:spPr/>
+        <p:txBody>
+          <a:bodyPr/>
+          <a:lstStyle/>
+          <a:p>
+            <a:fld id="{D57F1E4F-1CFF-5643-939E-217C01CDF565}" type="slidenum">
+              <a:rPr lang="en-US" smtClean="0"/>
+              <a:pPr/>
+              <a:t>34</a:t>
+            </a:fld>
+            <a:endParaRPr lang="en-US" dirty="0"/>
+          </a:p>
+        </p:txBody>
+      </p:sp>
+      <p:sp>
+        <p:nvSpPr>
+          <p:cNvPr id="6" name="TextBox 5">
+            <a:extLst>
+              <a:ext uri="{FF2B5EF4-FFF2-40B4-BE49-F238E27FC236}">
+                <a16:creationId xmlns:a16="http://schemas.microsoft.com/office/drawing/2014/main" id="{533ACB82-5916-4649-9C21-A65CEEB74099}"/>
+              </a:ext>
+            </a:extLst>
+          </p:cNvPr>
+          <p:cNvSpPr txBox="1"/>
+          <p:nvPr/>
+        </p:nvSpPr>
+        <p:spPr>
+          <a:xfrm>
+            <a:off x="804672" y="1708299"/>
+            <a:ext cx="3498978" cy="400110"/>
+          </a:xfrm>
+          <a:prstGeom prst="rect">
+            <a:avLst/>
+          </a:prstGeom>
+          <a:noFill/>
+        </p:spPr>
+        <p:txBody>
+          <a:bodyPr wrap="square" rtlCol="0">
+            <a:spAutoFit/>
+          </a:bodyPr>
+          <a:lstStyle/>
+          <a:p>
+            <a:r>
+              <a:rPr lang="en-US" sz="2000" b="1" dirty="0">
+                <a:solidFill>
+                  <a:schemeClr val="bg1"/>
+                </a:solidFill>
+              </a:rPr>
+              <a:t>State Persistence - 8%</a:t>
+            </a:r>
+          </a:p>
+        </p:txBody>
+      </p:sp>
+      <p:sp>
+        <p:nvSpPr>
+          <p:cNvPr id="11" name="Content Placeholder 10">
+            <a:extLst>
+              <a:ext uri="{FF2B5EF4-FFF2-40B4-BE49-F238E27FC236}">
+                <a16:creationId xmlns:a16="http://schemas.microsoft.com/office/drawing/2014/main" id="{A15B9778-6171-2647-B8AF-4E93A8CB31B5}"/>
+              </a:ext>
+            </a:extLst>
+          </p:cNvPr>
+          <p:cNvSpPr>
+            <a:spLocks noGrp="1"/>
+          </p:cNvSpPr>
+          <p:nvPr>
+            <p:ph idx="1"/>
+          </p:nvPr>
+        </p:nvSpPr>
+        <p:spPr/>
+        <p:txBody>
+          <a:bodyPr>
+            <a:normAutofit/>
+          </a:bodyPr>
+          <a:lstStyle/>
+          <a:p>
+            <a:r>
+              <a:rPr lang="en-US" dirty="0"/>
+              <a:t>Understand Persistent Volume Claims for storage</a:t>
+            </a:r>
+          </a:p>
+          <a:p>
+            <a:r>
+              <a:rPr lang="en-US" dirty="0">
+                <a:hlinkClick r:id="rId2"/>
+              </a:rPr>
+              <a:t>https://docs.cloud.oracle.com/en-us/creating-persistent-volumeclaim</a:t>
+            </a:r>
+            <a:r>
+              <a:rPr lang="en-US" dirty="0"/>
+              <a:t> </a:t>
+            </a:r>
+          </a:p>
+          <a:p>
+            <a:r>
+              <a:rPr lang="en-US" dirty="0">
+                <a:hlinkClick r:id="rId3"/>
+              </a:rPr>
+              <a:t>https://kubernetes.io/docs/storage/volumes/</a:t>
+            </a:r>
+            <a:r>
+              <a:rPr lang="en-US" dirty="0"/>
+              <a:t> </a:t>
+            </a:r>
+          </a:p>
+          <a:p>
+            <a:r>
+              <a:rPr lang="en-US" dirty="0">
+                <a:hlinkClick r:id="rId4"/>
+              </a:rPr>
+              <a:t>https://kubernetes.io/docs/storage/persistent-volumes/</a:t>
+            </a:r>
+            <a:r>
+              <a:rPr lang="en-US" dirty="0"/>
+              <a:t> </a:t>
+            </a:r>
+          </a:p>
+          <a:p>
+            <a:r>
+              <a:rPr lang="en-US" dirty="0">
+                <a:hlinkClick r:id="rId5"/>
+              </a:rPr>
+              <a:t>https://kubernetes.io/docs/tasks/configure-pod-container/configure-persistent-volume-storage/</a:t>
+            </a:r>
+            <a:r>
+              <a:rPr lang="en-US" dirty="0"/>
+              <a:t> </a:t>
+            </a:r>
+          </a:p>
+        </p:txBody>
+      </p:sp>
+      <p:pic>
+        <p:nvPicPr>
+          <p:cNvPr id="18" name="Picture 17">
+            <a:extLst>
+              <a:ext uri="{FF2B5EF4-FFF2-40B4-BE49-F238E27FC236}">
+                <a16:creationId xmlns:a16="http://schemas.microsoft.com/office/drawing/2014/main" id="{D608B2C0-1835-124D-BEA9-D8224E4EFDF9}"/>
+              </a:ext>
+            </a:extLst>
+          </p:cNvPr>
+          <p:cNvPicPr>
+            <a:picLocks noChangeAspect="1"/>
+          </p:cNvPicPr>
+          <p:nvPr/>
+        </p:nvPicPr>
+        <p:blipFill>
+          <a:blip r:embed="rId6">
+            <a:extLst>
+              <a:ext uri="{837473B0-CC2E-450A-ABE3-18F120FF3D39}">
+                <a1611:picAttrSrcUrl xmlns:a1611="http://schemas.microsoft.com/office/drawing/2016/11/main" r:id="rId7"/>
+              </a:ext>
+            </a:extLst>
+          </a:blip>
+          <a:stretch>
+            <a:fillRect/>
+          </a:stretch>
+        </p:blipFill>
+        <p:spPr>
+          <a:xfrm>
+            <a:off x="1952369" y="2310964"/>
+            <a:ext cx="1285103" cy="1124465"/>
+          </a:xfrm>
+          <a:prstGeom prst="rect">
+            <a:avLst/>
+          </a:prstGeom>
+        </p:spPr>
+      </p:pic>
+    </p:spTree>
+    <p:extLst>
+      <p:ext uri="{BB962C8B-B14F-4D97-AF65-F5344CB8AC3E}">
+        <p14:creationId xmlns:p14="http://schemas.microsoft.com/office/powerpoint/2010/main" val="1978654902"/>
+      </p:ext>
+    </p:extLst>
+  </p:cSld>
+  <p:clrMapOvr>
+    <a:masterClrMapping/>
+  </p:clrMapOvr>
+</p:sld>
+</file>
+
+<file path=ppt/slides/slide35.xml><?xml version="1.0" encoding="utf-8"?>
+<p:sld xmlns:a="http://schemas.openxmlformats.org/drawingml/2006/main" xmlns:r="http://schemas.openxmlformats.org/officeDocument/2006/relationships" xmlns:p="http://schemas.openxmlformats.org/presentationml/2006/main">
+  <p:cSld>
+    <p:spTree>
+      <p:nvGrpSpPr>
+        <p:cNvPr id="1" name=""/>
+        <p:cNvGrpSpPr/>
+        <p:nvPr/>
+      </p:nvGrpSpPr>
+      <p:grpSpPr>
+        <a:xfrm>
+          <a:off x="0" y="0"/>
+          <a:ext cx="0" cy="0"/>
+          <a:chOff x="0" y="0"/>
+          <a:chExt cx="0" cy="0"/>
+        </a:xfrm>
+      </p:grpSpPr>
+      <p:sp>
+        <p:nvSpPr>
+          <p:cNvPr id="2" name="Title 1">
+            <a:extLst>
+              <a:ext uri="{FF2B5EF4-FFF2-40B4-BE49-F238E27FC236}">
+                <a16:creationId xmlns:a16="http://schemas.microsoft.com/office/drawing/2014/main" id="{D9063549-F103-624D-9FBD-D8B2D69698F9}"/>
+              </a:ext>
+            </a:extLst>
+          </p:cNvPr>
+          <p:cNvSpPr>
+            <a:spLocks noGrp="1"/>
+          </p:cNvSpPr>
+          <p:nvPr>
+            <p:ph type="title"/>
+          </p:nvPr>
+        </p:nvSpPr>
+        <p:spPr/>
+        <p:txBody>
+          <a:bodyPr/>
+          <a:lstStyle/>
+          <a:p>
+            <a:r>
+              <a:rPr lang="en-US" dirty="0"/>
+              <a:t>Exam Tips</a:t>
+            </a:r>
+          </a:p>
+        </p:txBody>
+      </p:sp>
+      <p:sp>
+        <p:nvSpPr>
+          <p:cNvPr id="3" name="Content Placeholder 2">
+            <a:extLst>
+              <a:ext uri="{FF2B5EF4-FFF2-40B4-BE49-F238E27FC236}">
+                <a16:creationId xmlns:a16="http://schemas.microsoft.com/office/drawing/2014/main" id="{9AE5D944-27C6-964B-A23E-3E234D862456}"/>
+              </a:ext>
+            </a:extLst>
+          </p:cNvPr>
+          <p:cNvSpPr>
+            <a:spLocks noGrp="1"/>
+          </p:cNvSpPr>
+          <p:nvPr>
+            <p:ph idx="1"/>
+          </p:nvPr>
+        </p:nvSpPr>
+        <p:spPr/>
+        <p:txBody>
+          <a:bodyPr/>
+          <a:lstStyle/>
+          <a:p>
+            <a:r>
+              <a:rPr lang="en-US" dirty="0" err="1"/>
+              <a:t>kubectl</a:t>
+            </a:r>
+            <a:endParaRPr lang="en-US" dirty="0"/>
+          </a:p>
+        </p:txBody>
+      </p:sp>
+      <p:sp>
+        <p:nvSpPr>
+          <p:cNvPr id="4" name="Footer Placeholder 3">
+            <a:extLst>
+              <a:ext uri="{FF2B5EF4-FFF2-40B4-BE49-F238E27FC236}">
+                <a16:creationId xmlns:a16="http://schemas.microsoft.com/office/drawing/2014/main" id="{364A9072-826A-624F-A17E-49CD57C6A0ED}"/>
+              </a:ext>
+            </a:extLst>
+          </p:cNvPr>
+          <p:cNvSpPr>
+            <a:spLocks noGrp="1"/>
+          </p:cNvSpPr>
+          <p:nvPr>
+            <p:ph type="ftr" sz="quarter" idx="11"/>
+          </p:nvPr>
+        </p:nvSpPr>
+        <p:spPr/>
+        <p:txBody>
+          <a:bodyPr/>
+          <a:lstStyle/>
+          <a:p>
+            <a:r>
+              <a:rPr lang="en-US"/>
+              <a:t>© Krishna Manchikalapudi</a:t>
+            </a:r>
+            <a:endParaRPr lang="en-US" dirty="0"/>
+          </a:p>
+        </p:txBody>
+      </p:sp>
+      <p:sp>
+        <p:nvSpPr>
+          <p:cNvPr id="5" name="Slide Number Placeholder 4">
+            <a:extLst>
+              <a:ext uri="{FF2B5EF4-FFF2-40B4-BE49-F238E27FC236}">
+                <a16:creationId xmlns:a16="http://schemas.microsoft.com/office/drawing/2014/main" id="{4136689D-6F24-6E4E-855B-62FD0611B6BC}"/>
+              </a:ext>
+            </a:extLst>
+          </p:cNvPr>
+          <p:cNvSpPr>
+            <a:spLocks noGrp="1"/>
+          </p:cNvSpPr>
+          <p:nvPr>
+            <p:ph type="sldNum" sz="quarter" idx="12"/>
+          </p:nvPr>
+        </p:nvSpPr>
+        <p:spPr/>
+        <p:txBody>
+          <a:bodyPr/>
+          <a:lstStyle/>
+          <a:p>
+            <a:fld id="{D57F1E4F-1CFF-5643-939E-217C01CDF565}" type="slidenum">
+              <a:rPr lang="en-US" smtClean="0"/>
+              <a:pPr/>
+              <a:t>35</a:t>
+            </a:fld>
+            <a:endParaRPr lang="en-US" dirty="0"/>
+          </a:p>
+        </p:txBody>
+      </p:sp>
+    </p:spTree>
+    <p:extLst>
+      <p:ext uri="{BB962C8B-B14F-4D97-AF65-F5344CB8AC3E}">
+        <p14:creationId xmlns:p14="http://schemas.microsoft.com/office/powerpoint/2010/main" val="3096419494"/>
+      </p:ext>
+    </p:extLst>
+  </p:cSld>
+  <p:clrMapOvr>
+    <a:masterClrMapping/>
+  </p:clrMapOvr>
+</p:sld>
+</file>
+
+<file path=ppt/slides/slide36.xml><?xml version="1.0" encoding="utf-8"?>
+<p:sld xmlns:a="http://schemas.openxmlformats.org/drawingml/2006/main" xmlns:r="http://schemas.openxmlformats.org/officeDocument/2006/relationships" xmlns:p="http://schemas.openxmlformats.org/presentationml/2006/main">
+  <p:cSld>
+    <p:spTree>
+      <p:nvGrpSpPr>
+        <p:cNvPr id="1" name=""/>
+        <p:cNvGrpSpPr/>
+        <p:nvPr/>
+      </p:nvGrpSpPr>
+      <p:grpSpPr>
+        <a:xfrm>
+          <a:off x="0" y="0"/>
+          <a:ext cx="0" cy="0"/>
+          <a:chOff x="0" y="0"/>
+          <a:chExt cx="0" cy="0"/>
+        </a:xfrm>
+      </p:grpSpPr>
+      <p:sp>
+        <p:nvSpPr>
+          <p:cNvPr id="2" name="Title 1">
+            <a:extLst>
+              <a:ext uri="{FF2B5EF4-FFF2-40B4-BE49-F238E27FC236}">
+                <a16:creationId xmlns:a16="http://schemas.microsoft.com/office/drawing/2014/main" id="{97F359FA-FA3C-0F43-809E-2D386A642ECD}"/>
+              </a:ext>
+            </a:extLst>
+          </p:cNvPr>
+          <p:cNvSpPr>
+            <a:spLocks noGrp="1"/>
+          </p:cNvSpPr>
+          <p:nvPr>
+            <p:ph type="title"/>
+          </p:nvPr>
+        </p:nvSpPr>
+        <p:spPr/>
+        <p:txBody>
+          <a:bodyPr/>
+          <a:lstStyle/>
+          <a:p>
+            <a:endParaRPr lang="en-US" dirty="0"/>
+          </a:p>
+        </p:txBody>
+      </p:sp>
+      <p:sp>
+        <p:nvSpPr>
+          <p:cNvPr id="4" name="Footer Placeholder 3">
+            <a:extLst>
+              <a:ext uri="{FF2B5EF4-FFF2-40B4-BE49-F238E27FC236}">
+                <a16:creationId xmlns:a16="http://schemas.microsoft.com/office/drawing/2014/main" id="{CF33E507-DAED-B447-9594-E49D6EF9A506}"/>
+              </a:ext>
+            </a:extLst>
+          </p:cNvPr>
+          <p:cNvSpPr>
+            <a:spLocks noGrp="1"/>
+          </p:cNvSpPr>
+          <p:nvPr>
+            <p:ph type="ftr" sz="quarter" idx="11"/>
+          </p:nvPr>
+        </p:nvSpPr>
+        <p:spPr/>
+        <p:txBody>
+          <a:bodyPr/>
+          <a:lstStyle/>
+          <a:p>
+            <a:r>
+              <a:rPr lang="en-US"/>
+              <a:t>© Krishna Manchikalapudi</a:t>
+            </a:r>
+            <a:endParaRPr lang="en-US" dirty="0"/>
+          </a:p>
+        </p:txBody>
+      </p:sp>
+      <p:sp>
+        <p:nvSpPr>
+          <p:cNvPr id="5" name="Slide Number Placeholder 4">
+            <a:extLst>
+              <a:ext uri="{FF2B5EF4-FFF2-40B4-BE49-F238E27FC236}">
+                <a16:creationId xmlns:a16="http://schemas.microsoft.com/office/drawing/2014/main" id="{921CFD5A-5E60-E044-B5E9-B23A417BFC97}"/>
+              </a:ext>
+            </a:extLst>
+          </p:cNvPr>
+          <p:cNvSpPr>
+            <a:spLocks noGrp="1"/>
+          </p:cNvSpPr>
+          <p:nvPr>
+            <p:ph type="sldNum" sz="quarter" idx="12"/>
+          </p:nvPr>
+        </p:nvSpPr>
+        <p:spPr/>
+        <p:txBody>
+          <a:bodyPr/>
+          <a:lstStyle/>
+          <a:p>
+            <a:fld id="{D57F1E4F-1CFF-5643-939E-217C01CDF565}" type="slidenum">
+              <a:rPr lang="en-US" smtClean="0"/>
+              <a:pPr/>
+              <a:t>36</a:t>
+            </a:fld>
+            <a:endParaRPr lang="en-US" dirty="0"/>
+          </a:p>
+        </p:txBody>
+      </p:sp>
+      <p:pic>
+        <p:nvPicPr>
+          <p:cNvPr id="10" name="Picture 9">
+            <a:extLst>
+              <a:ext uri="{FF2B5EF4-FFF2-40B4-BE49-F238E27FC236}">
+                <a16:creationId xmlns:a16="http://schemas.microsoft.com/office/drawing/2014/main" id="{333988D2-5076-244D-8A61-91EC95F07CC4}"/>
+              </a:ext>
+            </a:extLst>
+          </p:cNvPr>
+          <p:cNvPicPr>
+            <a:picLocks noChangeAspect="1"/>
+          </p:cNvPicPr>
+          <p:nvPr/>
+        </p:nvPicPr>
+        <p:blipFill>
+          <a:blip r:embed="rId2">
+            <a:extLst>
+              <a:ext uri="{837473B0-CC2E-450A-ABE3-18F120FF3D39}">
+                <a1611:picAttrSrcUrl xmlns:a1611="http://schemas.microsoft.com/office/drawing/2016/11/main" r:id="rId3"/>
+              </a:ext>
+            </a:extLst>
+          </a:blip>
+          <a:stretch>
+            <a:fillRect/>
+          </a:stretch>
+        </p:blipFill>
+        <p:spPr>
+          <a:xfrm>
+            <a:off x="780922" y="2539925"/>
+            <a:ext cx="3709086" cy="2079571"/>
+          </a:xfrm>
+          <a:prstGeom prst="rect">
+            <a:avLst/>
+          </a:prstGeom>
+        </p:spPr>
+      </p:pic>
+      <p:pic>
+        <p:nvPicPr>
+          <p:cNvPr id="15" name="Content Placeholder 14">
+            <a:extLst>
+              <a:ext uri="{FF2B5EF4-FFF2-40B4-BE49-F238E27FC236}">
+                <a16:creationId xmlns:a16="http://schemas.microsoft.com/office/drawing/2014/main" id="{609E3C0E-BC02-064E-AFB9-44AC3E907276}"/>
+              </a:ext>
+            </a:extLst>
+          </p:cNvPr>
+          <p:cNvPicPr>
+            <a:picLocks noGrp="1" noChangeAspect="1"/>
+          </p:cNvPicPr>
+          <p:nvPr>
+            <p:ph idx="1"/>
+          </p:nvPr>
+        </p:nvPicPr>
+        <p:blipFill>
+          <a:blip r:embed="rId4">
+            <a:extLst>
+              <a:ext uri="{837473B0-CC2E-450A-ABE3-18F120FF3D39}">
+                <a1611:picAttrSrcUrl xmlns:a1611="http://schemas.microsoft.com/office/drawing/2016/11/main" r:id="rId5"/>
+              </a:ext>
+            </a:extLst>
+          </a:blip>
+          <a:stretch>
+            <a:fillRect/>
+          </a:stretch>
+        </p:blipFill>
+        <p:spPr>
+          <a:xfrm>
+            <a:off x="4597717" y="816591"/>
+            <a:ext cx="6961760" cy="4646058"/>
+          </a:xfrm>
+        </p:spPr>
+      </p:pic>
+    </p:spTree>
+    <p:extLst>
+      <p:ext uri="{BB962C8B-B14F-4D97-AF65-F5344CB8AC3E}">
+        <p14:creationId xmlns:p14="http://schemas.microsoft.com/office/powerpoint/2010/main" val="3851299402"/>
       </p:ext>
     </p:extLst>
   </p:cSld>
@@ -21083,6 +24373,42 @@
           </a:p>
         </p:txBody>
       </p:sp>
+      <p:pic>
+        <p:nvPicPr>
+          <p:cNvPr id="7" name="Picture 6">
+            <a:extLst>
+              <a:ext uri="{FF2B5EF4-FFF2-40B4-BE49-F238E27FC236}">
+                <a16:creationId xmlns:a16="http://schemas.microsoft.com/office/drawing/2014/main" id="{AC21DF87-E90F-1749-AE9D-02CF656F7C93}"/>
+              </a:ext>
+            </a:extLst>
+          </p:cNvPr>
+          <p:cNvPicPr>
+            <a:picLocks noChangeAspect="1"/>
+          </p:cNvPicPr>
+          <p:nvPr/>
+        </p:nvPicPr>
+        <p:blipFill>
+          <a:blip r:embed="rId2">
+            <a:extLst>
+              <a:ext uri="{837473B0-CC2E-450A-ABE3-18F120FF3D39}">
+                <a1611:picAttrSrcUrl xmlns:a1611="http://schemas.microsoft.com/office/drawing/2016/11/main" r:id="rId3"/>
+              </a:ext>
+            </a:extLst>
+          </a:blip>
+          <a:stretch>
+            <a:fillRect/>
+          </a:stretch>
+        </p:blipFill>
+        <p:spPr>
+          <a:xfrm>
+            <a:off x="791680" y="2349925"/>
+            <a:ext cx="1088542" cy="1045000"/>
+          </a:xfrm>
+          <a:prstGeom prst="rect">
+            <a:avLst/>
+          </a:prstGeom>
+        </p:spPr>
+      </p:pic>
     </p:spTree>
     <p:extLst>
       <p:ext uri="{BB962C8B-B14F-4D97-AF65-F5344CB8AC3E}">
@@ -21282,6 +24608,42 @@
           </a:p>
         </p:txBody>
       </p:sp>
+      <p:pic>
+        <p:nvPicPr>
+          <p:cNvPr id="7" name="Picture 6">
+            <a:extLst>
+              <a:ext uri="{FF2B5EF4-FFF2-40B4-BE49-F238E27FC236}">
+                <a16:creationId xmlns:a16="http://schemas.microsoft.com/office/drawing/2014/main" id="{C0FFB137-78CB-374D-83F7-575CBD8DE87E}"/>
+              </a:ext>
+            </a:extLst>
+          </p:cNvPr>
+          <p:cNvPicPr>
+            <a:picLocks noChangeAspect="1"/>
+          </p:cNvPicPr>
+          <p:nvPr/>
+        </p:nvPicPr>
+        <p:blipFill>
+          <a:blip r:embed="rId5">
+            <a:extLst>
+              <a:ext uri="{837473B0-CC2E-450A-ABE3-18F120FF3D39}">
+                <a1611:picAttrSrcUrl xmlns:a1611="http://schemas.microsoft.com/office/drawing/2016/11/main" r:id="rId6"/>
+              </a:ext>
+            </a:extLst>
+          </a:blip>
+          <a:stretch>
+            <a:fillRect/>
+          </a:stretch>
+        </p:blipFill>
+        <p:spPr>
+          <a:xfrm>
+            <a:off x="729556" y="2312854"/>
+            <a:ext cx="1519473" cy="924616"/>
+          </a:xfrm>
+          <a:prstGeom prst="rect">
+            <a:avLst/>
+          </a:prstGeom>
+        </p:spPr>
+      </p:pic>
     </p:spTree>
     <p:extLst>
       <p:ext uri="{BB962C8B-B14F-4D97-AF65-F5344CB8AC3E}">
@@ -21538,6 +24900,42 @@
           </a:p>
         </p:txBody>
       </p:sp>
+      <p:pic>
+        <p:nvPicPr>
+          <p:cNvPr id="7" name="Picture 6">
+            <a:extLst>
+              <a:ext uri="{FF2B5EF4-FFF2-40B4-BE49-F238E27FC236}">
+                <a16:creationId xmlns:a16="http://schemas.microsoft.com/office/drawing/2014/main" id="{3CC1813F-1008-2C44-AD0F-85B0CC3836C5}"/>
+              </a:ext>
+            </a:extLst>
+          </p:cNvPr>
+          <p:cNvPicPr>
+            <a:picLocks noChangeAspect="1"/>
+          </p:cNvPicPr>
+          <p:nvPr/>
+        </p:nvPicPr>
+        <p:blipFill>
+          <a:blip r:embed="rId2">
+            <a:extLst>
+              <a:ext uri="{837473B0-CC2E-450A-ABE3-18F120FF3D39}">
+                <a1611:picAttrSrcUrl xmlns:a1611="http://schemas.microsoft.com/office/drawing/2016/11/main" r:id="rId3"/>
+              </a:ext>
+            </a:extLst>
+          </a:blip>
+          <a:stretch>
+            <a:fillRect/>
+          </a:stretch>
+        </p:blipFill>
+        <p:spPr>
+          <a:xfrm>
+            <a:off x="1790979" y="153831"/>
+            <a:ext cx="1658036" cy="2057618"/>
+          </a:xfrm>
+          <a:prstGeom prst="rect">
+            <a:avLst/>
+          </a:prstGeom>
+        </p:spPr>
+      </p:pic>
     </p:spTree>
     <p:extLst>
       <p:ext uri="{BB962C8B-B14F-4D97-AF65-F5344CB8AC3E}">
@@ -21770,7 +25168,7 @@
                   <a:schemeClr val="bg1"/>
                 </a:solidFill>
               </a:rPr>
-              <a:t>Core Concepts 13%</a:t>
+              <a:t>Core Concepts - 13%</a:t>
             </a:r>
           </a:p>
         </p:txBody>
@@ -21992,11 +25390,47 @@
                   <a:schemeClr val="bg1"/>
                 </a:solidFill>
               </a:rPr>
-              <a:t>Core Concepts 13%</a:t>
+              <a:t>Core Concepts - 13%</a:t>
             </a:r>
           </a:p>
         </p:txBody>
       </p:sp>
+      <p:pic>
+        <p:nvPicPr>
+          <p:cNvPr id="8" name="Picture 7">
+            <a:extLst>
+              <a:ext uri="{FF2B5EF4-FFF2-40B4-BE49-F238E27FC236}">
+                <a16:creationId xmlns:a16="http://schemas.microsoft.com/office/drawing/2014/main" id="{5BFEAC14-B367-3249-B6BC-DCECE5DA0E89}"/>
+              </a:ext>
+            </a:extLst>
+          </p:cNvPr>
+          <p:cNvPicPr>
+            <a:picLocks noChangeAspect="1"/>
+          </p:cNvPicPr>
+          <p:nvPr/>
+        </p:nvPicPr>
+        <p:blipFill>
+          <a:blip r:embed="rId2">
+            <a:extLst>
+              <a:ext uri="{837473B0-CC2E-450A-ABE3-18F120FF3D39}">
+                <a1611:picAttrSrcUrl xmlns:a1611="http://schemas.microsoft.com/office/drawing/2016/11/main" r:id="rId3"/>
+              </a:ext>
+            </a:extLst>
+          </a:blip>
+          <a:stretch>
+            <a:fillRect/>
+          </a:stretch>
+        </p:blipFill>
+        <p:spPr>
+          <a:xfrm>
+            <a:off x="791680" y="2745"/>
+            <a:ext cx="3693823" cy="1877342"/>
+          </a:xfrm>
+          <a:prstGeom prst="rect">
+            <a:avLst/>
+          </a:prstGeom>
+        </p:spPr>
+      </p:pic>
     </p:spTree>
     <p:extLst>
       <p:ext uri="{BB962C8B-B14F-4D97-AF65-F5344CB8AC3E}">
@@ -22173,11 +25607,47 @@
                   <a:schemeClr val="bg1"/>
                 </a:solidFill>
               </a:rPr>
-              <a:t>Core Concepts 13%</a:t>
+              <a:t>Core Concepts - 13%</a:t>
             </a:r>
           </a:p>
         </p:txBody>
       </p:sp>
+      <p:pic>
+        <p:nvPicPr>
+          <p:cNvPr id="7" name="Picture 6">
+            <a:extLst>
+              <a:ext uri="{FF2B5EF4-FFF2-40B4-BE49-F238E27FC236}">
+                <a16:creationId xmlns:a16="http://schemas.microsoft.com/office/drawing/2014/main" id="{AF078CBB-A568-9140-9393-AAF60914A9DD}"/>
+              </a:ext>
+            </a:extLst>
+          </p:cNvPr>
+          <p:cNvPicPr>
+            <a:picLocks noChangeAspect="1"/>
+          </p:cNvPicPr>
+          <p:nvPr/>
+        </p:nvPicPr>
+        <p:blipFill>
+          <a:blip r:embed="rId2">
+            <a:extLst>
+              <a:ext uri="{837473B0-CC2E-450A-ABE3-18F120FF3D39}">
+                <a1611:picAttrSrcUrl xmlns:a1611="http://schemas.microsoft.com/office/drawing/2016/11/main" r:id="rId3"/>
+              </a:ext>
+            </a:extLst>
+          </a:blip>
+          <a:stretch>
+            <a:fillRect/>
+          </a:stretch>
+        </p:blipFill>
+        <p:spPr>
+          <a:xfrm>
+            <a:off x="791680" y="2745"/>
+            <a:ext cx="3693823" cy="1877342"/>
+          </a:xfrm>
+          <a:prstGeom prst="rect">
+            <a:avLst/>
+          </a:prstGeom>
+        </p:spPr>
+      </p:pic>
     </p:spTree>
     <p:extLst>
       <p:ext uri="{BB962C8B-B14F-4D97-AF65-F5344CB8AC3E}">
